--- a/임시 제작 PPT 1차 수정본.pptx
+++ b/임시 제작 PPT 1차 수정본.pptx
@@ -5,16 +5,14 @@
     <p:sldMasterId id="2147483648" r:id="rId1"/>
   </p:sldMasterIdLst>
   <p:sldIdLst>
-    <p:sldId id="256" r:id="rId2"/>
-    <p:sldId id="257" r:id="rId3"/>
-    <p:sldId id="258" r:id="rId4"/>
-    <p:sldId id="259" r:id="rId5"/>
-    <p:sldId id="260" r:id="rId6"/>
-    <p:sldId id="261" r:id="rId7"/>
-    <p:sldId id="262" r:id="rId8"/>
-    <p:sldId id="263" r:id="rId9"/>
-    <p:sldId id="264" r:id="rId10"/>
-    <p:sldId id="265" r:id="rId11"/>
+    <p:sldId id="257" r:id="rId2"/>
+    <p:sldId id="258" r:id="rId3"/>
+    <p:sldId id="259" r:id="rId4"/>
+    <p:sldId id="260" r:id="rId5"/>
+    <p:sldId id="261" r:id="rId6"/>
+    <p:sldId id="262" r:id="rId7"/>
+    <p:sldId id="264" r:id="rId8"/>
+    <p:sldId id="265" r:id="rId9"/>
   </p:sldIdLst>
   <p:sldSz cx="12192000" cy="6858000"/>
   <p:notesSz cx="6858000" cy="9144000"/>
@@ -1922,7 +1920,7 @@
           <a:p>
             <a:fld id="{F15F3E34-A9D0-46AE-B0C4-AB3589510FCC}" type="datetimeFigureOut">
               <a:rPr lang="ko-KR" altLang="en-US" smtClean="0"/>
-              <a:t>2020-12-07</a:t>
+              <a:t>2020-12-08</a:t>
             </a:fld>
             <a:endParaRPr lang="ko-KR" altLang="en-US"/>
           </a:p>
@@ -2120,7 +2118,7 @@
           <a:p>
             <a:fld id="{F15F3E34-A9D0-46AE-B0C4-AB3589510FCC}" type="datetimeFigureOut">
               <a:rPr lang="ko-KR" altLang="en-US" smtClean="0"/>
-              <a:t>2020-12-07</a:t>
+              <a:t>2020-12-08</a:t>
             </a:fld>
             <a:endParaRPr lang="ko-KR" altLang="en-US"/>
           </a:p>
@@ -2328,7 +2326,7 @@
           <a:p>
             <a:fld id="{F15F3E34-A9D0-46AE-B0C4-AB3589510FCC}" type="datetimeFigureOut">
               <a:rPr lang="ko-KR" altLang="en-US" smtClean="0"/>
-              <a:t>2020-12-07</a:t>
+              <a:t>2020-12-08</a:t>
             </a:fld>
             <a:endParaRPr lang="ko-KR" altLang="en-US"/>
           </a:p>
@@ -2526,7 +2524,7 @@
           <a:p>
             <a:fld id="{F15F3E34-A9D0-46AE-B0C4-AB3589510FCC}" type="datetimeFigureOut">
               <a:rPr lang="ko-KR" altLang="en-US" smtClean="0"/>
-              <a:t>2020-12-07</a:t>
+              <a:t>2020-12-08</a:t>
             </a:fld>
             <a:endParaRPr lang="ko-KR" altLang="en-US"/>
           </a:p>
@@ -2801,7 +2799,7 @@
           <a:p>
             <a:fld id="{F15F3E34-A9D0-46AE-B0C4-AB3589510FCC}" type="datetimeFigureOut">
               <a:rPr lang="ko-KR" altLang="en-US" smtClean="0"/>
-              <a:t>2020-12-07</a:t>
+              <a:t>2020-12-08</a:t>
             </a:fld>
             <a:endParaRPr lang="ko-KR" altLang="en-US"/>
           </a:p>
@@ -3066,7 +3064,7 @@
           <a:p>
             <a:fld id="{F15F3E34-A9D0-46AE-B0C4-AB3589510FCC}" type="datetimeFigureOut">
               <a:rPr lang="ko-KR" altLang="en-US" smtClean="0"/>
-              <a:t>2020-12-07</a:t>
+              <a:t>2020-12-08</a:t>
             </a:fld>
             <a:endParaRPr lang="ko-KR" altLang="en-US"/>
           </a:p>
@@ -3478,7 +3476,7 @@
           <a:p>
             <a:fld id="{F15F3E34-A9D0-46AE-B0C4-AB3589510FCC}" type="datetimeFigureOut">
               <a:rPr lang="ko-KR" altLang="en-US" smtClean="0"/>
-              <a:t>2020-12-07</a:t>
+              <a:t>2020-12-08</a:t>
             </a:fld>
             <a:endParaRPr lang="ko-KR" altLang="en-US"/>
           </a:p>
@@ -3619,7 +3617,7 @@
           <a:p>
             <a:fld id="{F15F3E34-A9D0-46AE-B0C4-AB3589510FCC}" type="datetimeFigureOut">
               <a:rPr lang="ko-KR" altLang="en-US" smtClean="0"/>
-              <a:t>2020-12-07</a:t>
+              <a:t>2020-12-08</a:t>
             </a:fld>
             <a:endParaRPr lang="ko-KR" altLang="en-US"/>
           </a:p>
@@ -3732,7 +3730,7 @@
           <a:p>
             <a:fld id="{F15F3E34-A9D0-46AE-B0C4-AB3589510FCC}" type="datetimeFigureOut">
               <a:rPr lang="ko-KR" altLang="en-US" smtClean="0"/>
-              <a:t>2020-12-07</a:t>
+              <a:t>2020-12-08</a:t>
             </a:fld>
             <a:endParaRPr lang="ko-KR" altLang="en-US"/>
           </a:p>
@@ -4043,7 +4041,7 @@
           <a:p>
             <a:fld id="{F15F3E34-A9D0-46AE-B0C4-AB3589510FCC}" type="datetimeFigureOut">
               <a:rPr lang="ko-KR" altLang="en-US" smtClean="0"/>
-              <a:t>2020-12-07</a:t>
+              <a:t>2020-12-08</a:t>
             </a:fld>
             <a:endParaRPr lang="ko-KR" altLang="en-US"/>
           </a:p>
@@ -4331,7 +4329,7 @@
           <a:p>
             <a:fld id="{F15F3E34-A9D0-46AE-B0C4-AB3589510FCC}" type="datetimeFigureOut">
               <a:rPr lang="ko-KR" altLang="en-US" smtClean="0"/>
-              <a:t>2020-12-07</a:t>
+              <a:t>2020-12-08</a:t>
             </a:fld>
             <a:endParaRPr lang="ko-KR" altLang="en-US"/>
           </a:p>
@@ -4572,7 +4570,7 @@
           <a:p>
             <a:fld id="{F15F3E34-A9D0-46AE-B0C4-AB3589510FCC}" type="datetimeFigureOut">
               <a:rPr lang="ko-KR" altLang="en-US" smtClean="0"/>
-              <a:t>2020-12-07</a:t>
+              <a:t>2020-12-08</a:t>
             </a:fld>
             <a:endParaRPr lang="ko-KR" altLang="en-US"/>
           </a:p>
@@ -4991,10 +4989,10 @@
       </p:grpSpPr>
       <p:sp>
         <p:nvSpPr>
-          <p:cNvPr id="4" name="제목 3">
-            <a:extLst>
-              <a:ext uri="{FF2B5EF4-FFF2-40B4-BE49-F238E27FC236}">
-                <a16:creationId xmlns:a16="http://schemas.microsoft.com/office/drawing/2014/main" id="{C121DABE-29FB-4CBD-821C-8094916CC188}"/>
+          <p:cNvPr id="2" name="제목 1">
+            <a:extLst>
+              <a:ext uri="{FF2B5EF4-FFF2-40B4-BE49-F238E27FC236}">
+                <a16:creationId xmlns:a16="http://schemas.microsoft.com/office/drawing/2014/main" id="{E66C671F-F451-44B9-A89F-676F52FF2E86}"/>
               </a:ext>
             </a:extLst>
           </p:cNvPr>
@@ -5011,26 +5009,38 @@
           <a:lstStyle/>
           <a:p>
             <a:r>
-              <a:rPr lang="en-US" altLang="ko-KR" dirty="0"/>
-              <a:t>201601227 </a:t>
+              <a:rPr lang="ko-KR" altLang="en-US" dirty="0"/>
+              <a:t>데이터 분석</a:t>
+            </a:r>
+            <a:r>
+              <a:rPr lang="en-US" altLang="ko-KR" dirty="0"/>
+              <a:t>-2020 </a:t>
             </a:r>
             <a:r>
               <a:rPr lang="ko-KR" altLang="en-US" dirty="0" err="1"/>
-              <a:t>박상제</a:t>
-            </a:r>
-            <a:r>
-              <a:rPr lang="ko-KR" altLang="en-US" dirty="0"/>
-              <a:t> 데이터분석 진행 현황</a:t>
-            </a:r>
-          </a:p>
-        </p:txBody>
-      </p:sp>
-      <p:sp>
-        <p:nvSpPr>
-          <p:cNvPr id="5" name="내용 개체 틀 4">
-            <a:extLst>
-              <a:ext uri="{FF2B5EF4-FFF2-40B4-BE49-F238E27FC236}">
-                <a16:creationId xmlns:a16="http://schemas.microsoft.com/office/drawing/2014/main" id="{65A1F4CE-53FA-46A0-842D-F37334A425DB}"/>
+              <a:t>리그오브레전드</a:t>
+            </a:r>
+            <a:r>
+              <a:rPr lang="ko-KR" altLang="en-US" dirty="0"/>
+              <a:t> </a:t>
+            </a:r>
+            <a:r>
+              <a:rPr lang="ko-KR" altLang="en-US" dirty="0" err="1"/>
+              <a:t>월드챔피언쉽</a:t>
+            </a:r>
+            <a:r>
+              <a:rPr lang="ko-KR" altLang="en-US" dirty="0"/>
+              <a:t> 개막식 댓글 내용 분석</a:t>
+            </a:r>
+          </a:p>
+        </p:txBody>
+      </p:sp>
+      <p:sp>
+        <p:nvSpPr>
+          <p:cNvPr id="3" name="내용 개체 틀 2">
+            <a:extLst>
+              <a:ext uri="{FF2B5EF4-FFF2-40B4-BE49-F238E27FC236}">
+                <a16:creationId xmlns:a16="http://schemas.microsoft.com/office/drawing/2014/main" id="{C57B124C-0C1D-435E-91DF-D5D0E7BF37C0}"/>
               </a:ext>
             </a:extLst>
           </p:cNvPr>
@@ -5041,34 +5051,499 @@
             <p:ph idx="1"/>
           </p:nvPr>
         </p:nvSpPr>
-        <p:spPr/>
-        <p:txBody>
-          <a:bodyPr/>
+        <p:spPr>
+          <a:xfrm>
+            <a:off x="838200" y="1825625"/>
+            <a:ext cx="10515600" cy="4667250"/>
+          </a:xfrm>
+        </p:spPr>
+        <p:txBody>
+          <a:bodyPr>
+            <a:normAutofit/>
+          </a:bodyPr>
           <a:lstStyle/>
           <a:p>
-            <a:r>
-              <a:rPr lang="en-US" altLang="ko-KR" dirty="0"/>
-              <a:t>1.</a:t>
-            </a:r>
-            <a:r>
-              <a:rPr lang="ko-KR" altLang="en-US" dirty="0"/>
-              <a:t>데이터 분석은 종료</a:t>
-            </a:r>
-            <a:r>
-              <a:rPr lang="en-US" altLang="ko-KR" dirty="0"/>
+            <a:endParaRPr lang="ko-KR" altLang="en-US" dirty="0"/>
+          </a:p>
+        </p:txBody>
+      </p:sp>
+      <p:sp>
+        <p:nvSpPr>
+          <p:cNvPr id="4" name="직사각형 3">
+            <a:extLst>
+              <a:ext uri="{FF2B5EF4-FFF2-40B4-BE49-F238E27FC236}">
+                <a16:creationId xmlns:a16="http://schemas.microsoft.com/office/drawing/2014/main" id="{2524F7D0-8A32-407D-8074-7158053DC739}"/>
+              </a:ext>
+            </a:extLst>
+          </p:cNvPr>
+          <p:cNvSpPr/>
+          <p:nvPr/>
+        </p:nvSpPr>
+        <p:spPr>
+          <a:xfrm>
+            <a:off x="571130" y="2281592"/>
+            <a:ext cx="5092083" cy="3133878"/>
+          </a:xfrm>
+          <a:prstGeom prst="rect">
+            <a:avLst/>
+          </a:prstGeom>
+        </p:spPr>
+        <p:style>
+          <a:lnRef idx="2">
+            <a:schemeClr val="accent5">
+              <a:shade val="50000"/>
+            </a:schemeClr>
+          </a:lnRef>
+          <a:fillRef idx="1">
+            <a:schemeClr val="accent5"/>
+          </a:fillRef>
+          <a:effectRef idx="0">
+            <a:schemeClr val="accent5"/>
+          </a:effectRef>
+          <a:fontRef idx="minor">
+            <a:schemeClr val="lt1"/>
+          </a:fontRef>
+        </p:style>
+        <p:txBody>
+          <a:bodyPr rtlCol="0" anchor="ctr"/>
+          <a:lstStyle/>
+          <a:p>
+            <a:pPr algn="ctr"/>
+            <a:r>
+              <a:rPr lang="ko-KR" altLang="en-US" sz="2000" dirty="0">
+                <a:ln w="0"/>
+                <a:solidFill>
+                  <a:schemeClr val="bg1"/>
+                </a:solidFill>
+                <a:effectLst>
+                  <a:outerShdw blurRad="38100" dist="19050" dir="2700000" algn="tl" rotWithShape="0">
+                    <a:schemeClr val="dk1">
+                      <a:alpha val="40000"/>
+                    </a:schemeClr>
+                  </a:outerShdw>
+                </a:effectLst>
+              </a:rPr>
+              <a:t>목적</a:t>
+            </a:r>
+            <a:r>
+              <a:rPr lang="en-US" altLang="ko-KR" sz="2000" dirty="0">
+                <a:ln w="0"/>
+                <a:solidFill>
+                  <a:schemeClr val="bg1"/>
+                </a:solidFill>
+                <a:effectLst>
+                  <a:outerShdw blurRad="38100" dist="19050" dir="2700000" algn="tl" rotWithShape="0">
+                    <a:schemeClr val="dk1">
+                      <a:alpha val="40000"/>
+                    </a:schemeClr>
+                  </a:outerShdw>
+                </a:effectLst>
+              </a:rPr>
+              <a:t>: 2020</a:t>
+            </a:r>
+            <a:r>
+              <a:rPr lang="ko-KR" altLang="en-US" sz="2000" dirty="0">
+                <a:ln w="0"/>
+                <a:solidFill>
+                  <a:schemeClr val="bg1"/>
+                </a:solidFill>
+                <a:effectLst>
+                  <a:outerShdw blurRad="38100" dist="19050" dir="2700000" algn="tl" rotWithShape="0">
+                    <a:schemeClr val="dk1">
+                      <a:alpha val="40000"/>
+                    </a:schemeClr>
+                  </a:outerShdw>
+                </a:effectLst>
+              </a:rPr>
+              <a:t>년 </a:t>
+            </a:r>
+            <a:r>
+              <a:rPr lang="ko-KR" altLang="en-US" sz="2000" dirty="0" err="1">
+                <a:ln w="0"/>
+                <a:solidFill>
+                  <a:schemeClr val="bg1"/>
+                </a:solidFill>
+                <a:effectLst>
+                  <a:outerShdw blurRad="38100" dist="19050" dir="2700000" algn="tl" rotWithShape="0">
+                    <a:schemeClr val="dk1">
+                      <a:alpha val="40000"/>
+                    </a:schemeClr>
+                  </a:outerShdw>
+                </a:effectLst>
+              </a:rPr>
+              <a:t>리그오브레전드</a:t>
+            </a:r>
+            <a:r>
+              <a:rPr lang="ko-KR" altLang="en-US" sz="2000" dirty="0">
+                <a:ln w="0"/>
+                <a:solidFill>
+                  <a:schemeClr val="bg1"/>
+                </a:solidFill>
+                <a:effectLst>
+                  <a:outerShdw blurRad="38100" dist="19050" dir="2700000" algn="tl" rotWithShape="0">
+                    <a:schemeClr val="dk1">
+                      <a:alpha val="40000"/>
+                    </a:schemeClr>
+                  </a:outerShdw>
+                </a:effectLst>
+              </a:rPr>
+              <a:t> </a:t>
+            </a:r>
+            <a:r>
+              <a:rPr lang="ko-KR" altLang="en-US" sz="2000" dirty="0" err="1">
+                <a:ln w="0"/>
+                <a:solidFill>
+                  <a:schemeClr val="bg1"/>
+                </a:solidFill>
+                <a:effectLst>
+                  <a:outerShdw blurRad="38100" dist="19050" dir="2700000" algn="tl" rotWithShape="0">
+                    <a:schemeClr val="dk1">
+                      <a:alpha val="40000"/>
+                    </a:schemeClr>
+                  </a:outerShdw>
+                </a:effectLst>
+              </a:rPr>
+              <a:t>월드챔피언쉽은</a:t>
+            </a:r>
+            <a:r>
+              <a:rPr lang="ko-KR" altLang="en-US" sz="2000" dirty="0">
+                <a:ln w="0"/>
+                <a:solidFill>
+                  <a:schemeClr val="bg1"/>
+                </a:solidFill>
+                <a:effectLst>
+                  <a:outerShdw blurRad="38100" dist="19050" dir="2700000" algn="tl" rotWithShape="0">
+                    <a:schemeClr val="dk1">
+                      <a:alpha val="40000"/>
+                    </a:schemeClr>
+                  </a:outerShdw>
+                </a:effectLst>
+              </a:rPr>
+              <a:t> 많은 관심을 받은 반면 </a:t>
+            </a:r>
+            <a:r>
+              <a:rPr lang="ko-KR" altLang="en-US" sz="2000" dirty="0" err="1">
+                <a:ln w="0"/>
+                <a:solidFill>
+                  <a:schemeClr val="bg1"/>
+                </a:solidFill>
+                <a:effectLst>
+                  <a:outerShdw blurRad="38100" dist="19050" dir="2700000" algn="tl" rotWithShape="0">
+                    <a:schemeClr val="dk1">
+                      <a:alpha val="40000"/>
+                    </a:schemeClr>
+                  </a:outerShdw>
+                </a:effectLst>
+              </a:rPr>
+              <a:t>긍적적인</a:t>
+            </a:r>
+            <a:r>
+              <a:rPr lang="ko-KR" altLang="en-US" sz="2000" dirty="0">
+                <a:ln w="0"/>
+                <a:solidFill>
+                  <a:schemeClr val="bg1"/>
+                </a:solidFill>
+                <a:effectLst>
+                  <a:outerShdw blurRad="38100" dist="19050" dir="2700000" algn="tl" rotWithShape="0">
+                    <a:schemeClr val="dk1">
+                      <a:alpha val="40000"/>
+                    </a:schemeClr>
+                  </a:outerShdw>
+                </a:effectLst>
+              </a:rPr>
+              <a:t> </a:t>
+            </a:r>
+            <a:r>
+              <a:rPr lang="ko-KR" altLang="en-US" sz="2000" dirty="0" err="1">
+                <a:ln w="0"/>
+                <a:solidFill>
+                  <a:schemeClr val="bg1"/>
+                </a:solidFill>
+                <a:effectLst>
+                  <a:outerShdw blurRad="38100" dist="19050" dir="2700000" algn="tl" rotWithShape="0">
+                    <a:schemeClr val="dk1">
+                      <a:alpha val="40000"/>
+                    </a:schemeClr>
+                  </a:outerShdw>
+                </a:effectLst>
+              </a:rPr>
+              <a:t>평과와</a:t>
+            </a:r>
+            <a:r>
+              <a:rPr lang="ko-KR" altLang="en-US" sz="2000" dirty="0">
+                <a:ln w="0"/>
+                <a:solidFill>
+                  <a:schemeClr val="bg1"/>
+                </a:solidFill>
+                <a:effectLst>
+                  <a:outerShdw blurRad="38100" dist="19050" dir="2700000" algn="tl" rotWithShape="0">
+                    <a:schemeClr val="dk1">
+                      <a:alpha val="40000"/>
+                    </a:schemeClr>
+                  </a:outerShdw>
+                </a:effectLst>
+              </a:rPr>
+              <a:t> 부정적인 평가가 공존하고 있음</a:t>
+            </a:r>
+            <a:r>
+              <a:rPr lang="en-US" altLang="ko-KR" sz="2000" dirty="0">
+                <a:ln w="0"/>
+                <a:solidFill>
+                  <a:schemeClr val="bg1"/>
+                </a:solidFill>
+                <a:effectLst>
+                  <a:outerShdw blurRad="38100" dist="19050" dir="2700000" algn="tl" rotWithShape="0">
+                    <a:schemeClr val="dk1">
+                      <a:alpha val="40000"/>
+                    </a:schemeClr>
+                  </a:outerShdw>
+                </a:effectLst>
+              </a:rPr>
+              <a:t>.</a:t>
+            </a:r>
+            <a:r>
+              <a:rPr lang="ko-KR" altLang="en-US" sz="2000" dirty="0">
+                <a:ln w="0"/>
+                <a:solidFill>
+                  <a:schemeClr val="bg1"/>
+                </a:solidFill>
+                <a:effectLst>
+                  <a:outerShdw blurRad="38100" dist="19050" dir="2700000" algn="tl" rotWithShape="0">
+                    <a:schemeClr val="dk1">
+                      <a:alpha val="40000"/>
+                    </a:schemeClr>
+                  </a:outerShdw>
+                </a:effectLst>
+              </a:rPr>
+              <a:t> 평가가 양분되는 원인을 분석</a:t>
+            </a:r>
+            <a:r>
+              <a:rPr lang="en-US" altLang="ko-KR" sz="2000" dirty="0">
+                <a:ln w="0"/>
+                <a:solidFill>
+                  <a:schemeClr val="bg1"/>
+                </a:solidFill>
+                <a:effectLst>
+                  <a:outerShdw blurRad="38100" dist="19050" dir="2700000" algn="tl" rotWithShape="0">
+                    <a:schemeClr val="dk1">
+                      <a:alpha val="40000"/>
+                    </a:schemeClr>
+                  </a:outerShdw>
+                </a:effectLst>
+              </a:rPr>
               <a:t>, </a:t>
             </a:r>
             <a:r>
-              <a:rPr lang="ko-KR" altLang="en-US" dirty="0"/>
-              <a:t>지난 진행 상황 보고에 넣은 것처럼 한국과 해외의 댓글 데이터를 </a:t>
+              <a:rPr lang="ko-KR" altLang="en-US" sz="2000" dirty="0">
+                <a:ln w="0"/>
+                <a:solidFill>
+                  <a:schemeClr val="bg1"/>
+                </a:solidFill>
+                <a:effectLst>
+                  <a:outerShdw blurRad="38100" dist="19050" dir="2700000" algn="tl" rotWithShape="0">
+                    <a:schemeClr val="dk1">
+                      <a:alpha val="40000"/>
+                    </a:schemeClr>
+                  </a:outerShdw>
+                </a:effectLst>
+              </a:rPr>
+              <a:t>게이머들이 원하는게 </a:t>
+            </a:r>
+            <a:r>
+              <a:rPr lang="ko-KR" altLang="en-US" sz="2000" dirty="0" err="1">
+                <a:ln w="0"/>
+                <a:solidFill>
+                  <a:schemeClr val="bg1"/>
+                </a:solidFill>
+                <a:effectLst>
+                  <a:outerShdw blurRad="38100" dist="19050" dir="2700000" algn="tl" rotWithShape="0">
+                    <a:schemeClr val="dk1">
+                      <a:alpha val="40000"/>
+                    </a:schemeClr>
+                  </a:outerShdw>
+                </a:effectLst>
+              </a:rPr>
+              <a:t>뭔지</a:t>
+            </a:r>
+            <a:r>
+              <a:rPr lang="ko-KR" altLang="en-US" sz="2000" dirty="0">
+                <a:ln w="0"/>
+                <a:solidFill>
+                  <a:schemeClr val="bg1"/>
+                </a:solidFill>
+                <a:effectLst>
+                  <a:outerShdw blurRad="38100" dist="19050" dir="2700000" algn="tl" rotWithShape="0">
+                    <a:schemeClr val="dk1">
+                      <a:alpha val="40000"/>
+                    </a:schemeClr>
+                  </a:outerShdw>
+                </a:effectLst>
+              </a:rPr>
+              <a:t> 파악함</a:t>
+            </a:r>
+            <a:r>
+              <a:rPr lang="en-US" altLang="ko-KR" dirty="0">
+                <a:ln w="0"/>
+                <a:solidFill>
+                  <a:schemeClr val="bg1"/>
+                </a:solidFill>
+                <a:effectLst>
+                  <a:outerShdw blurRad="38100" dist="19050" dir="2700000" algn="tl" rotWithShape="0">
+                    <a:schemeClr val="dk1">
+                      <a:alpha val="40000"/>
+                    </a:schemeClr>
+                  </a:outerShdw>
+                </a:effectLst>
+              </a:rPr>
+              <a:t>.</a:t>
+            </a:r>
+          </a:p>
+          <a:p>
+            <a:pPr algn="ctr"/>
+            <a:endParaRPr lang="ko-KR" altLang="en-US" dirty="0">
+              <a:ln w="0"/>
+              <a:solidFill>
+                <a:schemeClr val="tx1"/>
+              </a:solidFill>
+              <a:effectLst>
+                <a:outerShdw blurRad="38100" dist="19050" dir="2700000" algn="tl" rotWithShape="0">
+                  <a:schemeClr val="dk1">
+                    <a:alpha val="40000"/>
+                  </a:schemeClr>
+                </a:outerShdw>
+              </a:effectLst>
+            </a:endParaRPr>
+          </a:p>
+        </p:txBody>
+      </p:sp>
+      <p:sp>
+        <p:nvSpPr>
+          <p:cNvPr id="5" name="직사각형 4">
+            <a:extLst>
+              <a:ext uri="{FF2B5EF4-FFF2-40B4-BE49-F238E27FC236}">
+                <a16:creationId xmlns:a16="http://schemas.microsoft.com/office/drawing/2014/main" id="{9494BCBE-B9CA-4CB1-B627-158740DEFEBE}"/>
+              </a:ext>
+            </a:extLst>
+          </p:cNvPr>
+          <p:cNvSpPr/>
+          <p:nvPr/>
+        </p:nvSpPr>
+        <p:spPr>
+          <a:xfrm>
+            <a:off x="6161102" y="2281592"/>
+            <a:ext cx="5362113" cy="3133878"/>
+          </a:xfrm>
+          <a:prstGeom prst="rect">
+            <a:avLst/>
+          </a:prstGeom>
+        </p:spPr>
+        <p:style>
+          <a:lnRef idx="2">
+            <a:schemeClr val="accent1">
+              <a:shade val="50000"/>
+            </a:schemeClr>
+          </a:lnRef>
+          <a:fillRef idx="1">
+            <a:schemeClr val="accent1"/>
+          </a:fillRef>
+          <a:effectRef idx="0">
+            <a:schemeClr val="accent1"/>
+          </a:effectRef>
+          <a:fontRef idx="minor">
+            <a:schemeClr val="lt1"/>
+          </a:fontRef>
+        </p:style>
+        <p:txBody>
+          <a:bodyPr rtlCol="0" anchor="ctr"/>
+          <a:lstStyle/>
+          <a:p>
+            <a:r>
+              <a:rPr lang="ko-KR" altLang="en-US" dirty="0"/>
+              <a:t>분석 대상 및 방법</a:t>
+            </a:r>
+            <a:r>
+              <a:rPr lang="en-US" altLang="ko-KR" dirty="0"/>
+              <a:t>: </a:t>
+            </a:r>
+            <a:r>
+              <a:rPr lang="ko-KR" altLang="en-US" dirty="0"/>
+              <a:t>한국 </a:t>
             </a:r>
             <a:r>
               <a:rPr lang="ko-KR" altLang="en-US" dirty="0" err="1"/>
-              <a:t>비교분석하여</a:t>
-            </a:r>
-            <a:r>
-              <a:rPr lang="ko-KR" altLang="en-US" dirty="0"/>
-              <a:t> 진행하였습니다</a:t>
+              <a:t>리그오브레전드</a:t>
+            </a:r>
+            <a:r>
+              <a:rPr lang="ko-KR" altLang="en-US" dirty="0"/>
+              <a:t> 공식 계정인 </a:t>
+            </a:r>
+            <a:r>
+              <a:rPr lang="en-US" altLang="ko-KR" dirty="0"/>
+              <a:t>LCK</a:t>
+            </a:r>
+            <a:r>
+              <a:rPr lang="ko-KR" altLang="en-US" dirty="0"/>
+              <a:t>의 개막식 영상에 올라온 댓글</a:t>
+            </a:r>
+            <a:r>
+              <a:rPr lang="en-US" altLang="ko-KR" dirty="0"/>
+              <a:t>(799</a:t>
+            </a:r>
+            <a:r>
+              <a:rPr lang="ko-KR" altLang="en-US" dirty="0"/>
+              <a:t>개</a:t>
+            </a:r>
+            <a:r>
+              <a:rPr lang="en-US" altLang="ko-KR" dirty="0"/>
+              <a:t>)</a:t>
+            </a:r>
+            <a:r>
+              <a:rPr lang="ko-KR" altLang="en-US" dirty="0"/>
+              <a:t>과 </a:t>
+            </a:r>
+            <a:r>
+              <a:rPr lang="ko-KR" altLang="en-US" dirty="0" err="1"/>
+              <a:t>리그오브레전드</a:t>
+            </a:r>
+            <a:r>
+              <a:rPr lang="ko-KR" altLang="en-US" dirty="0"/>
+              <a:t> 공식 계정인 </a:t>
+            </a:r>
+            <a:r>
+              <a:rPr lang="en-US" altLang="ko-KR" dirty="0"/>
+              <a:t>League of Legends</a:t>
+            </a:r>
+            <a:r>
+              <a:rPr lang="ko-KR" altLang="en-US" dirty="0"/>
+              <a:t>에 올라온 개막식 영상 댓글</a:t>
+            </a:r>
+            <a:r>
+              <a:rPr lang="en-US" altLang="ko-KR" dirty="0"/>
+              <a:t>(1408</a:t>
+            </a:r>
+            <a:r>
+              <a:rPr lang="ko-KR" altLang="en-US" dirty="0"/>
+              <a:t>개</a:t>
+            </a:r>
+            <a:r>
+              <a:rPr lang="en-US" altLang="ko-KR" dirty="0"/>
+              <a:t>)</a:t>
+            </a:r>
+            <a:r>
+              <a:rPr lang="ko-KR" altLang="en-US" dirty="0"/>
+              <a:t>를 언어 분석 후 많이 나온 키워드를 기반</a:t>
+            </a:r>
+            <a:r>
+              <a:rPr lang="en-US" altLang="ko-KR" dirty="0"/>
+              <a:t>, </a:t>
+            </a:r>
+            <a:r>
+              <a:rPr lang="ko-KR" altLang="en-US" dirty="0"/>
+              <a:t>서로의 내용을 </a:t>
+            </a:r>
+            <a:r>
+              <a:rPr lang="ko-KR" altLang="en-US" dirty="0" err="1"/>
+              <a:t>비교분석함</a:t>
             </a:r>
             <a:r>
               <a:rPr lang="en-US" altLang="ko-KR" dirty="0"/>
@@ -5076,112 +5551,7 @@
             </a:r>
           </a:p>
           <a:p>
-            <a:r>
-              <a:rPr lang="en-US" altLang="ko-KR" dirty="0"/>
-              <a:t>2.</a:t>
-            </a:r>
-            <a:r>
-              <a:rPr lang="ko-KR" altLang="en-US" dirty="0" err="1"/>
-              <a:t>진행시</a:t>
-            </a:r>
-            <a:r>
-              <a:rPr lang="ko-KR" altLang="en-US" dirty="0"/>
-              <a:t> 문제점</a:t>
-            </a:r>
-            <a:r>
-              <a:rPr lang="en-US" altLang="ko-KR" dirty="0"/>
-              <a:t>-</a:t>
-            </a:r>
-            <a:r>
-              <a:rPr lang="ko-KR" altLang="en-US" dirty="0" err="1"/>
-              <a:t>한국쪽</a:t>
-            </a:r>
-            <a:r>
-              <a:rPr lang="ko-KR" altLang="en-US" dirty="0"/>
-              <a:t> 데이터는 시각화가 문제가 없었지만</a:t>
-            </a:r>
-            <a:r>
-              <a:rPr lang="en-US" altLang="ko-KR" dirty="0"/>
-              <a:t>, </a:t>
-            </a:r>
-            <a:r>
-              <a:rPr lang="ko-KR" altLang="en-US" dirty="0" err="1"/>
-              <a:t>해외쪽</a:t>
-            </a:r>
-            <a:r>
-              <a:rPr lang="ko-KR" altLang="en-US" dirty="0"/>
-              <a:t> 데이터는 많이 등장하는 단어가 </a:t>
-            </a:r>
-            <a:r>
-              <a:rPr lang="ko-KR" altLang="en-US" dirty="0" err="1"/>
-              <a:t>의미없는</a:t>
-            </a:r>
-            <a:r>
-              <a:rPr lang="ko-KR" altLang="en-US" dirty="0"/>
-              <a:t> 대명사</a:t>
-            </a:r>
-            <a:r>
-              <a:rPr lang="en-US" altLang="ko-KR" dirty="0"/>
-              <a:t>, </a:t>
-            </a:r>
-            <a:r>
-              <a:rPr lang="ko-KR" altLang="en-US" dirty="0"/>
-              <a:t>조사</a:t>
-            </a:r>
-            <a:r>
-              <a:rPr lang="en-US" altLang="ko-KR" dirty="0"/>
-              <a:t>, </a:t>
-            </a:r>
-            <a:r>
-              <a:rPr lang="ko-KR" altLang="en-US" dirty="0" err="1"/>
-              <a:t>정관사등이</a:t>
-            </a:r>
-            <a:r>
-              <a:rPr lang="ko-KR" altLang="en-US" dirty="0"/>
-              <a:t> 많아서 </a:t>
-            </a:r>
-            <a:r>
-              <a:rPr lang="ko-KR" altLang="en-US" dirty="0" err="1"/>
-              <a:t>시각화할</a:t>
-            </a:r>
-            <a:r>
-              <a:rPr lang="ko-KR" altLang="en-US" dirty="0"/>
-              <a:t> 시 원하는 방향으로 시각화가 안 되는 것 같습니다</a:t>
-            </a:r>
-            <a:r>
-              <a:rPr lang="en-US" altLang="ko-KR" dirty="0"/>
-              <a:t>.</a:t>
-            </a:r>
-          </a:p>
-          <a:p>
-            <a:r>
-              <a:rPr lang="en-US" altLang="ko-KR" dirty="0"/>
-              <a:t>3. PPT</a:t>
-            </a:r>
-            <a:r>
-              <a:rPr lang="ko-KR" altLang="en-US" dirty="0"/>
-              <a:t>를 임시로 만들어 봤는데 내용을 다 넣어본 결과 글이 너무 길어 가독성이 떨어짐</a:t>
-            </a:r>
-            <a:r>
-              <a:rPr lang="en-US" altLang="ko-KR" dirty="0"/>
-              <a:t>. PPT</a:t>
-            </a:r>
-            <a:r>
-              <a:rPr lang="ko-KR" altLang="en-US" dirty="0"/>
-              <a:t>는 내용을 많이 잘라낼 필요성이 있어 보입니다</a:t>
-            </a:r>
-            <a:r>
-              <a:rPr lang="en-US" altLang="ko-KR" dirty="0"/>
-              <a:t>. </a:t>
-            </a:r>
-            <a:r>
-              <a:rPr lang="ko-KR" altLang="en-US" dirty="0"/>
-              <a:t>시간이 없어 결론은 다음에 내려야할 것 같습니다</a:t>
-            </a:r>
-            <a:r>
-              <a:rPr lang="en-US" altLang="ko-KR"/>
-              <a:t>.</a:t>
-            </a:r>
+            <a:pPr algn="ctr"/>
             <a:endParaRPr lang="ko-KR" altLang="en-US" dirty="0"/>
           </a:p>
         </p:txBody>
@@ -5189,135 +5559,7 @@
     </p:spTree>
     <p:extLst>
       <p:ext uri="{BB962C8B-B14F-4D97-AF65-F5344CB8AC3E}">
-        <p14:creationId xmlns:p14="http://schemas.microsoft.com/office/powerpoint/2010/main" val="2757631130"/>
-      </p:ext>
-    </p:extLst>
-  </p:cSld>
-  <p:clrMapOvr>
-    <a:masterClrMapping/>
-  </p:clrMapOvr>
-</p:sld>
-</file>
-
-<file path=ppt/slides/slide10.xml><?xml version="1.0" encoding="utf-8"?>
-<p:sld xmlns:a="http://schemas.openxmlformats.org/drawingml/2006/main" xmlns:r="http://schemas.openxmlformats.org/officeDocument/2006/relationships" xmlns:p="http://schemas.openxmlformats.org/presentationml/2006/main">
-  <p:cSld>
-    <p:spTree>
-      <p:nvGrpSpPr>
-        <p:cNvPr id="1" name=""/>
-        <p:cNvGrpSpPr/>
-        <p:nvPr/>
-      </p:nvGrpSpPr>
-      <p:grpSpPr>
-        <a:xfrm>
-          <a:off x="0" y="0"/>
-          <a:ext cx="0" cy="0"/>
-          <a:chOff x="0" y="0"/>
-          <a:chExt cx="0" cy="0"/>
-        </a:xfrm>
-      </p:grpSpPr>
-      <p:sp>
-        <p:nvSpPr>
-          <p:cNvPr id="2" name="제목 1">
-            <a:extLst>
-              <a:ext uri="{FF2B5EF4-FFF2-40B4-BE49-F238E27FC236}">
-                <a16:creationId xmlns:a16="http://schemas.microsoft.com/office/drawing/2014/main" id="{A11F064D-D15C-4E8F-A148-88C2F2502179}"/>
-              </a:ext>
-            </a:extLst>
-          </p:cNvPr>
-          <p:cNvSpPr>
-            <a:spLocks noGrp="1"/>
-          </p:cNvSpPr>
-          <p:nvPr>
-            <p:ph type="title"/>
-          </p:nvPr>
-        </p:nvSpPr>
-        <p:spPr/>
-        <p:txBody>
-          <a:bodyPr/>
-          <a:lstStyle/>
-          <a:p>
-            <a:r>
-              <a:rPr lang="ko-KR" altLang="en-US" dirty="0"/>
-              <a:t>정리</a:t>
-            </a:r>
-            <a:r>
-              <a:rPr lang="en-US" altLang="ko-KR" dirty="0"/>
-              <a:t>-3</a:t>
-            </a:r>
-            <a:endParaRPr lang="ko-KR" altLang="en-US" dirty="0"/>
-          </a:p>
-        </p:txBody>
-      </p:sp>
-      <p:sp>
-        <p:nvSpPr>
-          <p:cNvPr id="3" name="내용 개체 틀 2">
-            <a:extLst>
-              <a:ext uri="{FF2B5EF4-FFF2-40B4-BE49-F238E27FC236}">
-                <a16:creationId xmlns:a16="http://schemas.microsoft.com/office/drawing/2014/main" id="{669F0BE4-5F53-47AF-A120-CABC3343D05C}"/>
-              </a:ext>
-            </a:extLst>
-          </p:cNvPr>
-          <p:cNvSpPr>
-            <a:spLocks noGrp="1"/>
-          </p:cNvSpPr>
-          <p:nvPr>
-            <p:ph idx="1"/>
-          </p:nvPr>
-        </p:nvSpPr>
-        <p:spPr/>
-        <p:txBody>
-          <a:bodyPr/>
-          <a:lstStyle/>
-          <a:p>
-            <a:r>
-              <a:rPr lang="ko-KR" altLang="en-US" dirty="0"/>
-              <a:t>한국의 내용을 정리해보면 어떻게 보면 한국 위주의 내용이라고 볼 수 있겠지만</a:t>
-            </a:r>
-            <a:r>
-              <a:rPr lang="en-US" altLang="ko-KR" dirty="0"/>
-              <a:t>, </a:t>
-            </a:r>
-            <a:r>
-              <a:rPr lang="ko-KR" altLang="en-US" dirty="0"/>
-              <a:t>결승전에 올라간 두 팀 중 한 팀이 </a:t>
-            </a:r>
-            <a:r>
-              <a:rPr lang="ko-KR" altLang="en-US" dirty="0" err="1"/>
-              <a:t>한국팀이였다는</a:t>
-            </a:r>
-            <a:r>
-              <a:rPr lang="ko-KR" altLang="en-US" dirty="0"/>
-              <a:t> 점과 </a:t>
-            </a:r>
-            <a:r>
-              <a:rPr lang="en-US" altLang="ko-KR" dirty="0"/>
-              <a:t>K/DA</a:t>
-            </a:r>
-            <a:r>
-              <a:rPr lang="ko-KR" altLang="en-US" dirty="0"/>
-              <a:t>가 </a:t>
-            </a:r>
-            <a:r>
-              <a:rPr lang="en-US" altLang="ko-KR" dirty="0"/>
-              <a:t>KPOP</a:t>
-            </a:r>
-            <a:r>
-              <a:rPr lang="ko-KR" altLang="en-US" dirty="0"/>
-              <a:t>그룹이었던 만큼 기대가 높을 수 밖에 없음</a:t>
-            </a:r>
-            <a:r>
-              <a:rPr lang="en-US" altLang="ko-KR" dirty="0"/>
-              <a:t>.</a:t>
-            </a:r>
-            <a:endParaRPr lang="ko-KR" altLang="en-US" dirty="0"/>
-          </a:p>
-        </p:txBody>
-      </p:sp>
-    </p:spTree>
-    <p:extLst>
-      <p:ext uri="{BB962C8B-B14F-4D97-AF65-F5344CB8AC3E}">
-        <p14:creationId xmlns:p14="http://schemas.microsoft.com/office/powerpoint/2010/main" val="1248799996"/>
+        <p14:creationId xmlns:p14="http://schemas.microsoft.com/office/powerpoint/2010/main" val="2053038033"/>
       </p:ext>
     </p:extLst>
   </p:cSld>
@@ -5349,7 +5591,7 @@
           <p:cNvPr id="2" name="제목 1">
             <a:extLst>
               <a:ext uri="{FF2B5EF4-FFF2-40B4-BE49-F238E27FC236}">
-                <a16:creationId xmlns:a16="http://schemas.microsoft.com/office/drawing/2014/main" id="{E66C671F-F451-44B9-A89F-676F52FF2E86}"/>
+                <a16:creationId xmlns:a16="http://schemas.microsoft.com/office/drawing/2014/main" id="{65DC16FB-D9DF-4D7F-A2F3-79B7994E4BB0}"/>
               </a:ext>
             </a:extLst>
           </p:cNvPr>
@@ -5367,37 +5609,25 @@
           <a:p>
             <a:r>
               <a:rPr lang="ko-KR" altLang="en-US" dirty="0"/>
-              <a:t>데이터 분석</a:t>
-            </a:r>
-            <a:r>
-              <a:rPr lang="en-US" altLang="ko-KR" dirty="0"/>
-              <a:t>-2020 </a:t>
-            </a:r>
-            <a:r>
-              <a:rPr lang="ko-KR" altLang="en-US" dirty="0" err="1"/>
-              <a:t>리그오브레전드</a:t>
-            </a:r>
-            <a:r>
-              <a:rPr lang="ko-KR" altLang="en-US" dirty="0"/>
-              <a:t> </a:t>
-            </a:r>
-            <a:r>
-              <a:rPr lang="ko-KR" altLang="en-US" dirty="0" err="1"/>
-              <a:t>월드챔피언쉽</a:t>
-            </a:r>
-            <a:r>
-              <a:rPr lang="ko-KR" altLang="en-US" dirty="0"/>
-              <a:t> 개막식 댓글 내용 분석</a:t>
-            </a:r>
-          </a:p>
-        </p:txBody>
-      </p:sp>
-      <p:sp>
-        <p:nvSpPr>
-          <p:cNvPr id="3" name="내용 개체 틀 2">
-            <a:extLst>
-              <a:ext uri="{FF2B5EF4-FFF2-40B4-BE49-F238E27FC236}">
-                <a16:creationId xmlns:a16="http://schemas.microsoft.com/office/drawing/2014/main" id="{C57B124C-0C1D-435E-91DF-D5D0E7BF37C0}"/>
+              <a:t>분석</a:t>
+            </a:r>
+            <a:r>
+              <a:rPr lang="en-US" altLang="ko-KR" dirty="0"/>
+              <a:t>1-</a:t>
+            </a:r>
+            <a:r>
+              <a:rPr lang="ko-KR" altLang="en-US" dirty="0"/>
+              <a:t>다수 등장한 단어</a:t>
+            </a:r>
+          </a:p>
+        </p:txBody>
+      </p:sp>
+      <p:sp>
+        <p:nvSpPr>
+          <p:cNvPr id="4" name="텍스트 개체 틀 3">
+            <a:extLst>
+              <a:ext uri="{FF2B5EF4-FFF2-40B4-BE49-F238E27FC236}">
+                <a16:creationId xmlns:a16="http://schemas.microsoft.com/office/drawing/2014/main" id="{ABBDAFA1-EE2F-4A31-B5A5-5166344AB74C}"/>
               </a:ext>
             </a:extLst>
           </p:cNvPr>
@@ -5405,258 +5635,429 @@
             <a:spLocks noGrp="1"/>
           </p:cNvSpPr>
           <p:nvPr>
-            <p:ph idx="1"/>
+            <p:ph type="body" idx="1"/>
           </p:nvPr>
+        </p:nvSpPr>
+        <p:spPr/>
+        <p:txBody>
+          <a:bodyPr/>
+          <a:lstStyle/>
+          <a:p>
+            <a:endParaRPr lang="ko-KR" altLang="en-US" dirty="0"/>
+          </a:p>
+        </p:txBody>
+      </p:sp>
+      <p:sp>
+        <p:nvSpPr>
+          <p:cNvPr id="6" name="텍스트 개체 틀 5">
+            <a:extLst>
+              <a:ext uri="{FF2B5EF4-FFF2-40B4-BE49-F238E27FC236}">
+                <a16:creationId xmlns:a16="http://schemas.microsoft.com/office/drawing/2014/main" id="{BD87CF4D-3A1F-4641-AAD9-FEAEF66322D8}"/>
+              </a:ext>
+            </a:extLst>
+          </p:cNvPr>
+          <p:cNvSpPr>
+            <a:spLocks noGrp="1"/>
+          </p:cNvSpPr>
+          <p:nvPr>
+            <p:ph type="body" sz="quarter" idx="3"/>
+          </p:nvPr>
+        </p:nvSpPr>
+        <p:spPr/>
+        <p:txBody>
+          <a:bodyPr/>
+          <a:lstStyle/>
+          <a:p>
+            <a:endParaRPr lang="ko-KR" altLang="en-US"/>
+          </a:p>
+        </p:txBody>
+      </p:sp>
+      <p:sp>
+        <p:nvSpPr>
+          <p:cNvPr id="12" name="TextBox 11">
+            <a:extLst>
+              <a:ext uri="{FF2B5EF4-FFF2-40B4-BE49-F238E27FC236}">
+                <a16:creationId xmlns:a16="http://schemas.microsoft.com/office/drawing/2014/main" id="{0A5EA29B-416B-4EDA-AA86-F8E0A2F34878}"/>
+              </a:ext>
+            </a:extLst>
+          </p:cNvPr>
+          <p:cNvSpPr txBox="1"/>
+          <p:nvPr/>
         </p:nvSpPr>
         <p:spPr>
           <a:xfrm>
-            <a:off x="838200" y="1825625"/>
-            <a:ext cx="10515600" cy="4667250"/>
+            <a:off x="839788" y="4225771"/>
+            <a:ext cx="5051255" cy="1477328"/>
+          </a:xfrm>
+          <a:prstGeom prst="rect">
+            <a:avLst/>
+          </a:prstGeom>
+          <a:noFill/>
+        </p:spPr>
+        <p:txBody>
+          <a:bodyPr wrap="square" rtlCol="0">
+            <a:spAutoFit/>
+          </a:bodyPr>
+          <a:lstStyle/>
+          <a:p>
+            <a:r>
+              <a:rPr lang="ko-KR" altLang="en-US" dirty="0"/>
+              <a:t>해외 댓글에서 많이 등장한 단어 중 유의미한 단어는 </a:t>
+            </a:r>
+            <a:r>
+              <a:rPr lang="en-US" altLang="ko-KR" dirty="0"/>
+              <a:t>“K/DA”,”2018”,”China”,”Models”,”2019”</a:t>
+            </a:r>
+            <a:r>
+              <a:rPr lang="ko-KR" altLang="en-US" dirty="0"/>
+              <a:t>였고</a:t>
+            </a:r>
+            <a:r>
+              <a:rPr lang="en-US" altLang="ko-KR" dirty="0"/>
+              <a:t>, </a:t>
+            </a:r>
+            <a:r>
+              <a:rPr lang="ko-KR" altLang="en-US" dirty="0"/>
+              <a:t>이중 </a:t>
+            </a:r>
+            <a:r>
+              <a:rPr lang="en-US" altLang="ko-KR" dirty="0"/>
+              <a:t>“models”,”face”,”Kai’sa”,”2018”</a:t>
+            </a:r>
+            <a:r>
+              <a:rPr lang="ko-KR" altLang="en-US" dirty="0"/>
+              <a:t>는 주로 </a:t>
+            </a:r>
+            <a:r>
+              <a:rPr lang="en-US" altLang="ko-KR" dirty="0"/>
+              <a:t>“KDA”</a:t>
+            </a:r>
+            <a:r>
+              <a:rPr lang="ko-KR" altLang="en-US" dirty="0"/>
+              <a:t>와 연관되는 단어들이었고</a:t>
+            </a:r>
+            <a:r>
+              <a:rPr lang="en-US" altLang="ko-KR" dirty="0"/>
+              <a:t>, “Chinese”</a:t>
+            </a:r>
+            <a:r>
+              <a:rPr lang="ko-KR" altLang="en-US" dirty="0"/>
+              <a:t>는</a:t>
+            </a:r>
+            <a:r>
+              <a:rPr lang="en-US" altLang="ko-KR" dirty="0"/>
+              <a:t> “China”</a:t>
+            </a:r>
+            <a:r>
+              <a:rPr lang="ko-KR" altLang="en-US" dirty="0"/>
+              <a:t>와 연관되었습니다</a:t>
+            </a:r>
+            <a:r>
+              <a:rPr lang="en-US" altLang="ko-KR" dirty="0"/>
+              <a:t>.</a:t>
+            </a:r>
+            <a:endParaRPr lang="ko-KR" altLang="en-US" dirty="0"/>
+          </a:p>
+        </p:txBody>
+      </p:sp>
+      <p:sp>
+        <p:nvSpPr>
+          <p:cNvPr id="13" name="TextBox 12">
+            <a:extLst>
+              <a:ext uri="{FF2B5EF4-FFF2-40B4-BE49-F238E27FC236}">
+                <a16:creationId xmlns:a16="http://schemas.microsoft.com/office/drawing/2014/main" id="{664F1B7A-5502-4E92-9A37-A83285F700E6}"/>
+              </a:ext>
+            </a:extLst>
+          </p:cNvPr>
+          <p:cNvSpPr txBox="1"/>
+          <p:nvPr/>
+        </p:nvSpPr>
+        <p:spPr>
+          <a:xfrm>
+            <a:off x="6383045" y="4244378"/>
+            <a:ext cx="4969167" cy="1477328"/>
+          </a:xfrm>
+          <a:prstGeom prst="rect">
+            <a:avLst/>
+          </a:prstGeom>
+          <a:noFill/>
+        </p:spPr>
+        <p:txBody>
+          <a:bodyPr wrap="square" rtlCol="0">
+            <a:spAutoFit/>
+          </a:bodyPr>
+          <a:lstStyle/>
+          <a:p>
+            <a:r>
+              <a:rPr lang="ko-KR" altLang="en-US" dirty="0"/>
+              <a:t>한국 댓글에서 가장 많이 나온 단어 중 유의미한 단어는 </a:t>
+            </a:r>
+            <a:r>
+              <a:rPr lang="en-US" altLang="ko-KR" dirty="0"/>
+              <a:t>“</a:t>
+            </a:r>
+            <a:r>
+              <a:rPr lang="ko-KR" altLang="en-US" dirty="0"/>
+              <a:t>중국</a:t>
+            </a:r>
+            <a:r>
+              <a:rPr lang="en-US" altLang="ko-KR" dirty="0"/>
+              <a:t>”, “</a:t>
+            </a:r>
+            <a:r>
+              <a:rPr lang="ko-KR" altLang="en-US" dirty="0"/>
+              <a:t>오프닝</a:t>
+            </a:r>
+            <a:r>
+              <a:rPr lang="en-US" altLang="ko-KR" dirty="0"/>
+              <a:t>”,”</a:t>
+            </a:r>
+            <a:r>
+              <a:rPr lang="ko-KR" altLang="en-US" dirty="0" err="1"/>
+              <a:t>세라핀</a:t>
+            </a:r>
+            <a:r>
+              <a:rPr lang="en-US" altLang="ko-KR" dirty="0"/>
+              <a:t>”,”</a:t>
+            </a:r>
+            <a:r>
+              <a:rPr lang="ko-KR" altLang="en-US" dirty="0" err="1"/>
+              <a:t>롤드컵</a:t>
+            </a:r>
+            <a:r>
+              <a:rPr lang="en-US" altLang="ko-KR" dirty="0"/>
+              <a:t>“,”KDA”.</a:t>
+            </a:r>
+            <a:r>
+              <a:rPr lang="ko-KR" altLang="en-US" dirty="0"/>
+              <a:t>였습니다</a:t>
+            </a:r>
+            <a:r>
+              <a:rPr lang="en-US" altLang="ko-KR" dirty="0"/>
+              <a:t>. </a:t>
+            </a:r>
+            <a:r>
+              <a:rPr lang="ko-KR" altLang="en-US" dirty="0"/>
+              <a:t>이중 </a:t>
+            </a:r>
+            <a:r>
+              <a:rPr lang="en-US" altLang="ko-KR" dirty="0"/>
+              <a:t>“</a:t>
+            </a:r>
+            <a:r>
+              <a:rPr lang="ko-KR" altLang="en-US" dirty="0" err="1"/>
+              <a:t>세라핀</a:t>
+            </a:r>
+            <a:r>
+              <a:rPr lang="en-US" altLang="ko-KR" dirty="0"/>
+              <a:t>”,”</a:t>
+            </a:r>
+            <a:r>
+              <a:rPr lang="ko-KR" altLang="en-US" dirty="0"/>
+              <a:t>아리</a:t>
+            </a:r>
+            <a:r>
+              <a:rPr lang="en-US" altLang="ko-KR" dirty="0"/>
+              <a:t>”,”</a:t>
+            </a:r>
+            <a:r>
+              <a:rPr lang="ko-KR" altLang="en-US" dirty="0"/>
+              <a:t>모델링</a:t>
+            </a:r>
+            <a:r>
+              <a:rPr lang="en-US" altLang="ko-KR" dirty="0"/>
+              <a:t>”,”</a:t>
+            </a:r>
+            <a:r>
+              <a:rPr lang="ko-KR" altLang="en-US" dirty="0"/>
+              <a:t>그래픽</a:t>
+            </a:r>
+            <a:r>
+              <a:rPr lang="en-US" altLang="ko-KR" dirty="0"/>
+              <a:t>＂</a:t>
+            </a:r>
+            <a:r>
+              <a:rPr lang="ko-KR" altLang="en-US" dirty="0"/>
+              <a:t>등은 </a:t>
+            </a:r>
+            <a:r>
+              <a:rPr lang="en-US" altLang="ko-KR" dirty="0"/>
+              <a:t>“KDA”</a:t>
+            </a:r>
+            <a:r>
+              <a:rPr lang="ko-KR" altLang="en-US" dirty="0"/>
+              <a:t>와</a:t>
+            </a:r>
+            <a:r>
+              <a:rPr lang="en-US" altLang="ko-KR" dirty="0"/>
+              <a:t> </a:t>
+            </a:r>
+            <a:r>
+              <a:rPr lang="ko-KR" altLang="en-US" dirty="0"/>
+              <a:t>연관되는 </a:t>
+            </a:r>
+            <a:r>
+              <a:rPr lang="ko-KR" altLang="en-US" dirty="0" err="1"/>
+              <a:t>단어들이였습니다</a:t>
+            </a:r>
+            <a:r>
+              <a:rPr lang="en-US" altLang="ko-KR" dirty="0"/>
+              <a:t>.</a:t>
+            </a:r>
+            <a:endParaRPr lang="ko-KR" altLang="en-US" dirty="0"/>
+          </a:p>
+        </p:txBody>
+      </p:sp>
+      <p:sp>
+        <p:nvSpPr>
+          <p:cNvPr id="15" name="TextBox 14">
+            <a:extLst>
+              <a:ext uri="{FF2B5EF4-FFF2-40B4-BE49-F238E27FC236}">
+                <a16:creationId xmlns:a16="http://schemas.microsoft.com/office/drawing/2014/main" id="{F09CDEE8-F51F-4575-95B7-E2317795BC02}"/>
+              </a:ext>
+            </a:extLst>
+          </p:cNvPr>
+          <p:cNvSpPr txBox="1"/>
+          <p:nvPr/>
+        </p:nvSpPr>
+        <p:spPr>
+          <a:xfrm>
+            <a:off x="733256" y="5869185"/>
+            <a:ext cx="10618956" cy="646331"/>
+          </a:xfrm>
+          <a:prstGeom prst="rect">
+            <a:avLst/>
+          </a:prstGeom>
+          <a:noFill/>
+        </p:spPr>
+        <p:txBody>
+          <a:bodyPr wrap="square" rtlCol="0">
+            <a:spAutoFit/>
+          </a:bodyPr>
+          <a:lstStyle/>
+          <a:p>
+            <a:r>
+              <a:rPr lang="en-US" altLang="ko-KR" dirty="0"/>
+              <a:t>→ </a:t>
+            </a:r>
+            <a:r>
+              <a:rPr lang="ko-KR" altLang="en-US" dirty="0"/>
+              <a:t>양측에 주로 나오는 키워드가 </a:t>
+            </a:r>
+            <a:r>
+              <a:rPr lang="en-US" altLang="ko-KR" dirty="0"/>
+              <a:t>“KDA”</a:t>
+            </a:r>
+            <a:r>
+              <a:rPr lang="ko-KR" altLang="en-US" dirty="0"/>
+              <a:t>와 </a:t>
+            </a:r>
+            <a:r>
+              <a:rPr lang="en-US" altLang="ko-KR" dirty="0"/>
+              <a:t>“</a:t>
+            </a:r>
+            <a:r>
+              <a:rPr lang="ko-KR" altLang="en-US" dirty="0"/>
+              <a:t>중국</a:t>
+            </a:r>
+            <a:r>
+              <a:rPr lang="en-US" altLang="ko-KR" dirty="0"/>
+              <a:t>”</a:t>
+            </a:r>
+            <a:r>
+              <a:rPr lang="ko-KR" altLang="en-US" dirty="0"/>
+              <a:t>이였고</a:t>
+            </a:r>
+            <a:r>
+              <a:rPr lang="en-US" altLang="ko-KR" dirty="0"/>
+              <a:t>, </a:t>
+            </a:r>
+            <a:r>
+              <a:rPr lang="ko-KR" altLang="en-US" dirty="0"/>
+              <a:t>이에 이 두 키워드에 관해 한국과 해외에서 어떤 차이가 있는지 분석해보았습니다</a:t>
+            </a:r>
+            <a:r>
+              <a:rPr lang="en-US" altLang="ko-KR" dirty="0"/>
+              <a:t>.</a:t>
+            </a:r>
+            <a:endParaRPr lang="ko-KR" altLang="en-US" dirty="0"/>
+          </a:p>
+        </p:txBody>
+      </p:sp>
+      <p:pic>
+        <p:nvPicPr>
+          <p:cNvPr id="8" name="내용 개체 틀 7">
+            <a:extLst>
+              <a:ext uri="{FF2B5EF4-FFF2-40B4-BE49-F238E27FC236}">
+                <a16:creationId xmlns:a16="http://schemas.microsoft.com/office/drawing/2014/main" id="{1FA76A21-7449-45A4-B1AC-B65C72FD5A8C}"/>
+              </a:ext>
+            </a:extLst>
+          </p:cNvPr>
+          <p:cNvPicPr>
+            <a:picLocks noGrp="1" noChangeAspect="1"/>
+          </p:cNvPicPr>
+          <p:nvPr>
+            <p:ph sz="half" idx="2"/>
+          </p:nvPr>
+        </p:nvPicPr>
+        <p:blipFill>
+          <a:blip r:embed="rId2">
+            <a:extLst>
+              <a:ext uri="{28A0092B-C50C-407E-A947-70E740481C1C}">
+                <a14:useLocalDpi xmlns:a14="http://schemas.microsoft.com/office/drawing/2010/main" val="0"/>
+              </a:ext>
+            </a:extLst>
+          </a:blip>
+          <a:stretch>
+            <a:fillRect/>
+          </a:stretch>
+        </p:blipFill>
+        <p:spPr>
+          <a:xfrm>
+            <a:off x="733256" y="1283771"/>
+            <a:ext cx="5157787" cy="2960607"/>
           </a:xfrm>
         </p:spPr>
-        <p:txBody>
-          <a:bodyPr>
-            <a:normAutofit/>
-          </a:bodyPr>
-          <a:lstStyle/>
-          <a:p>
-            <a:r>
-              <a:rPr lang="ko-KR" altLang="en-US" dirty="0"/>
-              <a:t>목적</a:t>
-            </a:r>
-            <a:r>
-              <a:rPr lang="en-US" altLang="ko-KR" dirty="0"/>
-              <a:t>: 2020</a:t>
-            </a:r>
-            <a:r>
-              <a:rPr lang="ko-KR" altLang="en-US" dirty="0"/>
-              <a:t>년 </a:t>
-            </a:r>
-            <a:r>
-              <a:rPr lang="ko-KR" altLang="en-US" dirty="0" err="1"/>
-              <a:t>리그오브레전드</a:t>
-            </a:r>
-            <a:r>
-              <a:rPr lang="ko-KR" altLang="en-US" dirty="0"/>
-              <a:t> </a:t>
-            </a:r>
-            <a:r>
-              <a:rPr lang="ko-KR" altLang="en-US" dirty="0" err="1"/>
-              <a:t>월드챔피언쉽은</a:t>
-            </a:r>
-            <a:r>
-              <a:rPr lang="ko-KR" altLang="en-US" dirty="0"/>
-              <a:t> </a:t>
-            </a:r>
-            <a:r>
-              <a:rPr lang="ko-KR" altLang="en-US" dirty="0" err="1"/>
-              <a:t>리그오브레전드</a:t>
-            </a:r>
-            <a:r>
-              <a:rPr lang="ko-KR" altLang="en-US" dirty="0"/>
-              <a:t> 게임의 </a:t>
-            </a:r>
-            <a:r>
-              <a:rPr lang="en-US" altLang="ko-KR" dirty="0"/>
-              <a:t>10</a:t>
-            </a:r>
-            <a:r>
-              <a:rPr lang="ko-KR" altLang="en-US" dirty="0"/>
-              <a:t>주년</a:t>
-            </a:r>
-            <a:r>
-              <a:rPr lang="en-US" altLang="ko-KR" dirty="0"/>
-              <a:t>+</a:t>
-            </a:r>
-            <a:r>
-              <a:rPr lang="ko-KR" altLang="en-US" dirty="0"/>
-              <a:t>현재 회사가 위치한 중국에서 진행되었고</a:t>
-            </a:r>
-            <a:r>
-              <a:rPr lang="en-US" altLang="ko-KR" dirty="0"/>
-              <a:t>, </a:t>
-            </a:r>
-            <a:r>
-              <a:rPr lang="ko-KR" altLang="en-US" dirty="0" err="1"/>
-              <a:t>라이엇</a:t>
-            </a:r>
-            <a:r>
-              <a:rPr lang="ko-KR" altLang="en-US" dirty="0"/>
-              <a:t> </a:t>
-            </a:r>
-            <a:r>
-              <a:rPr lang="ko-KR" altLang="en-US" dirty="0" err="1"/>
-              <a:t>게임즈에서</a:t>
-            </a:r>
-            <a:r>
-              <a:rPr lang="ko-KR" altLang="en-US" dirty="0"/>
-              <a:t> 게임내 캐릭터들을 기반으로 만든 </a:t>
-            </a:r>
-            <a:r>
-              <a:rPr lang="en-US" altLang="ko-KR" dirty="0"/>
-              <a:t>K-POP </a:t>
-            </a:r>
-            <a:r>
-              <a:rPr lang="ko-KR" altLang="en-US" dirty="0"/>
-              <a:t>그룹 </a:t>
-            </a:r>
-            <a:r>
-              <a:rPr lang="en-US" altLang="ko-KR" dirty="0"/>
-              <a:t>K/DA</a:t>
-            </a:r>
-            <a:r>
-              <a:rPr lang="ko-KR" altLang="en-US" dirty="0"/>
-              <a:t>의 데뷔 무대가 있었음에도</a:t>
-            </a:r>
-            <a:r>
-              <a:rPr lang="en-US" altLang="ko-KR" dirty="0"/>
-              <a:t> </a:t>
-            </a:r>
-            <a:r>
-              <a:rPr lang="ko-KR" altLang="en-US" dirty="0"/>
-              <a:t>평가가 상당히 엇갈리고 있음</a:t>
-            </a:r>
-            <a:r>
-              <a:rPr lang="en-US" altLang="ko-KR" dirty="0"/>
-              <a:t>. </a:t>
-            </a:r>
-            <a:r>
-              <a:rPr lang="ko-KR" altLang="en-US" dirty="0"/>
-              <a:t>이렇게 평가가 양분되는 원인을 분석</a:t>
-            </a:r>
-            <a:r>
-              <a:rPr lang="en-US" altLang="ko-KR" dirty="0"/>
-              <a:t>, </a:t>
-            </a:r>
-            <a:r>
-              <a:rPr lang="ko-KR" altLang="en-US" dirty="0"/>
-              <a:t>게이머들이 원하는게 </a:t>
-            </a:r>
-            <a:r>
-              <a:rPr lang="ko-KR" altLang="en-US" dirty="0" err="1"/>
-              <a:t>뭔지</a:t>
-            </a:r>
-            <a:r>
-              <a:rPr lang="ko-KR" altLang="en-US" dirty="0"/>
-              <a:t> 파악함</a:t>
-            </a:r>
-            <a:r>
-              <a:rPr lang="en-US" altLang="ko-KR" dirty="0"/>
-              <a:t>.</a:t>
-            </a:r>
-          </a:p>
-          <a:p>
-            <a:r>
-              <a:rPr lang="ko-KR" altLang="en-US" dirty="0"/>
-              <a:t>분석 대상</a:t>
-            </a:r>
-            <a:r>
-              <a:rPr lang="en-US" altLang="ko-KR" dirty="0"/>
-              <a:t>: </a:t>
-            </a:r>
-            <a:r>
-              <a:rPr lang="ko-KR" altLang="en-US" dirty="0"/>
-              <a:t>한국 </a:t>
-            </a:r>
-            <a:r>
-              <a:rPr lang="ko-KR" altLang="en-US" dirty="0" err="1"/>
-              <a:t>리그오브레전드</a:t>
-            </a:r>
-            <a:r>
-              <a:rPr lang="ko-KR" altLang="en-US" dirty="0"/>
-              <a:t> 공식 계정인 </a:t>
-            </a:r>
-            <a:r>
-              <a:rPr lang="en-US" altLang="ko-KR" dirty="0"/>
-              <a:t>LCK</a:t>
-            </a:r>
-            <a:r>
-              <a:rPr lang="ko-KR" altLang="en-US" dirty="0"/>
-              <a:t>의 개막식 영상에 올라온 댓글</a:t>
-            </a:r>
-            <a:r>
-              <a:rPr lang="en-US" altLang="ko-KR" dirty="0"/>
-              <a:t>(799</a:t>
-            </a:r>
-            <a:r>
-              <a:rPr lang="ko-KR" altLang="en-US" dirty="0"/>
-              <a:t>개</a:t>
-            </a:r>
-            <a:r>
-              <a:rPr lang="en-US" altLang="ko-KR" dirty="0"/>
-              <a:t>)</a:t>
-            </a:r>
-            <a:r>
-              <a:rPr lang="ko-KR" altLang="en-US" dirty="0"/>
-              <a:t>과 </a:t>
-            </a:r>
-            <a:r>
-              <a:rPr lang="ko-KR" altLang="en-US" dirty="0" err="1"/>
-              <a:t>리그오브레전드</a:t>
-            </a:r>
-            <a:r>
-              <a:rPr lang="ko-KR" altLang="en-US" dirty="0"/>
-              <a:t> 공식 계정인 </a:t>
-            </a:r>
-            <a:r>
-              <a:rPr lang="en-US" altLang="ko-KR" dirty="0"/>
-              <a:t>League of Legends</a:t>
-            </a:r>
-            <a:r>
-              <a:rPr lang="ko-KR" altLang="en-US" dirty="0"/>
-              <a:t>에 올라온 개막식 영상 댓글</a:t>
-            </a:r>
-            <a:r>
-              <a:rPr lang="en-US" altLang="ko-KR" dirty="0"/>
-              <a:t>(1408</a:t>
-            </a:r>
-            <a:r>
-              <a:rPr lang="ko-KR" altLang="en-US" dirty="0"/>
-              <a:t>개</a:t>
-            </a:r>
-            <a:r>
-              <a:rPr lang="en-US" altLang="ko-KR" dirty="0"/>
-              <a:t>)</a:t>
-            </a:r>
-            <a:r>
-              <a:rPr lang="ko-KR" altLang="en-US" dirty="0"/>
-              <a:t>를</a:t>
-            </a:r>
-            <a:endParaRPr lang="en-US" altLang="ko-KR" dirty="0"/>
-          </a:p>
-          <a:p>
-            <a:r>
-              <a:rPr lang="ko-KR" altLang="en-US" dirty="0"/>
-              <a:t>분석 방법</a:t>
-            </a:r>
-            <a:r>
-              <a:rPr lang="en-US" altLang="ko-KR" dirty="0"/>
-              <a:t>:</a:t>
-            </a:r>
-            <a:r>
-              <a:rPr lang="ko-KR" altLang="en-US" dirty="0"/>
-              <a:t> 한국과 해외에 많이 나온 키워드를 서로 비교분석</a:t>
-            </a:r>
-            <a:r>
-              <a:rPr lang="en-US" altLang="ko-KR" dirty="0"/>
-              <a:t>, </a:t>
-            </a:r>
-            <a:r>
-              <a:rPr lang="ko-KR" altLang="en-US" dirty="0"/>
-              <a:t>공통점과 차이점을 찾아냄</a:t>
-            </a:r>
-            <a:r>
-              <a:rPr lang="en-US" altLang="ko-KR" dirty="0"/>
-              <a:t>.</a:t>
-            </a:r>
-            <a:endParaRPr lang="ko-KR" altLang="en-US" dirty="0"/>
-          </a:p>
-        </p:txBody>
-      </p:sp>
+      </p:pic>
+      <p:pic>
+        <p:nvPicPr>
+          <p:cNvPr id="17" name="내용 개체 틀 16">
+            <a:extLst>
+              <a:ext uri="{FF2B5EF4-FFF2-40B4-BE49-F238E27FC236}">
+                <a16:creationId xmlns:a16="http://schemas.microsoft.com/office/drawing/2014/main" id="{1C14BA92-289E-4463-AC8E-C1FDAD9BD296}"/>
+              </a:ext>
+            </a:extLst>
+          </p:cNvPr>
+          <p:cNvPicPr>
+            <a:picLocks noGrp="1" noChangeAspect="1"/>
+          </p:cNvPicPr>
+          <p:nvPr>
+            <p:ph sz="quarter" idx="4"/>
+          </p:nvPr>
+        </p:nvPicPr>
+        <p:blipFill>
+          <a:blip r:embed="rId3">
+            <a:extLst>
+              <a:ext uri="{28A0092B-C50C-407E-A947-70E740481C1C}">
+                <a14:useLocalDpi xmlns:a14="http://schemas.microsoft.com/office/drawing/2010/main" val="0"/>
+              </a:ext>
+            </a:extLst>
+          </a:blip>
+          <a:stretch>
+            <a:fillRect/>
+          </a:stretch>
+        </p:blipFill>
+        <p:spPr>
+          <a:xfrm>
+            <a:off x="6194425" y="1481933"/>
+            <a:ext cx="5157787" cy="2564282"/>
+          </a:xfrm>
+        </p:spPr>
+      </p:pic>
     </p:spTree>
     <p:extLst>
       <p:ext uri="{BB962C8B-B14F-4D97-AF65-F5344CB8AC3E}">
-        <p14:creationId xmlns:p14="http://schemas.microsoft.com/office/powerpoint/2010/main" val="2053038033"/>
+        <p14:creationId xmlns:p14="http://schemas.microsoft.com/office/powerpoint/2010/main" val="3265695686"/>
       </p:ext>
     </p:extLst>
   </p:cSld>
@@ -5685,96 +6086,10 @@
       </p:grpSpPr>
       <p:sp>
         <p:nvSpPr>
-          <p:cNvPr id="2" name="제목 1">
-            <a:extLst>
-              <a:ext uri="{FF2B5EF4-FFF2-40B4-BE49-F238E27FC236}">
-                <a16:creationId xmlns:a16="http://schemas.microsoft.com/office/drawing/2014/main" id="{65DC16FB-D9DF-4D7F-A2F3-79B7994E4BB0}"/>
-              </a:ext>
-            </a:extLst>
-          </p:cNvPr>
-          <p:cNvSpPr>
-            <a:spLocks noGrp="1"/>
-          </p:cNvSpPr>
-          <p:nvPr>
-            <p:ph type="title"/>
-          </p:nvPr>
-        </p:nvSpPr>
-        <p:spPr/>
-        <p:txBody>
-          <a:bodyPr/>
-          <a:lstStyle/>
-          <a:p>
-            <a:r>
-              <a:rPr lang="ko-KR" altLang="en-US" dirty="0"/>
-              <a:t>분석</a:t>
-            </a:r>
-            <a:r>
-              <a:rPr lang="en-US" altLang="ko-KR" dirty="0"/>
-              <a:t>1-</a:t>
-            </a:r>
-            <a:r>
-              <a:rPr lang="ko-KR" altLang="en-US" dirty="0"/>
-              <a:t>다수 등장한 단어</a:t>
-            </a:r>
-          </a:p>
-        </p:txBody>
-      </p:sp>
-      <p:sp>
-        <p:nvSpPr>
-          <p:cNvPr id="4" name="텍스트 개체 틀 3">
-            <a:extLst>
-              <a:ext uri="{FF2B5EF4-FFF2-40B4-BE49-F238E27FC236}">
-                <a16:creationId xmlns:a16="http://schemas.microsoft.com/office/drawing/2014/main" id="{ABBDAFA1-EE2F-4A31-B5A5-5166344AB74C}"/>
-              </a:ext>
-            </a:extLst>
-          </p:cNvPr>
-          <p:cNvSpPr>
-            <a:spLocks noGrp="1"/>
-          </p:cNvSpPr>
-          <p:nvPr>
-            <p:ph type="body" idx="1"/>
-          </p:nvPr>
-        </p:nvSpPr>
-        <p:spPr/>
-        <p:txBody>
-          <a:bodyPr/>
-          <a:lstStyle/>
-          <a:p>
-            <a:endParaRPr lang="ko-KR" altLang="en-US" dirty="0"/>
-          </a:p>
-        </p:txBody>
-      </p:sp>
-      <p:sp>
-        <p:nvSpPr>
-          <p:cNvPr id="6" name="텍스트 개체 틀 5">
-            <a:extLst>
-              <a:ext uri="{FF2B5EF4-FFF2-40B4-BE49-F238E27FC236}">
-                <a16:creationId xmlns:a16="http://schemas.microsoft.com/office/drawing/2014/main" id="{BD87CF4D-3A1F-4641-AAD9-FEAEF66322D8}"/>
-              </a:ext>
-            </a:extLst>
-          </p:cNvPr>
-          <p:cNvSpPr>
-            <a:spLocks noGrp="1"/>
-          </p:cNvSpPr>
-          <p:nvPr>
-            <p:ph type="body" sz="quarter" idx="3"/>
-          </p:nvPr>
-        </p:nvSpPr>
-        <p:spPr/>
-        <p:txBody>
-          <a:bodyPr/>
-          <a:lstStyle/>
-          <a:p>
-            <a:endParaRPr lang="ko-KR" altLang="en-US"/>
-          </a:p>
-        </p:txBody>
-      </p:sp>
-      <p:sp>
-        <p:nvSpPr>
-          <p:cNvPr id="12" name="TextBox 11">
-            <a:extLst>
-              <a:ext uri="{FF2B5EF4-FFF2-40B4-BE49-F238E27FC236}">
-                <a16:creationId xmlns:a16="http://schemas.microsoft.com/office/drawing/2014/main" id="{0A5EA29B-416B-4EDA-AA86-F8E0A2F34878}"/>
+          <p:cNvPr id="7" name="TextBox 6">
+            <a:extLst>
+              <a:ext uri="{FF2B5EF4-FFF2-40B4-BE49-F238E27FC236}">
+                <a16:creationId xmlns:a16="http://schemas.microsoft.com/office/drawing/2014/main" id="{4455D888-7AFA-4425-831C-BD2330A4EAC6}"/>
               </a:ext>
             </a:extLst>
           </p:cNvPr>
@@ -5783,8 +6098,8 @@
         </p:nvSpPr>
         <p:spPr>
           <a:xfrm>
-            <a:off x="839788" y="4225771"/>
-            <a:ext cx="5051255" cy="1477328"/>
+            <a:off x="313439" y="235688"/>
+            <a:ext cx="11514338" cy="646331"/>
           </a:xfrm>
           <a:prstGeom prst="rect">
             <a:avLst/>
@@ -5798,16 +6113,68 @@
           <a:lstStyle/>
           <a:p>
             <a:r>
-              <a:rPr lang="ko-KR" altLang="en-US" dirty="0"/>
-              <a:t>해외 댓글에서 많이 등장한 단어 중 유의미한 단어는 </a:t>
-            </a:r>
-            <a:r>
-              <a:rPr lang="en-US" altLang="ko-KR" dirty="0"/>
-              <a:t>“K/DA”,”2018”,”China”,”Models”,”2019”</a:t>
-            </a:r>
-            <a:r>
-              <a:rPr lang="ko-KR" altLang="en-US" dirty="0"/>
-              <a:t>였고</a:t>
+              <a:rPr lang="en-US" altLang="ko-KR" dirty="0"/>
+              <a:t>KDA, K/DA</a:t>
+            </a:r>
+            <a:r>
+              <a:rPr lang="ko-KR" altLang="en-US" dirty="0"/>
+              <a:t>는 </a:t>
+            </a:r>
+            <a:r>
+              <a:rPr lang="en-US" altLang="ko-KR" dirty="0"/>
+              <a:t>2018</a:t>
+            </a:r>
+            <a:r>
+              <a:rPr lang="ko-KR" altLang="en-US" dirty="0"/>
+              <a:t>년 </a:t>
+            </a:r>
+            <a:r>
+              <a:rPr lang="ko-KR" altLang="en-US" dirty="0" err="1"/>
+              <a:t>라이엇게임즈에서</a:t>
+            </a:r>
+            <a:r>
+              <a:rPr lang="en-US" altLang="ko-KR" dirty="0"/>
+              <a:t> </a:t>
+            </a:r>
+            <a:r>
+              <a:rPr lang="ko-KR" altLang="en-US" dirty="0" err="1"/>
+              <a:t>리그오브레전드에</a:t>
+            </a:r>
+            <a:r>
+              <a:rPr lang="ko-KR" altLang="en-US" dirty="0"/>
+              <a:t> 나오는 캐릭터들로 만든 </a:t>
+            </a:r>
+            <a:r>
+              <a:rPr lang="en-US" altLang="ko-KR" dirty="0"/>
+              <a:t>4</a:t>
+            </a:r>
+            <a:r>
+              <a:rPr lang="ko-KR" altLang="en-US" dirty="0"/>
+              <a:t>인조 </a:t>
+            </a:r>
+            <a:r>
+              <a:rPr lang="en-US" altLang="ko-KR" dirty="0"/>
+              <a:t>K-POP</a:t>
+            </a:r>
+            <a:r>
+              <a:rPr lang="ko-KR" altLang="en-US" dirty="0"/>
+              <a:t>그룹으로</a:t>
+            </a:r>
+            <a:r>
+              <a:rPr lang="en-US" altLang="ko-KR" dirty="0"/>
+              <a:t>, 2020</a:t>
+            </a:r>
+            <a:r>
+              <a:rPr lang="ko-KR" altLang="en-US" dirty="0"/>
+              <a:t>년 컴백과 새로운 캐릭터 </a:t>
+            </a:r>
+            <a:r>
+              <a:rPr lang="ko-KR" altLang="en-US" dirty="0" err="1"/>
+              <a:t>세라핀의</a:t>
+            </a:r>
+            <a:r>
+              <a:rPr lang="ko-KR" altLang="en-US" dirty="0"/>
+              <a:t> 합류</a:t>
             </a:r>
             <a:r>
               <a:rPr lang="en-US" altLang="ko-KR" dirty="0"/>
@@ -5815,263 +6182,11 @@
             </a:r>
             <a:r>
               <a:rPr lang="ko-KR" altLang="en-US" dirty="0"/>
-              <a:t>이중 </a:t>
-            </a:r>
-            <a:r>
-              <a:rPr lang="en-US" altLang="ko-KR" dirty="0"/>
-              <a:t>“models”,”face”,”Kai’sa”,”2018”</a:t>
-            </a:r>
-            <a:r>
-              <a:rPr lang="ko-KR" altLang="en-US" dirty="0"/>
-              <a:t>는 주로 </a:t>
-            </a:r>
-            <a:r>
-              <a:rPr lang="en-US" altLang="ko-KR" dirty="0"/>
-              <a:t>“KDA”</a:t>
-            </a:r>
-            <a:r>
-              <a:rPr lang="ko-KR" altLang="en-US" dirty="0"/>
-              <a:t>와 연관되는 단어들이었고</a:t>
-            </a:r>
-            <a:r>
-              <a:rPr lang="en-US" altLang="ko-KR" dirty="0"/>
-              <a:t>, “Chinese”</a:t>
-            </a:r>
-            <a:r>
-              <a:rPr lang="ko-KR" altLang="en-US" dirty="0"/>
-              <a:t>는</a:t>
-            </a:r>
-            <a:r>
-              <a:rPr lang="en-US" altLang="ko-KR" dirty="0"/>
-              <a:t> “China”</a:t>
-            </a:r>
-            <a:r>
-              <a:rPr lang="ko-KR" altLang="en-US" dirty="0"/>
-              <a:t>와 연관되었습니다</a:t>
-            </a:r>
-            <a:r>
-              <a:rPr lang="en-US" altLang="ko-KR" dirty="0"/>
-              <a:t>.</a:t>
-            </a:r>
-            <a:endParaRPr lang="ko-KR" altLang="en-US" dirty="0"/>
-          </a:p>
-        </p:txBody>
-      </p:sp>
-      <p:sp>
-        <p:nvSpPr>
-          <p:cNvPr id="13" name="TextBox 12">
-            <a:extLst>
-              <a:ext uri="{FF2B5EF4-FFF2-40B4-BE49-F238E27FC236}">
-                <a16:creationId xmlns:a16="http://schemas.microsoft.com/office/drawing/2014/main" id="{664F1B7A-5502-4E92-9A37-A83285F700E6}"/>
-              </a:ext>
-            </a:extLst>
-          </p:cNvPr>
-          <p:cNvSpPr txBox="1"/>
-          <p:nvPr/>
-        </p:nvSpPr>
-        <p:spPr>
-          <a:xfrm>
-            <a:off x="6383045" y="4244378"/>
-            <a:ext cx="4969167" cy="1477328"/>
-          </a:xfrm>
-          <a:prstGeom prst="rect">
-            <a:avLst/>
-          </a:prstGeom>
-          <a:noFill/>
-        </p:spPr>
-        <p:txBody>
-          <a:bodyPr wrap="square" rtlCol="0">
-            <a:spAutoFit/>
-          </a:bodyPr>
-          <a:lstStyle/>
-          <a:p>
-            <a:r>
-              <a:rPr lang="ko-KR" altLang="en-US" dirty="0"/>
-              <a:t>한국 댓글에서 가장 많이 나온 단어 중 유의미한 단어는 </a:t>
-            </a:r>
-            <a:r>
-              <a:rPr lang="en-US" altLang="ko-KR" dirty="0"/>
-              <a:t>“</a:t>
-            </a:r>
-            <a:r>
-              <a:rPr lang="ko-KR" altLang="en-US" dirty="0"/>
-              <a:t>중국</a:t>
-            </a:r>
-            <a:r>
-              <a:rPr lang="en-US" altLang="ko-KR" dirty="0"/>
-              <a:t>”, “</a:t>
-            </a:r>
-            <a:r>
-              <a:rPr lang="ko-KR" altLang="en-US" dirty="0"/>
-              <a:t>오프닝</a:t>
-            </a:r>
-            <a:r>
-              <a:rPr lang="en-US" altLang="ko-KR" dirty="0"/>
-              <a:t>”,”</a:t>
+              <a:t>그리고 결승전 개막식 무대가 있을 </a:t>
             </a:r>
             <a:r>
               <a:rPr lang="ko-KR" altLang="en-US" dirty="0" err="1"/>
-              <a:t>세라핀</a:t>
-            </a:r>
-            <a:r>
-              <a:rPr lang="en-US" altLang="ko-KR" dirty="0"/>
-              <a:t>”,”</a:t>
-            </a:r>
-            <a:r>
-              <a:rPr lang="ko-KR" altLang="en-US" dirty="0" err="1"/>
-              <a:t>롤드컵</a:t>
-            </a:r>
-            <a:r>
-              <a:rPr lang="en-US" altLang="ko-KR" dirty="0"/>
-              <a:t>“,”KDA”.</a:t>
-            </a:r>
-            <a:r>
-              <a:rPr lang="ko-KR" altLang="en-US" dirty="0"/>
-              <a:t>였습니다</a:t>
-            </a:r>
-            <a:r>
-              <a:rPr lang="en-US" altLang="ko-KR" dirty="0"/>
-              <a:t>. </a:t>
-            </a:r>
-            <a:r>
-              <a:rPr lang="ko-KR" altLang="en-US" dirty="0"/>
-              <a:t>이중 </a:t>
-            </a:r>
-            <a:r>
-              <a:rPr lang="en-US" altLang="ko-KR" dirty="0"/>
-              <a:t>“</a:t>
-            </a:r>
-            <a:r>
-              <a:rPr lang="ko-KR" altLang="en-US" dirty="0" err="1"/>
-              <a:t>세라핀</a:t>
-            </a:r>
-            <a:r>
-              <a:rPr lang="en-US" altLang="ko-KR" dirty="0"/>
-              <a:t>”,”</a:t>
-            </a:r>
-            <a:r>
-              <a:rPr lang="ko-KR" altLang="en-US" dirty="0"/>
-              <a:t>아리</a:t>
-            </a:r>
-            <a:r>
-              <a:rPr lang="en-US" altLang="ko-KR" dirty="0"/>
-              <a:t>”,”</a:t>
-            </a:r>
-            <a:r>
-              <a:rPr lang="ko-KR" altLang="en-US" dirty="0"/>
-              <a:t>모델링</a:t>
-            </a:r>
-            <a:r>
-              <a:rPr lang="en-US" altLang="ko-KR" dirty="0"/>
-              <a:t>”,”</a:t>
-            </a:r>
-            <a:r>
-              <a:rPr lang="ko-KR" altLang="en-US" dirty="0"/>
-              <a:t>그래픽</a:t>
-            </a:r>
-            <a:r>
-              <a:rPr lang="en-US" altLang="ko-KR" dirty="0"/>
-              <a:t>＂</a:t>
-            </a:r>
-            <a:r>
-              <a:rPr lang="ko-KR" altLang="en-US" dirty="0"/>
-              <a:t>등은 </a:t>
-            </a:r>
-            <a:r>
-              <a:rPr lang="en-US" altLang="ko-KR" dirty="0"/>
-              <a:t>“KDA”</a:t>
-            </a:r>
-            <a:r>
-              <a:rPr lang="ko-KR" altLang="en-US" dirty="0"/>
-              <a:t>와</a:t>
-            </a:r>
-            <a:r>
-              <a:rPr lang="en-US" altLang="ko-KR" dirty="0"/>
-              <a:t> </a:t>
-            </a:r>
-            <a:r>
-              <a:rPr lang="ko-KR" altLang="en-US" dirty="0"/>
-              <a:t>연관되는 </a:t>
-            </a:r>
-            <a:r>
-              <a:rPr lang="ko-KR" altLang="en-US" dirty="0" err="1"/>
-              <a:t>단어들이였습니다</a:t>
-            </a:r>
-            <a:r>
-              <a:rPr lang="en-US" altLang="ko-KR" dirty="0"/>
-              <a:t>.</a:t>
-            </a:r>
-            <a:endParaRPr lang="ko-KR" altLang="en-US" dirty="0"/>
-          </a:p>
-        </p:txBody>
-      </p:sp>
-      <p:sp>
-        <p:nvSpPr>
-          <p:cNvPr id="15" name="TextBox 14">
-            <a:extLst>
-              <a:ext uri="{FF2B5EF4-FFF2-40B4-BE49-F238E27FC236}">
-                <a16:creationId xmlns:a16="http://schemas.microsoft.com/office/drawing/2014/main" id="{F09CDEE8-F51F-4575-95B7-E2317795BC02}"/>
-              </a:ext>
-            </a:extLst>
-          </p:cNvPr>
-          <p:cNvSpPr txBox="1"/>
-          <p:nvPr/>
-        </p:nvSpPr>
-        <p:spPr>
-          <a:xfrm>
-            <a:off x="733256" y="5869185"/>
-            <a:ext cx="10618956" cy="646331"/>
-          </a:xfrm>
-          <a:prstGeom prst="rect">
-            <a:avLst/>
-          </a:prstGeom>
-          <a:noFill/>
-        </p:spPr>
-        <p:txBody>
-          <a:bodyPr wrap="square" rtlCol="0">
-            <a:spAutoFit/>
-          </a:bodyPr>
-          <a:lstStyle/>
-          <a:p>
-            <a:r>
-              <a:rPr lang="en-US" altLang="ko-KR" dirty="0"/>
-              <a:t> </a:t>
-            </a:r>
-            <a:r>
-              <a:rPr lang="ko-KR" altLang="en-US" dirty="0"/>
-              <a:t>양측에 주로 나오는 키워드가 </a:t>
-            </a:r>
-            <a:r>
-              <a:rPr lang="en-US" altLang="ko-KR" dirty="0"/>
-              <a:t>“KDA”</a:t>
-            </a:r>
-            <a:r>
-              <a:rPr lang="ko-KR" altLang="en-US" dirty="0"/>
-              <a:t>와 </a:t>
-            </a:r>
-            <a:r>
-              <a:rPr lang="en-US" altLang="ko-KR" dirty="0"/>
-              <a:t>“</a:t>
-            </a:r>
-            <a:r>
-              <a:rPr lang="ko-KR" altLang="en-US" dirty="0"/>
-              <a:t>중국</a:t>
-            </a:r>
-            <a:r>
-              <a:rPr lang="en-US" altLang="ko-KR" dirty="0"/>
-              <a:t>”</a:t>
-            </a:r>
-            <a:r>
-              <a:rPr lang="ko-KR" altLang="en-US" dirty="0"/>
-              <a:t>이였고</a:t>
-            </a:r>
-            <a:r>
-              <a:rPr lang="en-US" altLang="ko-KR" dirty="0"/>
-              <a:t>, </a:t>
-            </a:r>
-            <a:r>
-              <a:rPr lang="ko-KR" altLang="en-US" dirty="0"/>
-              <a:t>이에 이 두 키워드에 관해 한국과 해외에서 어떤 차이가 있는지 분석해보았습니다</a:t>
+              <a:t>예정이였습니다</a:t>
             </a:r>
             <a:r>
               <a:rPr lang="en-US" altLang="ko-KR" dirty="0"/>
@@ -6083,19 +6198,17 @@
       </p:sp>
       <p:pic>
         <p:nvPicPr>
-          <p:cNvPr id="8" name="내용 개체 틀 7">
-            <a:extLst>
-              <a:ext uri="{FF2B5EF4-FFF2-40B4-BE49-F238E27FC236}">
-                <a16:creationId xmlns:a16="http://schemas.microsoft.com/office/drawing/2014/main" id="{1FA76A21-7449-45A4-B1AC-B65C72FD5A8C}"/>
+          <p:cNvPr id="9" name="그림 8">
+            <a:extLst>
+              <a:ext uri="{FF2B5EF4-FFF2-40B4-BE49-F238E27FC236}">
+                <a16:creationId xmlns:a16="http://schemas.microsoft.com/office/drawing/2014/main" id="{4B29FA37-DF39-4127-A920-27402862603C}"/>
               </a:ext>
             </a:extLst>
           </p:cNvPr>
           <p:cNvPicPr>
-            <a:picLocks noGrp="1" noChangeAspect="1"/>
+            <a:picLocks noChangeAspect="1"/>
           </p:cNvPicPr>
-          <p:nvPr>
-            <p:ph sz="half" idx="2"/>
-          </p:nvPr>
+          <p:nvPr/>
         </p:nvPicPr>
         <p:blipFill>
           <a:blip r:embed="rId2">
@@ -6111,26 +6224,151 @@
         </p:blipFill>
         <p:spPr>
           <a:xfrm>
-            <a:off x="733256" y="1283771"/>
-            <a:ext cx="5157787" cy="2960607"/>
+            <a:off x="1122282" y="1247418"/>
+            <a:ext cx="4213195" cy="2689203"/>
           </a:xfrm>
+          <a:prstGeom prst="rect">
+            <a:avLst/>
+          </a:prstGeom>
         </p:spPr>
       </p:pic>
+      <p:sp>
+        <p:nvSpPr>
+          <p:cNvPr id="12" name="TextBox 11">
+            <a:extLst>
+              <a:ext uri="{FF2B5EF4-FFF2-40B4-BE49-F238E27FC236}">
+                <a16:creationId xmlns:a16="http://schemas.microsoft.com/office/drawing/2014/main" id="{37725D65-DCF0-4F45-95AF-68D33E5B5234}"/>
+              </a:ext>
+            </a:extLst>
+          </p:cNvPr>
+          <p:cNvSpPr txBox="1"/>
+          <p:nvPr/>
+        </p:nvSpPr>
+        <p:spPr>
+          <a:xfrm>
+            <a:off x="1635339" y="946350"/>
+            <a:ext cx="2938509" cy="369332"/>
+          </a:xfrm>
+          <a:prstGeom prst="rect">
+            <a:avLst/>
+          </a:prstGeom>
+          <a:noFill/>
+        </p:spPr>
+        <p:txBody>
+          <a:bodyPr wrap="square" rtlCol="0">
+            <a:spAutoFit/>
+          </a:bodyPr>
+          <a:lstStyle/>
+          <a:p>
+            <a:pPr algn="ctr"/>
+            <a:r>
+              <a:rPr lang="ko-KR" altLang="en-US" dirty="0"/>
+              <a:t>한국 </a:t>
+            </a:r>
+            <a:r>
+              <a:rPr lang="en-US" altLang="ko-KR" dirty="0"/>
+              <a:t>KDA </a:t>
+            </a:r>
+            <a:r>
+              <a:rPr lang="ko-KR" altLang="en-US" dirty="0"/>
+              <a:t>관련 등장 단어</a:t>
+            </a:r>
+          </a:p>
+        </p:txBody>
+      </p:sp>
+      <p:sp>
+        <p:nvSpPr>
+          <p:cNvPr id="13" name="TextBox 12">
+            <a:extLst>
+              <a:ext uri="{FF2B5EF4-FFF2-40B4-BE49-F238E27FC236}">
+                <a16:creationId xmlns:a16="http://schemas.microsoft.com/office/drawing/2014/main" id="{D6DB92E5-B325-4B72-9591-75AD54DD1B91}"/>
+              </a:ext>
+            </a:extLst>
+          </p:cNvPr>
+          <p:cNvSpPr txBox="1"/>
+          <p:nvPr/>
+        </p:nvSpPr>
+        <p:spPr>
+          <a:xfrm>
+            <a:off x="7405552" y="945950"/>
+            <a:ext cx="3053919" cy="369332"/>
+          </a:xfrm>
+          <a:prstGeom prst="rect">
+            <a:avLst/>
+          </a:prstGeom>
+          <a:noFill/>
+        </p:spPr>
+        <p:txBody>
+          <a:bodyPr wrap="square" rtlCol="0">
+            <a:spAutoFit/>
+          </a:bodyPr>
+          <a:lstStyle/>
+          <a:p>
+            <a:pPr algn="ctr"/>
+            <a:r>
+              <a:rPr lang="ko-KR" altLang="en-US" dirty="0"/>
+              <a:t>해외 </a:t>
+            </a:r>
+            <a:r>
+              <a:rPr lang="en-US" altLang="ko-KR" dirty="0"/>
+              <a:t>KDA </a:t>
+            </a:r>
+            <a:r>
+              <a:rPr lang="ko-KR" altLang="en-US" dirty="0"/>
+              <a:t>관련 등장 단어</a:t>
+            </a:r>
+          </a:p>
+        </p:txBody>
+      </p:sp>
+      <p:sp>
+        <p:nvSpPr>
+          <p:cNvPr id="14" name="TextBox 13">
+            <a:extLst>
+              <a:ext uri="{FF2B5EF4-FFF2-40B4-BE49-F238E27FC236}">
+                <a16:creationId xmlns:a16="http://schemas.microsoft.com/office/drawing/2014/main" id="{02ADE45F-7970-4418-8EA8-EBAC5566F8FB}"/>
+              </a:ext>
+            </a:extLst>
+          </p:cNvPr>
+          <p:cNvSpPr txBox="1"/>
+          <p:nvPr/>
+        </p:nvSpPr>
+        <p:spPr>
+          <a:xfrm>
+            <a:off x="537839" y="4314831"/>
+            <a:ext cx="11116322" cy="369332"/>
+          </a:xfrm>
+          <a:prstGeom prst="rect">
+            <a:avLst/>
+          </a:prstGeom>
+          <a:noFill/>
+        </p:spPr>
+        <p:txBody>
+          <a:bodyPr wrap="square" rtlCol="0">
+            <a:spAutoFit/>
+          </a:bodyPr>
+          <a:lstStyle/>
+          <a:p>
+            <a:r>
+              <a:rPr lang="en-US" altLang="ko-KR" dirty="0"/>
+              <a:t>.</a:t>
+            </a:r>
+            <a:endParaRPr lang="ko-KR" altLang="en-US" dirty="0"/>
+          </a:p>
+        </p:txBody>
+      </p:sp>
       <p:pic>
         <p:nvPicPr>
-          <p:cNvPr id="17" name="내용 개체 틀 16">
-            <a:extLst>
-              <a:ext uri="{FF2B5EF4-FFF2-40B4-BE49-F238E27FC236}">
-                <a16:creationId xmlns:a16="http://schemas.microsoft.com/office/drawing/2014/main" id="{1C14BA92-289E-4463-AC8E-C1FDAD9BD296}"/>
+          <p:cNvPr id="3" name="그림 2">
+            <a:extLst>
+              <a:ext uri="{FF2B5EF4-FFF2-40B4-BE49-F238E27FC236}">
+                <a16:creationId xmlns:a16="http://schemas.microsoft.com/office/drawing/2014/main" id="{3A5360BB-74A6-45FF-A5B6-0A4A84D4496A}"/>
               </a:ext>
             </a:extLst>
           </p:cNvPr>
           <p:cNvPicPr>
-            <a:picLocks noGrp="1" noChangeAspect="1"/>
+            <a:picLocks noChangeAspect="1"/>
           </p:cNvPicPr>
-          <p:nvPr>
-            <p:ph sz="quarter" idx="4"/>
-          </p:nvPr>
+          <p:nvPr/>
         </p:nvPicPr>
         <p:blipFill>
           <a:blip r:embed="rId3">
@@ -6146,544 +6384,7 @@
         </p:blipFill>
         <p:spPr>
           <a:xfrm>
-            <a:off x="6994817" y="1481933"/>
-            <a:ext cx="3745621" cy="2564282"/>
-          </a:xfrm>
-        </p:spPr>
-      </p:pic>
-    </p:spTree>
-    <p:extLst>
-      <p:ext uri="{BB962C8B-B14F-4D97-AF65-F5344CB8AC3E}">
-        <p14:creationId xmlns:p14="http://schemas.microsoft.com/office/powerpoint/2010/main" val="3265695686"/>
-      </p:ext>
-    </p:extLst>
-  </p:cSld>
-  <p:clrMapOvr>
-    <a:masterClrMapping/>
-  </p:clrMapOvr>
-</p:sld>
-</file>
-
-<file path=ppt/slides/slide4.xml><?xml version="1.0" encoding="utf-8"?>
-<p:sld xmlns:a="http://schemas.openxmlformats.org/drawingml/2006/main" xmlns:r="http://schemas.openxmlformats.org/officeDocument/2006/relationships" xmlns:p="http://schemas.openxmlformats.org/presentationml/2006/main">
-  <p:cSld>
-    <p:spTree>
-      <p:nvGrpSpPr>
-        <p:cNvPr id="1" name=""/>
-        <p:cNvGrpSpPr/>
-        <p:nvPr/>
-      </p:nvGrpSpPr>
-      <p:grpSpPr>
-        <a:xfrm>
-          <a:off x="0" y="0"/>
-          <a:ext cx="0" cy="0"/>
-          <a:chOff x="0" y="0"/>
-          <a:chExt cx="0" cy="0"/>
-        </a:xfrm>
-      </p:grpSpPr>
-      <p:sp>
-        <p:nvSpPr>
-          <p:cNvPr id="7" name="TextBox 6">
-            <a:extLst>
-              <a:ext uri="{FF2B5EF4-FFF2-40B4-BE49-F238E27FC236}">
-                <a16:creationId xmlns:a16="http://schemas.microsoft.com/office/drawing/2014/main" id="{4455D888-7AFA-4425-831C-BD2330A4EAC6}"/>
-              </a:ext>
-            </a:extLst>
-          </p:cNvPr>
-          <p:cNvSpPr txBox="1"/>
-          <p:nvPr/>
-        </p:nvSpPr>
-        <p:spPr>
-          <a:xfrm>
-            <a:off x="338831" y="429895"/>
-            <a:ext cx="11514338" cy="646331"/>
-          </a:xfrm>
-          <a:prstGeom prst="rect">
-            <a:avLst/>
-          </a:prstGeom>
-          <a:noFill/>
-        </p:spPr>
-        <p:txBody>
-          <a:bodyPr wrap="square" rtlCol="0">
-            <a:spAutoFit/>
-          </a:bodyPr>
-          <a:lstStyle/>
-          <a:p>
-            <a:r>
-              <a:rPr lang="en-US" altLang="ko-KR" dirty="0"/>
-              <a:t>KDA, K/DA</a:t>
-            </a:r>
-            <a:r>
-              <a:rPr lang="ko-KR" altLang="en-US" dirty="0"/>
-              <a:t>는 </a:t>
-            </a:r>
-            <a:r>
-              <a:rPr lang="en-US" altLang="ko-KR" dirty="0"/>
-              <a:t>2018</a:t>
-            </a:r>
-            <a:r>
-              <a:rPr lang="ko-KR" altLang="en-US" dirty="0"/>
-              <a:t>년 </a:t>
-            </a:r>
-            <a:r>
-              <a:rPr lang="ko-KR" altLang="en-US" dirty="0" err="1"/>
-              <a:t>라이엇게임즈에서</a:t>
-            </a:r>
-            <a:r>
-              <a:rPr lang="en-US" altLang="ko-KR" dirty="0"/>
-              <a:t> </a:t>
-            </a:r>
-            <a:r>
-              <a:rPr lang="ko-KR" altLang="en-US" dirty="0" err="1"/>
-              <a:t>리그오브레전드에</a:t>
-            </a:r>
-            <a:r>
-              <a:rPr lang="ko-KR" altLang="en-US" dirty="0"/>
-              <a:t> 나오는 캐릭터들로 만든 </a:t>
-            </a:r>
-            <a:r>
-              <a:rPr lang="en-US" altLang="ko-KR" dirty="0"/>
-              <a:t>4</a:t>
-            </a:r>
-            <a:r>
-              <a:rPr lang="ko-KR" altLang="en-US" dirty="0"/>
-              <a:t>인조 </a:t>
-            </a:r>
-            <a:r>
-              <a:rPr lang="en-US" altLang="ko-KR" dirty="0"/>
-              <a:t>K-POP</a:t>
-            </a:r>
-            <a:r>
-              <a:rPr lang="ko-KR" altLang="en-US" dirty="0"/>
-              <a:t>그룹으로</a:t>
-            </a:r>
-            <a:r>
-              <a:rPr lang="en-US" altLang="ko-KR" dirty="0"/>
-              <a:t>, 2020</a:t>
-            </a:r>
-            <a:r>
-              <a:rPr lang="ko-KR" altLang="en-US" dirty="0"/>
-              <a:t>년 컴백과 새로운 캐릭터 </a:t>
-            </a:r>
-            <a:r>
-              <a:rPr lang="ko-KR" altLang="en-US" dirty="0" err="1"/>
-              <a:t>세라핀의</a:t>
-            </a:r>
-            <a:r>
-              <a:rPr lang="ko-KR" altLang="en-US" dirty="0"/>
-              <a:t> 합류</a:t>
-            </a:r>
-            <a:r>
-              <a:rPr lang="en-US" altLang="ko-KR" dirty="0"/>
-              <a:t>, </a:t>
-            </a:r>
-            <a:r>
-              <a:rPr lang="ko-KR" altLang="en-US" dirty="0"/>
-              <a:t>그리고 결승전 개막식 무대가 있을 </a:t>
-            </a:r>
-            <a:r>
-              <a:rPr lang="ko-KR" altLang="en-US" dirty="0" err="1"/>
-              <a:t>예정이였습니다</a:t>
-            </a:r>
-            <a:r>
-              <a:rPr lang="en-US" altLang="ko-KR" dirty="0"/>
-              <a:t>.</a:t>
-            </a:r>
-            <a:endParaRPr lang="ko-KR" altLang="en-US" dirty="0"/>
-          </a:p>
-        </p:txBody>
-      </p:sp>
-      <p:pic>
-        <p:nvPicPr>
-          <p:cNvPr id="9" name="그림 8">
-            <a:extLst>
-              <a:ext uri="{FF2B5EF4-FFF2-40B4-BE49-F238E27FC236}">
-                <a16:creationId xmlns:a16="http://schemas.microsoft.com/office/drawing/2014/main" id="{4B29FA37-DF39-4127-A920-27402862603C}"/>
-              </a:ext>
-            </a:extLst>
-          </p:cNvPr>
-          <p:cNvPicPr>
-            <a:picLocks noChangeAspect="1"/>
-          </p:cNvPicPr>
-          <p:nvPr/>
-        </p:nvPicPr>
-        <p:blipFill>
-          <a:blip r:embed="rId2">
-            <a:extLst>
-              <a:ext uri="{28A0092B-C50C-407E-A947-70E740481C1C}">
-                <a14:useLocalDpi xmlns:a14="http://schemas.microsoft.com/office/drawing/2010/main" val="0"/>
-              </a:ext>
-            </a:extLst>
-          </a:blip>
-          <a:stretch>
-            <a:fillRect/>
-          </a:stretch>
-        </p:blipFill>
-        <p:spPr>
-          <a:xfrm>
-            <a:off x="1095651" y="1625628"/>
-            <a:ext cx="4213195" cy="2689203"/>
-          </a:xfrm>
-          <a:prstGeom prst="rect">
-            <a:avLst/>
-          </a:prstGeom>
-        </p:spPr>
-      </p:pic>
-      <p:sp>
-        <p:nvSpPr>
-          <p:cNvPr id="12" name="TextBox 11">
-            <a:extLst>
-              <a:ext uri="{FF2B5EF4-FFF2-40B4-BE49-F238E27FC236}">
-                <a16:creationId xmlns:a16="http://schemas.microsoft.com/office/drawing/2014/main" id="{37725D65-DCF0-4F45-95AF-68D33E5B5234}"/>
-              </a:ext>
-            </a:extLst>
-          </p:cNvPr>
-          <p:cNvSpPr txBox="1"/>
-          <p:nvPr/>
-        </p:nvSpPr>
-        <p:spPr>
-          <a:xfrm>
-            <a:off x="1732993" y="1256296"/>
-            <a:ext cx="2938509" cy="369332"/>
-          </a:xfrm>
-          <a:prstGeom prst="rect">
-            <a:avLst/>
-          </a:prstGeom>
-          <a:noFill/>
-        </p:spPr>
-        <p:txBody>
-          <a:bodyPr wrap="square" rtlCol="0">
-            <a:spAutoFit/>
-          </a:bodyPr>
-          <a:lstStyle/>
-          <a:p>
-            <a:pPr algn="ctr"/>
-            <a:r>
-              <a:rPr lang="ko-KR" altLang="en-US" dirty="0"/>
-              <a:t>한국 </a:t>
-            </a:r>
-            <a:r>
-              <a:rPr lang="en-US" altLang="ko-KR" dirty="0"/>
-              <a:t>KDA </a:t>
-            </a:r>
-            <a:r>
-              <a:rPr lang="ko-KR" altLang="en-US" dirty="0"/>
-              <a:t>관련 등장 단어</a:t>
-            </a:r>
-          </a:p>
-        </p:txBody>
-      </p:sp>
-      <p:sp>
-        <p:nvSpPr>
-          <p:cNvPr id="13" name="TextBox 12">
-            <a:extLst>
-              <a:ext uri="{FF2B5EF4-FFF2-40B4-BE49-F238E27FC236}">
-                <a16:creationId xmlns:a16="http://schemas.microsoft.com/office/drawing/2014/main" id="{D6DB92E5-B325-4B72-9591-75AD54DD1B91}"/>
-              </a:ext>
-            </a:extLst>
-          </p:cNvPr>
-          <p:cNvSpPr txBox="1"/>
-          <p:nvPr/>
-        </p:nvSpPr>
-        <p:spPr>
-          <a:xfrm>
-            <a:off x="6943727" y="1256296"/>
-            <a:ext cx="3053919" cy="369332"/>
-          </a:xfrm>
-          <a:prstGeom prst="rect">
-            <a:avLst/>
-          </a:prstGeom>
-          <a:noFill/>
-        </p:spPr>
-        <p:txBody>
-          <a:bodyPr wrap="square" rtlCol="0">
-            <a:spAutoFit/>
-          </a:bodyPr>
-          <a:lstStyle/>
-          <a:p>
-            <a:pPr algn="ctr"/>
-            <a:r>
-              <a:rPr lang="ko-KR" altLang="en-US" dirty="0"/>
-              <a:t>해외 </a:t>
-            </a:r>
-            <a:r>
-              <a:rPr lang="en-US" altLang="ko-KR" dirty="0"/>
-              <a:t>KDA </a:t>
-            </a:r>
-            <a:r>
-              <a:rPr lang="ko-KR" altLang="en-US" dirty="0"/>
-              <a:t>관련 등장 단어</a:t>
-            </a:r>
-          </a:p>
-        </p:txBody>
-      </p:sp>
-      <p:sp>
-        <p:nvSpPr>
-          <p:cNvPr id="14" name="TextBox 13">
-            <a:extLst>
-              <a:ext uri="{FF2B5EF4-FFF2-40B4-BE49-F238E27FC236}">
-                <a16:creationId xmlns:a16="http://schemas.microsoft.com/office/drawing/2014/main" id="{02ADE45F-7970-4418-8EA8-EBAC5566F8FB}"/>
-              </a:ext>
-            </a:extLst>
-          </p:cNvPr>
-          <p:cNvSpPr txBox="1"/>
-          <p:nvPr/>
-        </p:nvSpPr>
-        <p:spPr>
-          <a:xfrm>
-            <a:off x="537839" y="4314831"/>
-            <a:ext cx="11116322" cy="2308324"/>
-          </a:xfrm>
-          <a:prstGeom prst="rect">
-            <a:avLst/>
-          </a:prstGeom>
-          <a:noFill/>
-        </p:spPr>
-        <p:txBody>
-          <a:bodyPr wrap="square" rtlCol="0">
-            <a:spAutoFit/>
-          </a:bodyPr>
-          <a:lstStyle/>
-          <a:p>
-            <a:r>
-              <a:rPr lang="ko-KR" altLang="en-US" dirty="0"/>
-              <a:t> 한국과 해외</a:t>
-            </a:r>
-            <a:r>
-              <a:rPr lang="en-US" altLang="ko-KR" dirty="0"/>
-              <a:t> </a:t>
-            </a:r>
-            <a:r>
-              <a:rPr lang="ko-KR" altLang="en-US" dirty="0"/>
-              <a:t>양측에서 공통적으로 나온 내용은 </a:t>
-            </a:r>
-            <a:r>
-              <a:rPr lang="en-US" altLang="ko-KR" dirty="0"/>
-              <a:t>K/DA</a:t>
-            </a:r>
-            <a:r>
-              <a:rPr lang="ko-KR" altLang="en-US" dirty="0"/>
-              <a:t>의 컴백 무대에서 캐릭터들의 </a:t>
-            </a:r>
-            <a:r>
-              <a:rPr lang="ko-KR" altLang="en-US" dirty="0" err="1"/>
-              <a:t>모델링이였습니다</a:t>
-            </a:r>
-            <a:r>
-              <a:rPr lang="en-US" altLang="ko-KR" dirty="0"/>
-              <a:t>. </a:t>
-            </a:r>
-            <a:r>
-              <a:rPr lang="ko-KR" altLang="en-US" dirty="0"/>
-              <a:t>캐릭터들을 </a:t>
-            </a:r>
-            <a:r>
-              <a:rPr lang="en-US" altLang="ko-KR" dirty="0"/>
-              <a:t>3D </a:t>
-            </a:r>
-            <a:r>
-              <a:rPr lang="ko-KR" altLang="en-US" dirty="0"/>
-              <a:t>모델링으로 구현해서 공연을 했는데</a:t>
-            </a:r>
-            <a:r>
-              <a:rPr lang="en-US" altLang="ko-KR" dirty="0"/>
-              <a:t>, </a:t>
-            </a:r>
-            <a:r>
-              <a:rPr lang="ko-KR" altLang="en-US" dirty="0"/>
-              <a:t>똑같은 방식으로 진행한 </a:t>
-            </a:r>
-            <a:r>
-              <a:rPr lang="en-US" altLang="ko-KR" dirty="0"/>
-              <a:t>2018</a:t>
-            </a:r>
-            <a:r>
-              <a:rPr lang="ko-KR" altLang="en-US" dirty="0"/>
-              <a:t>년에 비해 모델링이 안 좋아졌다는 내용이 대부분이었습니다</a:t>
-            </a:r>
-            <a:r>
-              <a:rPr lang="en-US" altLang="ko-KR" dirty="0"/>
-              <a:t>. </a:t>
-            </a:r>
-            <a:r>
-              <a:rPr lang="ko-KR" altLang="en-US" dirty="0"/>
-              <a:t>해외 쪽에서 나온 </a:t>
-            </a:r>
-            <a:r>
-              <a:rPr lang="en-US" altLang="ko-KR" dirty="0"/>
-              <a:t>“2018”</a:t>
-            </a:r>
-            <a:r>
-              <a:rPr lang="ko-KR" altLang="en-US" dirty="0"/>
-              <a:t>이라는 단어는 주로 이러한 비교를 나타냅니다</a:t>
-            </a:r>
-            <a:r>
-              <a:rPr lang="en-US" altLang="ko-KR" dirty="0"/>
-              <a:t>.</a:t>
-            </a:r>
-          </a:p>
-          <a:p>
-            <a:r>
-              <a:rPr lang="en-US" altLang="ko-KR" dirty="0"/>
-              <a:t> </a:t>
-            </a:r>
-            <a:r>
-              <a:rPr lang="ko-KR" altLang="en-US" dirty="0"/>
-              <a:t>한국에선 </a:t>
-            </a:r>
-            <a:r>
-              <a:rPr lang="en-US" altLang="ko-KR" dirty="0"/>
-              <a:t>K/DA</a:t>
-            </a:r>
-            <a:r>
-              <a:rPr lang="ko-KR" altLang="en-US" dirty="0"/>
-              <a:t>의 예전 곡이었던 </a:t>
-            </a:r>
-            <a:r>
-              <a:rPr lang="en-US" altLang="ko-KR" dirty="0"/>
-              <a:t>“POPSTAR”</a:t>
-            </a:r>
-            <a:r>
-              <a:rPr lang="ko-KR" altLang="en-US" dirty="0"/>
-              <a:t>를 한국어 부분만 모조리 다 중국어로 개사해서 부른 점</a:t>
-            </a:r>
-            <a:r>
-              <a:rPr lang="en-US" altLang="ko-KR" dirty="0"/>
-              <a:t>, </a:t>
-            </a:r>
-            <a:r>
-              <a:rPr lang="ko-KR" altLang="en-US" dirty="0"/>
-              <a:t>그리고 새로 추가된 </a:t>
-            </a:r>
-            <a:r>
-              <a:rPr lang="ko-KR" altLang="en-US" dirty="0" err="1"/>
-              <a:t>세라핀이라는</a:t>
-            </a:r>
-            <a:r>
-              <a:rPr lang="ko-KR" altLang="en-US" dirty="0"/>
-              <a:t> 캐릭터가 </a:t>
-            </a:r>
-            <a:r>
-              <a:rPr lang="en-US" altLang="ko-KR" dirty="0"/>
-              <a:t>K/DA </a:t>
-            </a:r>
-            <a:r>
-              <a:rPr lang="ko-KR" altLang="en-US" dirty="0"/>
-              <a:t>세계관에서 중국계라는 점</a:t>
-            </a:r>
-            <a:r>
-              <a:rPr lang="en-US" altLang="ko-KR" dirty="0"/>
-              <a:t>, </a:t>
-            </a:r>
-            <a:r>
-              <a:rPr lang="ko-KR" altLang="en-US" dirty="0"/>
-              <a:t>그리고 </a:t>
-            </a:r>
-            <a:r>
-              <a:rPr lang="ko-KR" altLang="en-US" dirty="0" err="1"/>
-              <a:t>세라핀</a:t>
-            </a:r>
-            <a:r>
-              <a:rPr lang="ko-KR" altLang="en-US" dirty="0"/>
-              <a:t> 역을 맡았던 중국 가수만 무대위에 올라와 노래를 불렀다는 점</a:t>
-            </a:r>
-            <a:r>
-              <a:rPr lang="en-US" altLang="ko-KR" dirty="0"/>
-              <a:t>, </a:t>
-            </a:r>
-            <a:r>
-              <a:rPr lang="ko-KR" altLang="en-US" dirty="0"/>
-              <a:t>한국계 캐릭터인 </a:t>
-            </a:r>
-            <a:r>
-              <a:rPr lang="ko-KR" altLang="en-US" dirty="0" err="1"/>
-              <a:t>아리의</a:t>
-            </a:r>
-            <a:r>
-              <a:rPr lang="ko-KR" altLang="en-US" dirty="0"/>
-              <a:t> 센터 자리를 뺏고 센터에 들어왔다는 점 등에서 </a:t>
-            </a:r>
-            <a:r>
-              <a:rPr lang="en-US" altLang="ko-KR" dirty="0"/>
-              <a:t>“</a:t>
-            </a:r>
-            <a:r>
-              <a:rPr lang="ko-KR" altLang="en-US" dirty="0"/>
-              <a:t>중국</a:t>
-            </a:r>
-            <a:r>
-              <a:rPr lang="en-US" altLang="ko-KR" dirty="0"/>
-              <a:t>”</a:t>
-            </a:r>
-            <a:r>
-              <a:rPr lang="ko-KR" altLang="en-US" dirty="0"/>
-              <a:t>과 관련된 내용이 많았으며 부정적인 의견이 많았습니다</a:t>
-            </a:r>
-            <a:r>
-              <a:rPr lang="en-US" altLang="ko-KR" dirty="0"/>
-              <a:t>. </a:t>
-            </a:r>
-            <a:r>
-              <a:rPr lang="ko-KR" altLang="en-US" dirty="0" err="1"/>
-              <a:t>해외쪽에선</a:t>
-            </a:r>
-            <a:r>
-              <a:rPr lang="ko-KR" altLang="en-US" dirty="0"/>
-              <a:t> 이러한 내용은 나오지 않고 앞서 언급한 </a:t>
-            </a:r>
-            <a:r>
-              <a:rPr lang="en-US" altLang="ko-KR" dirty="0"/>
-              <a:t>2018,2019</a:t>
-            </a:r>
-            <a:r>
-              <a:rPr lang="ko-KR" altLang="en-US" dirty="0"/>
-              <a:t>년 개막식과 비교</a:t>
-            </a:r>
-            <a:r>
-              <a:rPr lang="en-US" altLang="ko-KR" dirty="0"/>
-              <a:t>, </a:t>
-            </a:r>
-            <a:r>
-              <a:rPr lang="ko-KR" altLang="en-US" dirty="0"/>
-              <a:t>그리고 모델링에 대한 내용이 상대적으로 더 많았습니다</a:t>
-            </a:r>
-            <a:r>
-              <a:rPr lang="en-US" altLang="ko-KR" dirty="0"/>
-              <a:t>.</a:t>
-            </a:r>
-            <a:endParaRPr lang="ko-KR" altLang="en-US" dirty="0"/>
-          </a:p>
-        </p:txBody>
-      </p:sp>
-      <p:pic>
-        <p:nvPicPr>
-          <p:cNvPr id="3" name="그림 2">
-            <a:extLst>
-              <a:ext uri="{FF2B5EF4-FFF2-40B4-BE49-F238E27FC236}">
-                <a16:creationId xmlns:a16="http://schemas.microsoft.com/office/drawing/2014/main" id="{3A5360BB-74A6-45FF-A5B6-0A4A84D4496A}"/>
-              </a:ext>
-            </a:extLst>
-          </p:cNvPr>
-          <p:cNvPicPr>
-            <a:picLocks noChangeAspect="1"/>
-          </p:cNvPicPr>
-          <p:nvPr/>
-        </p:nvPicPr>
-        <p:blipFill>
-          <a:blip r:embed="rId3">
-            <a:extLst>
-              <a:ext uri="{28A0092B-C50C-407E-A947-70E740481C1C}">
-                <a14:useLocalDpi xmlns:a14="http://schemas.microsoft.com/office/drawing/2010/main" val="0"/>
-              </a:ext>
-            </a:extLst>
-          </a:blip>
-          <a:stretch>
-            <a:fillRect/>
-          </a:stretch>
-        </p:blipFill>
-        <p:spPr>
-          <a:xfrm>
-            <a:off x="6428675" y="1781854"/>
+            <a:off x="6428674" y="1300004"/>
             <a:ext cx="5007674" cy="2376750"/>
           </a:xfrm>
           <a:prstGeom prst="rect">
@@ -6691,964 +6392,12 @@
           </a:prstGeom>
         </p:spPr>
       </p:pic>
-    </p:spTree>
-    <p:extLst>
-      <p:ext uri="{BB962C8B-B14F-4D97-AF65-F5344CB8AC3E}">
-        <p14:creationId xmlns:p14="http://schemas.microsoft.com/office/powerpoint/2010/main" val="2213947485"/>
-      </p:ext>
-    </p:extLst>
-  </p:cSld>
-  <p:clrMapOvr>
-    <a:masterClrMapping/>
-  </p:clrMapOvr>
-</p:sld>
-</file>
-
-<file path=ppt/slides/slide5.xml><?xml version="1.0" encoding="utf-8"?>
-<p:sld xmlns:a="http://schemas.openxmlformats.org/drawingml/2006/main" xmlns:r="http://schemas.openxmlformats.org/officeDocument/2006/relationships" xmlns:p="http://schemas.openxmlformats.org/presentationml/2006/main">
-  <p:cSld>
-    <p:spTree>
-      <p:nvGrpSpPr>
-        <p:cNvPr id="1" name=""/>
-        <p:cNvGrpSpPr/>
-        <p:nvPr/>
-      </p:nvGrpSpPr>
-      <p:grpSpPr>
-        <a:xfrm>
-          <a:off x="0" y="0"/>
-          <a:ext cx="0" cy="0"/>
-          <a:chOff x="0" y="0"/>
-          <a:chExt cx="0" cy="0"/>
-        </a:xfrm>
-      </p:grpSpPr>
-      <p:pic>
-        <p:nvPicPr>
-          <p:cNvPr id="3" name="그림 2">
-            <a:extLst>
-              <a:ext uri="{FF2B5EF4-FFF2-40B4-BE49-F238E27FC236}">
-                <a16:creationId xmlns:a16="http://schemas.microsoft.com/office/drawing/2014/main" id="{3F2EE9E9-4FBE-411F-91D4-3E5296FC0FCC}"/>
-              </a:ext>
-            </a:extLst>
-          </p:cNvPr>
-          <p:cNvPicPr>
-            <a:picLocks noChangeAspect="1"/>
-          </p:cNvPicPr>
-          <p:nvPr/>
-        </p:nvPicPr>
-        <p:blipFill>
-          <a:blip r:embed="rId2">
-            <a:extLst>
-              <a:ext uri="{28A0092B-C50C-407E-A947-70E740481C1C}">
-                <a14:useLocalDpi xmlns:a14="http://schemas.microsoft.com/office/drawing/2010/main" val="0"/>
-              </a:ext>
-            </a:extLst>
-          </a:blip>
-          <a:stretch>
-            <a:fillRect/>
-          </a:stretch>
-        </p:blipFill>
-        <p:spPr>
-          <a:xfrm>
-            <a:off x="711681" y="517124"/>
-            <a:ext cx="4971873" cy="2911876"/>
-          </a:xfrm>
-          <a:prstGeom prst="rect">
-            <a:avLst/>
-          </a:prstGeom>
-        </p:spPr>
-      </p:pic>
-      <p:sp>
-        <p:nvSpPr>
-          <p:cNvPr id="6" name="TextBox 5">
-            <a:extLst>
-              <a:ext uri="{FF2B5EF4-FFF2-40B4-BE49-F238E27FC236}">
-                <a16:creationId xmlns:a16="http://schemas.microsoft.com/office/drawing/2014/main" id="{796899CC-D58A-42A8-9846-AD6D5EE762DA}"/>
-              </a:ext>
-            </a:extLst>
-          </p:cNvPr>
-          <p:cNvSpPr txBox="1"/>
-          <p:nvPr/>
-        </p:nvSpPr>
-        <p:spPr>
-          <a:xfrm>
-            <a:off x="711681" y="3798332"/>
-            <a:ext cx="10038219" cy="2585323"/>
-          </a:xfrm>
-          <a:prstGeom prst="rect">
-            <a:avLst/>
-          </a:prstGeom>
-          <a:noFill/>
-        </p:spPr>
-        <p:txBody>
-          <a:bodyPr wrap="square" rtlCol="0">
-            <a:spAutoFit/>
-          </a:bodyPr>
-          <a:lstStyle/>
-          <a:p>
-            <a:r>
-              <a:rPr lang="en-US" altLang="ko-KR" dirty="0"/>
-              <a:t> “</a:t>
-            </a:r>
-            <a:r>
-              <a:rPr lang="ko-KR" altLang="en-US" dirty="0"/>
-              <a:t>중국</a:t>
-            </a:r>
-            <a:r>
-              <a:rPr lang="en-US" altLang="ko-KR" dirty="0"/>
-              <a:t>＂</a:t>
-            </a:r>
-            <a:r>
-              <a:rPr lang="ko-KR" altLang="en-US" dirty="0"/>
-              <a:t>과 관련된 내용은 양쪽 큰 차이를 보이지는 않았습니다</a:t>
-            </a:r>
-            <a:r>
-              <a:rPr lang="en-US" altLang="ko-KR" dirty="0"/>
-              <a:t>. </a:t>
-            </a:r>
-            <a:r>
-              <a:rPr lang="ko-KR" altLang="en-US" dirty="0"/>
-              <a:t>대부분 부정적인 의견이 강했고</a:t>
-            </a:r>
-            <a:r>
-              <a:rPr lang="en-US" altLang="ko-KR" dirty="0"/>
-              <a:t>, </a:t>
-            </a:r>
-            <a:r>
-              <a:rPr lang="ko-KR" altLang="en-US" dirty="0"/>
-              <a:t>차이라면 강도의 차이로 </a:t>
-            </a:r>
-            <a:r>
-              <a:rPr lang="ko-KR" altLang="en-US" dirty="0" err="1"/>
-              <a:t>한국쪽은</a:t>
-            </a:r>
-            <a:r>
-              <a:rPr lang="ko-KR" altLang="en-US" dirty="0"/>
-              <a:t> </a:t>
-            </a:r>
-            <a:r>
-              <a:rPr lang="en-US" altLang="ko-KR" dirty="0"/>
-              <a:t>“</a:t>
-            </a:r>
-            <a:r>
-              <a:rPr lang="ko-KR" altLang="en-US" dirty="0"/>
-              <a:t>노골적으로 </a:t>
-            </a:r>
-            <a:r>
-              <a:rPr lang="ko-KR" altLang="en-US" dirty="0" err="1"/>
-              <a:t>중국쪽에서</a:t>
-            </a:r>
-            <a:r>
-              <a:rPr lang="ko-KR" altLang="en-US" dirty="0"/>
-              <a:t> 해서 문제다</a:t>
-            </a:r>
-            <a:r>
-              <a:rPr lang="en-US" altLang="ko-KR" dirty="0"/>
-              <a:t>”</a:t>
-            </a:r>
-            <a:r>
-              <a:rPr lang="ko-KR" altLang="en-US" dirty="0"/>
-              <a:t>라고 한 반면 </a:t>
-            </a:r>
-            <a:r>
-              <a:rPr lang="ko-KR" altLang="en-US" dirty="0" err="1"/>
-              <a:t>해외쪽에서는</a:t>
-            </a:r>
-            <a:r>
-              <a:rPr lang="ko-KR" altLang="en-US" dirty="0"/>
-              <a:t> </a:t>
-            </a:r>
-            <a:r>
-              <a:rPr lang="en-US" altLang="ko-KR" dirty="0"/>
-              <a:t>“</a:t>
-            </a:r>
-            <a:r>
-              <a:rPr lang="ko-KR" altLang="en-US" dirty="0"/>
-              <a:t>중국에서 했다고 무조건 안 </a:t>
-            </a:r>
-            <a:r>
-              <a:rPr lang="ko-KR" altLang="en-US" dirty="0" err="1"/>
-              <a:t>좋다라고</a:t>
-            </a:r>
-            <a:r>
-              <a:rPr lang="ko-KR" altLang="en-US" dirty="0"/>
-              <a:t> 하는 건 아니지만 아무리 그래도 퀄리티가 떨어진다</a:t>
-            </a:r>
-            <a:r>
-              <a:rPr lang="en-US" altLang="ko-KR" dirty="0"/>
-              <a:t>＂</a:t>
-            </a:r>
-            <a:r>
-              <a:rPr lang="ko-KR" altLang="en-US" dirty="0" err="1"/>
-              <a:t>라는게</a:t>
-            </a:r>
-            <a:r>
-              <a:rPr lang="ko-KR" altLang="en-US" dirty="0"/>
-              <a:t> 주였습니다</a:t>
-            </a:r>
-            <a:r>
-              <a:rPr lang="en-US" altLang="ko-KR" dirty="0"/>
-              <a:t>.</a:t>
-            </a:r>
-            <a:r>
-              <a:rPr lang="ko-KR" altLang="en-US" dirty="0"/>
-              <a:t> 한국은 </a:t>
-            </a:r>
-            <a:r>
-              <a:rPr lang="en-US" altLang="ko-KR" dirty="0"/>
-              <a:t>80%</a:t>
-            </a:r>
-            <a:r>
-              <a:rPr lang="ko-KR" altLang="en-US" dirty="0"/>
-              <a:t>이상의 댓글에 중국이 언급되었으며</a:t>
-            </a:r>
-            <a:r>
-              <a:rPr lang="en-US" altLang="ko-KR" dirty="0"/>
-              <a:t>, </a:t>
-            </a:r>
-            <a:r>
-              <a:rPr lang="ko-KR" altLang="en-US" dirty="0"/>
-              <a:t>앞에 나온 </a:t>
-            </a:r>
-            <a:r>
-              <a:rPr lang="en-US" altLang="ko-KR" dirty="0"/>
-              <a:t>“KDA”</a:t>
-            </a:r>
-            <a:r>
-              <a:rPr lang="ko-KR" altLang="en-US" dirty="0"/>
-              <a:t>와 관련된 내용과 </a:t>
-            </a:r>
-            <a:r>
-              <a:rPr lang="ko-KR" altLang="en-US" dirty="0" err="1"/>
-              <a:t>중국팀이었던</a:t>
-            </a:r>
-            <a:r>
-              <a:rPr lang="ko-KR" altLang="en-US" dirty="0"/>
-              <a:t> </a:t>
-            </a:r>
-            <a:r>
-              <a:rPr lang="ko-KR" altLang="en-US" dirty="0" err="1"/>
-              <a:t>쑤닝에겐</a:t>
-            </a:r>
-            <a:r>
-              <a:rPr lang="ko-KR" altLang="en-US" dirty="0"/>
-              <a:t> 열정적인 호응을 보였지만 한국팀인 </a:t>
-            </a:r>
-            <a:r>
-              <a:rPr lang="ko-KR" altLang="en-US" dirty="0" err="1"/>
-              <a:t>담원게이밍에게는</a:t>
-            </a:r>
-            <a:r>
-              <a:rPr lang="ko-KR" altLang="en-US" dirty="0"/>
-              <a:t> 박수하나 주지 않은 점을 주 비판 요소로 잡았는데</a:t>
-            </a:r>
-            <a:r>
-              <a:rPr lang="en-US" altLang="ko-KR" dirty="0"/>
-              <a:t>, </a:t>
-            </a:r>
-            <a:r>
-              <a:rPr lang="ko-KR" altLang="en-US" dirty="0" err="1"/>
-              <a:t>해외측에서는</a:t>
-            </a:r>
-            <a:r>
-              <a:rPr lang="ko-KR" altLang="en-US" dirty="0"/>
-              <a:t> 개막식 행사를 통역가 </a:t>
-            </a:r>
-            <a:r>
-              <a:rPr lang="ko-KR" altLang="en-US" dirty="0" err="1"/>
-              <a:t>한명</a:t>
-            </a:r>
-            <a:r>
-              <a:rPr lang="ko-KR" altLang="en-US" dirty="0"/>
-              <a:t> 없이 중국어로만 진행한 점</a:t>
-            </a:r>
-            <a:r>
-              <a:rPr lang="en-US" altLang="ko-KR" dirty="0"/>
-              <a:t>, </a:t>
-            </a:r>
-            <a:r>
-              <a:rPr lang="ko-KR" altLang="en-US" dirty="0"/>
-              <a:t>진행자가 중국은 </a:t>
-            </a:r>
-            <a:r>
-              <a:rPr lang="ko-KR" altLang="en-US" dirty="0" err="1"/>
-              <a:t>이스포츠의</a:t>
-            </a:r>
-            <a:r>
-              <a:rPr lang="ko-KR" altLang="en-US" dirty="0"/>
-              <a:t> 종주국이며 수없이 많은 전설과 전략을 </a:t>
-            </a:r>
-            <a:r>
-              <a:rPr lang="ko-KR" altLang="en-US" dirty="0" err="1"/>
-              <a:t>배출했다라고</a:t>
-            </a:r>
-            <a:r>
-              <a:rPr lang="ko-KR" altLang="en-US" dirty="0"/>
-              <a:t> 말한 점 등을 비판했습니다</a:t>
-            </a:r>
-            <a:r>
-              <a:rPr lang="en-US" altLang="ko-KR" dirty="0"/>
-              <a:t>. </a:t>
-            </a:r>
-            <a:r>
-              <a:rPr lang="ko-KR" altLang="en-US" dirty="0"/>
-              <a:t>즉 비판의 내용은 </a:t>
-            </a:r>
-            <a:r>
-              <a:rPr lang="ko-KR" altLang="en-US" dirty="0" err="1"/>
-              <a:t>다를지언정</a:t>
-            </a:r>
-            <a:r>
-              <a:rPr lang="ko-KR" altLang="en-US" dirty="0"/>
-              <a:t> 양측 다 </a:t>
-            </a:r>
-            <a:r>
-              <a:rPr lang="en-US" altLang="ko-KR" dirty="0"/>
-              <a:t>“</a:t>
-            </a:r>
-            <a:r>
-              <a:rPr lang="ko-KR" altLang="en-US" dirty="0"/>
-              <a:t>노골적인 중국 위주의 행사</a:t>
-            </a:r>
-            <a:r>
-              <a:rPr lang="en-US" altLang="ko-KR" dirty="0"/>
-              <a:t>＂</a:t>
-            </a:r>
-            <a:r>
-              <a:rPr lang="ko-KR" altLang="en-US" dirty="0"/>
-              <a:t>를 비판했다는 점에서는 공통점을 보였습니다</a:t>
-            </a:r>
-            <a:r>
-              <a:rPr lang="en-US" altLang="ko-KR" dirty="0"/>
-              <a:t>.</a:t>
-            </a:r>
-            <a:endParaRPr lang="ko-KR" altLang="en-US" dirty="0"/>
-          </a:p>
-        </p:txBody>
-      </p:sp>
-      <p:sp>
-        <p:nvSpPr>
-          <p:cNvPr id="7" name="TextBox 6">
-            <a:extLst>
-              <a:ext uri="{FF2B5EF4-FFF2-40B4-BE49-F238E27FC236}">
-                <a16:creationId xmlns:a16="http://schemas.microsoft.com/office/drawing/2014/main" id="{AA199F92-F796-4B5D-A19A-1F755C20A3BF}"/>
-              </a:ext>
-            </a:extLst>
-          </p:cNvPr>
-          <p:cNvSpPr txBox="1"/>
-          <p:nvPr/>
-        </p:nvSpPr>
-        <p:spPr>
-          <a:xfrm>
-            <a:off x="1333306" y="147792"/>
-            <a:ext cx="3728622" cy="369332"/>
-          </a:xfrm>
-          <a:prstGeom prst="rect">
-            <a:avLst/>
-          </a:prstGeom>
-          <a:noFill/>
-        </p:spPr>
-        <p:txBody>
-          <a:bodyPr wrap="square" rtlCol="0">
-            <a:spAutoFit/>
-          </a:bodyPr>
-          <a:lstStyle/>
-          <a:p>
-            <a:pPr algn="ctr"/>
-            <a:r>
-              <a:rPr lang="en-US" altLang="ko-KR" dirty="0"/>
-              <a:t>“</a:t>
-            </a:r>
-            <a:r>
-              <a:rPr lang="ko-KR" altLang="en-US" dirty="0"/>
-              <a:t>중국</a:t>
-            </a:r>
-            <a:r>
-              <a:rPr lang="en-US" altLang="ko-KR" dirty="0"/>
-              <a:t>” </a:t>
-            </a:r>
-            <a:r>
-              <a:rPr lang="ko-KR" altLang="en-US" dirty="0"/>
-              <a:t>관련 한국 댓글</a:t>
-            </a:r>
-          </a:p>
-        </p:txBody>
-      </p:sp>
-      <p:sp>
-        <p:nvSpPr>
-          <p:cNvPr id="8" name="TextBox 7">
-            <a:extLst>
-              <a:ext uri="{FF2B5EF4-FFF2-40B4-BE49-F238E27FC236}">
-                <a16:creationId xmlns:a16="http://schemas.microsoft.com/office/drawing/2014/main" id="{4F55B618-92C2-4957-9F04-BE328850BA13}"/>
-              </a:ext>
-            </a:extLst>
-          </p:cNvPr>
-          <p:cNvSpPr txBox="1"/>
-          <p:nvPr/>
-        </p:nvSpPr>
-        <p:spPr>
-          <a:xfrm>
-            <a:off x="6558639" y="147792"/>
-            <a:ext cx="3728622" cy="369332"/>
-          </a:xfrm>
-          <a:prstGeom prst="rect">
-            <a:avLst/>
-          </a:prstGeom>
-          <a:noFill/>
-        </p:spPr>
-        <p:txBody>
-          <a:bodyPr wrap="square" rtlCol="0">
-            <a:spAutoFit/>
-          </a:bodyPr>
-          <a:lstStyle/>
-          <a:p>
-            <a:pPr algn="ctr"/>
-            <a:r>
-              <a:rPr lang="en-US" altLang="ko-KR" dirty="0"/>
-              <a:t>“</a:t>
-            </a:r>
-            <a:r>
-              <a:rPr lang="ko-KR" altLang="en-US" dirty="0"/>
-              <a:t>중국</a:t>
-            </a:r>
-            <a:r>
-              <a:rPr lang="en-US" altLang="ko-KR" dirty="0"/>
-              <a:t>” </a:t>
-            </a:r>
-            <a:r>
-              <a:rPr lang="ko-KR" altLang="en-US" dirty="0"/>
-              <a:t>관련 해외 댓글</a:t>
-            </a:r>
-          </a:p>
-        </p:txBody>
-      </p:sp>
-      <p:pic>
-        <p:nvPicPr>
-          <p:cNvPr id="4" name="그림 3">
-            <a:extLst>
-              <a:ext uri="{FF2B5EF4-FFF2-40B4-BE49-F238E27FC236}">
-                <a16:creationId xmlns:a16="http://schemas.microsoft.com/office/drawing/2014/main" id="{43230D3D-98A6-41C7-9E45-451BDDA00DD1}"/>
-              </a:ext>
-            </a:extLst>
-          </p:cNvPr>
-          <p:cNvPicPr>
-            <a:picLocks noChangeAspect="1"/>
-          </p:cNvPicPr>
-          <p:nvPr/>
-        </p:nvPicPr>
-        <p:blipFill>
-          <a:blip r:embed="rId3">
-            <a:extLst>
-              <a:ext uri="{28A0092B-C50C-407E-A947-70E740481C1C}">
-                <a14:useLocalDpi xmlns:a14="http://schemas.microsoft.com/office/drawing/2010/main" val="0"/>
-              </a:ext>
-            </a:extLst>
-          </a:blip>
-          <a:stretch>
-            <a:fillRect/>
-          </a:stretch>
-        </p:blipFill>
-        <p:spPr>
-          <a:xfrm>
-            <a:off x="6172014" y="634612"/>
-            <a:ext cx="5006087" cy="2794388"/>
-          </a:xfrm>
-          <a:prstGeom prst="rect">
-            <a:avLst/>
-          </a:prstGeom>
-        </p:spPr>
-      </p:pic>
-    </p:spTree>
-    <p:extLst>
-      <p:ext uri="{BB962C8B-B14F-4D97-AF65-F5344CB8AC3E}">
-        <p14:creationId xmlns:p14="http://schemas.microsoft.com/office/powerpoint/2010/main" val="1881117110"/>
-      </p:ext>
-    </p:extLst>
-  </p:cSld>
-  <p:clrMapOvr>
-    <a:masterClrMapping/>
-  </p:clrMapOvr>
-</p:sld>
-</file>
-
-<file path=ppt/slides/slide6.xml><?xml version="1.0" encoding="utf-8"?>
-<p:sld xmlns:a="http://schemas.openxmlformats.org/drawingml/2006/main" xmlns:r="http://schemas.openxmlformats.org/officeDocument/2006/relationships" xmlns:p="http://schemas.openxmlformats.org/presentationml/2006/main">
-  <p:cSld>
-    <p:spTree>
-      <p:nvGrpSpPr>
-        <p:cNvPr id="1" name=""/>
-        <p:cNvGrpSpPr/>
-        <p:nvPr/>
-      </p:nvGrpSpPr>
-      <p:grpSpPr>
-        <a:xfrm>
-          <a:off x="0" y="0"/>
-          <a:ext cx="0" cy="0"/>
-          <a:chOff x="0" y="0"/>
-          <a:chExt cx="0" cy="0"/>
-        </a:xfrm>
-      </p:grpSpPr>
       <p:graphicFrame>
         <p:nvGraphicFramePr>
-          <p:cNvPr id="4" name="차트 3">
-            <a:extLst>
-              <a:ext uri="{FF2B5EF4-FFF2-40B4-BE49-F238E27FC236}">
-                <a16:creationId xmlns:a16="http://schemas.microsoft.com/office/drawing/2014/main" id="{CCE49028-7A22-476E-91FF-9AB00A12806F}"/>
-              </a:ext>
-            </a:extLst>
-          </p:cNvPr>
-          <p:cNvGraphicFramePr/>
-          <p:nvPr>
-            <p:extLst>
-              <p:ext uri="{D42A27DB-BD31-4B8C-83A1-F6EECF244321}">
-                <p14:modId xmlns:p14="http://schemas.microsoft.com/office/powerpoint/2010/main" val="2275940953"/>
-              </p:ext>
-            </p:extLst>
-          </p:nvPr>
-        </p:nvGraphicFramePr>
-        <p:xfrm>
-          <a:off x="687032" y="1618242"/>
-          <a:ext cx="4874827" cy="3621516"/>
-        </p:xfrm>
-        <a:graphic>
-          <a:graphicData uri="http://schemas.openxmlformats.org/drawingml/2006/chart">
-            <c:chart xmlns:c="http://schemas.openxmlformats.org/drawingml/2006/chart" xmlns:r="http://schemas.openxmlformats.org/officeDocument/2006/relationships" r:id="rId2"/>
-          </a:graphicData>
-        </a:graphic>
-      </p:graphicFrame>
-      <p:graphicFrame>
-        <p:nvGraphicFramePr>
-          <p:cNvPr id="7" name="차트 6">
-            <a:extLst>
-              <a:ext uri="{FF2B5EF4-FFF2-40B4-BE49-F238E27FC236}">
-                <a16:creationId xmlns:a16="http://schemas.microsoft.com/office/drawing/2014/main" id="{85125E9E-0B77-4B5A-A4D2-65BE9FCEF561}"/>
-              </a:ext>
-            </a:extLst>
-          </p:cNvPr>
-          <p:cNvGraphicFramePr/>
-          <p:nvPr>
-            <p:extLst>
-              <p:ext uri="{D42A27DB-BD31-4B8C-83A1-F6EECF244321}">
-                <p14:modId xmlns:p14="http://schemas.microsoft.com/office/powerpoint/2010/main" val="2013163211"/>
-              </p:ext>
-            </p:extLst>
-          </p:nvPr>
-        </p:nvGraphicFramePr>
-        <p:xfrm>
-          <a:off x="6027937" y="1618242"/>
-          <a:ext cx="4492101" cy="3621516"/>
-        </p:xfrm>
-        <a:graphic>
-          <a:graphicData uri="http://schemas.openxmlformats.org/drawingml/2006/chart">
-            <c:chart xmlns:c="http://schemas.openxmlformats.org/drawingml/2006/chart" xmlns:r="http://schemas.openxmlformats.org/officeDocument/2006/relationships" r:id="rId3"/>
-          </a:graphicData>
-        </a:graphic>
-      </p:graphicFrame>
-      <p:sp>
-        <p:nvSpPr>
-          <p:cNvPr id="8" name="TextBox 7">
-            <a:extLst>
-              <a:ext uri="{FF2B5EF4-FFF2-40B4-BE49-F238E27FC236}">
-                <a16:creationId xmlns:a16="http://schemas.microsoft.com/office/drawing/2014/main" id="{AF117410-F361-4F04-867B-DC803556F697}"/>
-              </a:ext>
-            </a:extLst>
-          </p:cNvPr>
-          <p:cNvSpPr txBox="1"/>
-          <p:nvPr/>
-        </p:nvSpPr>
-        <p:spPr>
-          <a:xfrm>
-            <a:off x="984033" y="417913"/>
-            <a:ext cx="9916358" cy="1200329"/>
-          </a:xfrm>
-          <a:prstGeom prst="rect">
-            <a:avLst/>
-          </a:prstGeom>
-          <a:noFill/>
-        </p:spPr>
-        <p:txBody>
-          <a:bodyPr wrap="square" rtlCol="0">
-            <a:spAutoFit/>
-          </a:bodyPr>
-          <a:lstStyle/>
-          <a:p>
-            <a:r>
-              <a:rPr lang="ko-KR" altLang="en-US" dirty="0"/>
-              <a:t>한국 댓글을 살펴보던 중 해외에선 이렇게 거센 비난이 나오지 않는다</a:t>
-            </a:r>
-            <a:r>
-              <a:rPr lang="en-US" altLang="ko-KR" dirty="0"/>
-              <a:t>, </a:t>
-            </a:r>
-            <a:r>
-              <a:rPr lang="ko-KR" altLang="en-US" dirty="0"/>
-              <a:t>코로나 바이러스를 생각해서 봐야한다 라는 내용을 보아서</a:t>
-            </a:r>
-            <a:r>
-              <a:rPr lang="en-US" altLang="ko-KR" dirty="0"/>
-              <a:t>, </a:t>
-            </a:r>
-            <a:r>
-              <a:rPr lang="ko-KR" altLang="en-US" dirty="0"/>
-              <a:t>실제로 </a:t>
-            </a:r>
-            <a:r>
-              <a:rPr lang="ko-KR" altLang="en-US" dirty="0" err="1"/>
-              <a:t>그러한가</a:t>
-            </a:r>
-            <a:r>
-              <a:rPr lang="ko-KR" altLang="en-US" dirty="0"/>
-              <a:t> 조사해보았습니다</a:t>
-            </a:r>
-            <a:r>
-              <a:rPr lang="en-US" altLang="ko-KR" dirty="0"/>
-              <a:t>. </a:t>
-            </a:r>
-            <a:r>
-              <a:rPr lang="ko-KR" altLang="en-US" dirty="0"/>
-              <a:t>관련 단어는 </a:t>
-            </a:r>
-            <a:r>
-              <a:rPr lang="en-US" altLang="ko-KR" dirty="0"/>
-              <a:t>“Corona”</a:t>
-            </a:r>
-            <a:r>
-              <a:rPr lang="ko-KR" altLang="en-US" dirty="0"/>
-              <a:t>와 </a:t>
-            </a:r>
-            <a:r>
-              <a:rPr lang="en-US" altLang="ko-KR" dirty="0"/>
-              <a:t>“Pandemic”</a:t>
-            </a:r>
-            <a:r>
-              <a:rPr lang="ko-KR" altLang="en-US" dirty="0"/>
-              <a:t>이였고</a:t>
-            </a:r>
-            <a:r>
-              <a:rPr lang="en-US" altLang="ko-KR" dirty="0"/>
-              <a:t>, </a:t>
-            </a:r>
-            <a:r>
-              <a:rPr lang="ko-KR" altLang="en-US" dirty="0"/>
-              <a:t>각각 </a:t>
-            </a:r>
-            <a:r>
-              <a:rPr lang="en-US" altLang="ko-KR" dirty="0"/>
-              <a:t>18</a:t>
-            </a:r>
-            <a:r>
-              <a:rPr lang="ko-KR" altLang="en-US" dirty="0"/>
-              <a:t>개와 </a:t>
-            </a:r>
-            <a:r>
-              <a:rPr lang="en-US" altLang="ko-KR" dirty="0"/>
-              <a:t>27</a:t>
-            </a:r>
-            <a:r>
-              <a:rPr lang="ko-KR" altLang="en-US" dirty="0"/>
-              <a:t>개의 댓글이 있었습니다</a:t>
-            </a:r>
-            <a:r>
-              <a:rPr lang="en-US" altLang="ko-KR" dirty="0"/>
-              <a:t>. </a:t>
-            </a:r>
-            <a:r>
-              <a:rPr lang="ko-KR" altLang="en-US" dirty="0"/>
-              <a:t>그중 내용을 분석해봤을 </a:t>
-            </a:r>
-            <a:r>
-              <a:rPr lang="ko-KR" altLang="en-US" dirty="0" err="1"/>
-              <a:t>떄</a:t>
-            </a:r>
-            <a:r>
-              <a:rPr lang="ko-KR" altLang="en-US" dirty="0"/>
-              <a:t> 이랬습니다</a:t>
-            </a:r>
-            <a:r>
-              <a:rPr lang="en-US" altLang="ko-KR" dirty="0"/>
-              <a:t>.</a:t>
-            </a:r>
-            <a:endParaRPr lang="ko-KR" altLang="en-US" dirty="0"/>
-          </a:p>
-        </p:txBody>
-      </p:sp>
-      <p:sp>
-        <p:nvSpPr>
-          <p:cNvPr id="9" name="TextBox 8">
-            <a:extLst>
-              <a:ext uri="{FF2B5EF4-FFF2-40B4-BE49-F238E27FC236}">
-                <a16:creationId xmlns:a16="http://schemas.microsoft.com/office/drawing/2014/main" id="{CA0D894A-5CEE-459D-9A79-23A8A92B7BC9}"/>
-              </a:ext>
-            </a:extLst>
-          </p:cNvPr>
-          <p:cNvSpPr txBox="1"/>
-          <p:nvPr/>
-        </p:nvSpPr>
-        <p:spPr>
-          <a:xfrm rot="10800000" flipV="1">
-            <a:off x="984033" y="5516757"/>
-            <a:ext cx="10649624" cy="923330"/>
-          </a:xfrm>
-          <a:prstGeom prst="rect">
-            <a:avLst/>
-          </a:prstGeom>
-          <a:noFill/>
-        </p:spPr>
-        <p:txBody>
-          <a:bodyPr wrap="square" rtlCol="0">
-            <a:spAutoFit/>
-          </a:bodyPr>
-          <a:lstStyle/>
-          <a:p>
-            <a:r>
-              <a:rPr lang="ko-KR" altLang="en-US" dirty="0"/>
-              <a:t>실제로 현재 코로나</a:t>
-            </a:r>
-            <a:r>
-              <a:rPr lang="en-US" altLang="ko-KR" dirty="0"/>
-              <a:t>19</a:t>
-            </a:r>
-            <a:r>
-              <a:rPr lang="ko-KR" altLang="en-US" dirty="0"/>
-              <a:t>바이러스가 전 세계에 퍼져 정상적인 행사 진행이 어려웠던 만큼 긍정적인 의견 중 그에 대해 동정하는 여론도 적지 않았습니다</a:t>
-            </a:r>
-            <a:r>
-              <a:rPr lang="en-US" altLang="ko-KR" dirty="0"/>
-              <a:t>. </a:t>
-            </a:r>
-            <a:r>
-              <a:rPr lang="ko-KR" altLang="en-US" dirty="0"/>
-              <a:t>다만 어디까지나 이런 상황이니 퀄리티가 떨어져도 어쩔 수 없다는 의견이지</a:t>
-            </a:r>
-            <a:r>
-              <a:rPr lang="en-US" altLang="ko-KR" dirty="0"/>
-              <a:t>, </a:t>
-            </a:r>
-            <a:r>
-              <a:rPr lang="ko-KR" altLang="en-US" dirty="0"/>
-              <a:t>개막식 행사 자체가 좋았다고 말한 의견은 한두개에 불과했습니다</a:t>
-            </a:r>
-            <a:r>
-              <a:rPr lang="en-US" altLang="ko-KR" dirty="0"/>
-              <a:t>.</a:t>
-            </a:r>
-            <a:endParaRPr lang="ko-KR" altLang="en-US" dirty="0"/>
-          </a:p>
-        </p:txBody>
-      </p:sp>
-    </p:spTree>
-    <p:extLst>
-      <p:ext uri="{BB962C8B-B14F-4D97-AF65-F5344CB8AC3E}">
-        <p14:creationId xmlns:p14="http://schemas.microsoft.com/office/powerpoint/2010/main" val="2874691030"/>
-      </p:ext>
-    </p:extLst>
-  </p:cSld>
-  <p:clrMapOvr>
-    <a:masterClrMapping/>
-  </p:clrMapOvr>
-</p:sld>
-</file>
-
-<file path=ppt/slides/slide7.xml><?xml version="1.0" encoding="utf-8"?>
-<p:sld xmlns:a="http://schemas.openxmlformats.org/drawingml/2006/main" xmlns:r="http://schemas.openxmlformats.org/officeDocument/2006/relationships" xmlns:p="http://schemas.openxmlformats.org/presentationml/2006/main">
-  <p:cSld>
-    <p:spTree>
-      <p:nvGrpSpPr>
-        <p:cNvPr id="1" name=""/>
-        <p:cNvGrpSpPr/>
-        <p:nvPr/>
-      </p:nvGrpSpPr>
-      <p:grpSpPr>
-        <a:xfrm>
-          <a:off x="0" y="0"/>
-          <a:ext cx="0" cy="0"/>
-          <a:chOff x="0" y="0"/>
-          <a:chExt cx="0" cy="0"/>
-        </a:xfrm>
-      </p:grpSpPr>
-      <p:pic>
-        <p:nvPicPr>
-          <p:cNvPr id="3" name="그림 2">
-            <a:extLst>
-              <a:ext uri="{FF2B5EF4-FFF2-40B4-BE49-F238E27FC236}">
-                <a16:creationId xmlns:a16="http://schemas.microsoft.com/office/drawing/2014/main" id="{1960954F-BBF5-4B71-938A-7D4A148391EC}"/>
-              </a:ext>
-            </a:extLst>
-          </p:cNvPr>
-          <p:cNvPicPr>
-            <a:picLocks noChangeAspect="1"/>
-          </p:cNvPicPr>
-          <p:nvPr/>
-        </p:nvPicPr>
-        <p:blipFill>
-          <a:blip r:embed="rId2">
-            <a:extLst>
-              <a:ext uri="{28A0092B-C50C-407E-A947-70E740481C1C}">
-                <a14:useLocalDpi xmlns:a14="http://schemas.microsoft.com/office/drawing/2010/main" val="0"/>
-              </a:ext>
-            </a:extLst>
-          </a:blip>
-          <a:stretch>
-            <a:fillRect/>
-          </a:stretch>
-        </p:blipFill>
-        <p:spPr>
-          <a:xfrm>
-            <a:off x="3030111" y="346228"/>
-            <a:ext cx="6131777" cy="3886678"/>
-          </a:xfrm>
-          <a:prstGeom prst="rect">
-            <a:avLst/>
-          </a:prstGeom>
-        </p:spPr>
-      </p:pic>
-      <p:sp>
-        <p:nvSpPr>
-          <p:cNvPr id="4" name="TextBox 3">
-            <a:extLst>
-              <a:ext uri="{FF2B5EF4-FFF2-40B4-BE49-F238E27FC236}">
-                <a16:creationId xmlns:a16="http://schemas.microsoft.com/office/drawing/2014/main" id="{B95EE918-148D-4195-B7B6-06CCEB0A3D4E}"/>
-              </a:ext>
-            </a:extLst>
-          </p:cNvPr>
-          <p:cNvSpPr txBox="1"/>
-          <p:nvPr/>
-        </p:nvSpPr>
-        <p:spPr>
-          <a:xfrm>
-            <a:off x="656948" y="4483223"/>
-            <a:ext cx="10981677" cy="1477328"/>
-          </a:xfrm>
-          <a:prstGeom prst="rect">
-            <a:avLst/>
-          </a:prstGeom>
-          <a:noFill/>
-        </p:spPr>
-        <p:txBody>
-          <a:bodyPr wrap="square" rtlCol="0">
-            <a:spAutoFit/>
-          </a:bodyPr>
-          <a:lstStyle/>
-          <a:p>
-            <a:r>
-              <a:rPr lang="ko-KR" altLang="en-US" dirty="0"/>
-              <a:t>한국에서 많이 나온 내용 중 하나는 무대 연출에 관한 내용이었습니다</a:t>
-            </a:r>
-            <a:r>
-              <a:rPr lang="en-US" altLang="ko-KR" dirty="0"/>
-              <a:t>. </a:t>
-            </a:r>
-            <a:r>
-              <a:rPr lang="ko-KR" altLang="en-US" dirty="0"/>
-              <a:t>앞서 나온 </a:t>
-            </a:r>
-            <a:r>
-              <a:rPr lang="en-US" altLang="ko-KR" dirty="0"/>
-              <a:t>“K/DA”</a:t>
-            </a:r>
-            <a:r>
-              <a:rPr lang="ko-KR" altLang="en-US" dirty="0"/>
-              <a:t>의 공연과 관련된 내용</a:t>
-            </a:r>
-            <a:r>
-              <a:rPr lang="en-US" altLang="ko-KR" dirty="0"/>
-              <a:t>(</a:t>
-            </a:r>
-            <a:r>
-              <a:rPr lang="ko-KR" altLang="en-US" dirty="0"/>
-              <a:t>그래픽</a:t>
-            </a:r>
-            <a:r>
-              <a:rPr lang="en-US" altLang="ko-KR" dirty="0"/>
-              <a:t>, </a:t>
-            </a:r>
-            <a:r>
-              <a:rPr lang="ko-KR" altLang="en-US" dirty="0"/>
-              <a:t>그림자</a:t>
-            </a:r>
-            <a:r>
-              <a:rPr lang="en-US" altLang="ko-KR" dirty="0"/>
-              <a:t>)</a:t>
-            </a:r>
-            <a:r>
-              <a:rPr lang="ko-KR" altLang="en-US" dirty="0"/>
-              <a:t>과 더불어 단순히 사람들이 많이 올라와 춤을 추고 칼싸움을 하는 공연이 무슨 의미를 지니는 지 모르겠다는 의미도 있었습니다</a:t>
-            </a:r>
-            <a:r>
-              <a:rPr lang="en-US" altLang="ko-KR" dirty="0"/>
-              <a:t>. </a:t>
-            </a:r>
-            <a:r>
-              <a:rPr lang="ko-KR" altLang="en-US" dirty="0"/>
-              <a:t>심한 경우 </a:t>
-            </a:r>
-            <a:r>
-              <a:rPr lang="en-US" altLang="ko-KR" dirty="0"/>
-              <a:t>‘</a:t>
-            </a:r>
-            <a:r>
-              <a:rPr lang="ko-KR" altLang="en-US" dirty="0"/>
-              <a:t>학예회</a:t>
-            </a:r>
-            <a:r>
-              <a:rPr lang="en-US" altLang="ko-KR" dirty="0"/>
-              <a:t>＇</a:t>
-            </a:r>
-            <a:r>
-              <a:rPr lang="ko-KR" altLang="en-US" dirty="0"/>
-              <a:t>라고 말하기도 했습니다</a:t>
-            </a:r>
-            <a:r>
-              <a:rPr lang="en-US" altLang="ko-KR" dirty="0"/>
-              <a:t>. </a:t>
-            </a:r>
-            <a:r>
-              <a:rPr lang="ko-KR" altLang="en-US" dirty="0"/>
-              <a:t>앞서 해외에선 이러한 무대 연출에 대해 코로나 시국이니 이해해야 한다는 의견이 존재했다면 한국 댓글에선 중국이 자기방식으로 연출하니 이렇게 되는 거다는 의견이 많았습니다</a:t>
-            </a:r>
-            <a:r>
-              <a:rPr lang="en-US" altLang="ko-KR" dirty="0"/>
-              <a:t>.</a:t>
-            </a:r>
-            <a:endParaRPr lang="ko-KR" altLang="en-US" dirty="0"/>
-          </a:p>
-        </p:txBody>
-      </p:sp>
-    </p:spTree>
-    <p:extLst>
-      <p:ext uri="{BB962C8B-B14F-4D97-AF65-F5344CB8AC3E}">
-        <p14:creationId xmlns:p14="http://schemas.microsoft.com/office/powerpoint/2010/main" val="749522503"/>
-      </p:ext>
-    </p:extLst>
-  </p:cSld>
-  <p:clrMapOvr>
-    <a:masterClrMapping/>
-  </p:clrMapOvr>
-</p:sld>
-</file>
-
-<file path=ppt/slides/slide8.xml><?xml version="1.0" encoding="utf-8"?>
-<p:sld xmlns:a="http://schemas.openxmlformats.org/drawingml/2006/main" xmlns:r="http://schemas.openxmlformats.org/officeDocument/2006/relationships" xmlns:p="http://schemas.openxmlformats.org/presentationml/2006/main">
-  <p:cSld>
-    <p:spTree>
-      <p:nvGrpSpPr>
-        <p:cNvPr id="1" name=""/>
-        <p:cNvGrpSpPr/>
-        <p:nvPr/>
-      </p:nvGrpSpPr>
-      <p:grpSpPr>
-        <a:xfrm>
-          <a:off x="0" y="0"/>
-          <a:ext cx="0" cy="0"/>
-          <a:chOff x="0" y="0"/>
-          <a:chExt cx="0" cy="0"/>
-        </a:xfrm>
-      </p:grpSpPr>
-      <p:graphicFrame>
-        <p:nvGraphicFramePr>
-          <p:cNvPr id="3" name="표 3">
-            <a:extLst>
-              <a:ext uri="{FF2B5EF4-FFF2-40B4-BE49-F238E27FC236}">
-                <a16:creationId xmlns:a16="http://schemas.microsoft.com/office/drawing/2014/main" id="{357E33D6-AE64-4F21-ACD8-B8A9F066DC98}"/>
+          <p:cNvPr id="8" name="표 3">
+            <a:extLst>
+              <a:ext uri="{FF2B5EF4-FFF2-40B4-BE49-F238E27FC236}">
+                <a16:creationId xmlns:a16="http://schemas.microsoft.com/office/drawing/2014/main" id="{C4A1E5E7-5EB6-41FB-91DE-958B3C5532E8}"/>
               </a:ext>
             </a:extLst>
           </p:cNvPr>
@@ -7658,13 +6407,13 @@
           <p:nvPr>
             <p:extLst>
               <p:ext uri="{D42A27DB-BD31-4B8C-83A1-F6EECF244321}">
-                <p14:modId xmlns:p14="http://schemas.microsoft.com/office/powerpoint/2010/main" val="2197082755"/>
+                <p14:modId xmlns:p14="http://schemas.microsoft.com/office/powerpoint/2010/main" val="3577905522"/>
               </p:ext>
             </p:extLst>
           </p:nvPr>
         </p:nvGraphicFramePr>
         <p:xfrm>
-          <a:off x="383220" y="758464"/>
+          <a:off x="357828" y="3754239"/>
           <a:ext cx="11425560" cy="2956266"/>
         </p:xfrm>
         <a:graphic>
@@ -7978,12 +6727,242 @@
           </a:graphicData>
         </a:graphic>
       </p:graphicFrame>
+    </p:spTree>
+    <p:extLst>
+      <p:ext uri="{BB962C8B-B14F-4D97-AF65-F5344CB8AC3E}">
+        <p14:creationId xmlns:p14="http://schemas.microsoft.com/office/powerpoint/2010/main" val="2213947485"/>
+      </p:ext>
+    </p:extLst>
+  </p:cSld>
+  <p:clrMapOvr>
+    <a:masterClrMapping/>
+  </p:clrMapOvr>
+</p:sld>
+</file>
+
+<file path=ppt/slides/slide4.xml><?xml version="1.0" encoding="utf-8"?>
+<p:sld xmlns:a="http://schemas.openxmlformats.org/drawingml/2006/main" xmlns:r="http://schemas.openxmlformats.org/officeDocument/2006/relationships" xmlns:p="http://schemas.openxmlformats.org/presentationml/2006/main">
+  <p:cSld>
+    <p:spTree>
+      <p:nvGrpSpPr>
+        <p:cNvPr id="1" name=""/>
+        <p:cNvGrpSpPr/>
+        <p:nvPr/>
+      </p:nvGrpSpPr>
+      <p:grpSpPr>
+        <a:xfrm>
+          <a:off x="0" y="0"/>
+          <a:ext cx="0" cy="0"/>
+          <a:chOff x="0" y="0"/>
+          <a:chExt cx="0" cy="0"/>
+        </a:xfrm>
+      </p:grpSpPr>
+      <p:pic>
+        <p:nvPicPr>
+          <p:cNvPr id="3" name="그림 2">
+            <a:extLst>
+              <a:ext uri="{FF2B5EF4-FFF2-40B4-BE49-F238E27FC236}">
+                <a16:creationId xmlns:a16="http://schemas.microsoft.com/office/drawing/2014/main" id="{3F2EE9E9-4FBE-411F-91D4-3E5296FC0FCC}"/>
+              </a:ext>
+            </a:extLst>
+          </p:cNvPr>
+          <p:cNvPicPr>
+            <a:picLocks noChangeAspect="1"/>
+          </p:cNvPicPr>
+          <p:nvPr/>
+        </p:nvPicPr>
+        <p:blipFill>
+          <a:blip r:embed="rId2">
+            <a:extLst>
+              <a:ext uri="{28A0092B-C50C-407E-A947-70E740481C1C}">
+                <a14:useLocalDpi xmlns:a14="http://schemas.microsoft.com/office/drawing/2010/main" val="0"/>
+              </a:ext>
+            </a:extLst>
+          </a:blip>
+          <a:stretch>
+            <a:fillRect/>
+          </a:stretch>
+        </p:blipFill>
+        <p:spPr>
+          <a:xfrm>
+            <a:off x="711681" y="517124"/>
+            <a:ext cx="4971873" cy="2911876"/>
+          </a:xfrm>
+          <a:prstGeom prst="rect">
+            <a:avLst/>
+          </a:prstGeom>
+        </p:spPr>
+      </p:pic>
+      <p:sp>
+        <p:nvSpPr>
+          <p:cNvPr id="6" name="TextBox 5">
+            <a:extLst>
+              <a:ext uri="{FF2B5EF4-FFF2-40B4-BE49-F238E27FC236}">
+                <a16:creationId xmlns:a16="http://schemas.microsoft.com/office/drawing/2014/main" id="{796899CC-D58A-42A8-9846-AD6D5EE762DA}"/>
+              </a:ext>
+            </a:extLst>
+          </p:cNvPr>
+          <p:cNvSpPr txBox="1"/>
+          <p:nvPr/>
+        </p:nvSpPr>
+        <p:spPr>
+          <a:xfrm>
+            <a:off x="711681" y="3798332"/>
+            <a:ext cx="10038219" cy="369332"/>
+          </a:xfrm>
+          <a:prstGeom prst="rect">
+            <a:avLst/>
+          </a:prstGeom>
+          <a:noFill/>
+        </p:spPr>
+        <p:txBody>
+          <a:bodyPr wrap="square" rtlCol="0">
+            <a:spAutoFit/>
+          </a:bodyPr>
+          <a:lstStyle/>
+          <a:p>
+            <a:endParaRPr lang="ko-KR" altLang="en-US" dirty="0"/>
+          </a:p>
+        </p:txBody>
+      </p:sp>
+      <p:sp>
+        <p:nvSpPr>
+          <p:cNvPr id="7" name="TextBox 6">
+            <a:extLst>
+              <a:ext uri="{FF2B5EF4-FFF2-40B4-BE49-F238E27FC236}">
+                <a16:creationId xmlns:a16="http://schemas.microsoft.com/office/drawing/2014/main" id="{AA199F92-F796-4B5D-A19A-1F755C20A3BF}"/>
+              </a:ext>
+            </a:extLst>
+          </p:cNvPr>
+          <p:cNvSpPr txBox="1"/>
+          <p:nvPr/>
+        </p:nvSpPr>
+        <p:spPr>
+          <a:xfrm>
+            <a:off x="1333306" y="147792"/>
+            <a:ext cx="3728622" cy="369332"/>
+          </a:xfrm>
+          <a:prstGeom prst="rect">
+            <a:avLst/>
+          </a:prstGeom>
+          <a:noFill/>
+        </p:spPr>
+        <p:txBody>
+          <a:bodyPr wrap="square" rtlCol="0">
+            <a:spAutoFit/>
+          </a:bodyPr>
+          <a:lstStyle/>
+          <a:p>
+            <a:pPr algn="ctr"/>
+            <a:r>
+              <a:rPr lang="en-US" altLang="ko-KR" dirty="0"/>
+              <a:t>“</a:t>
+            </a:r>
+            <a:r>
+              <a:rPr lang="ko-KR" altLang="en-US" dirty="0"/>
+              <a:t>중국</a:t>
+            </a:r>
+            <a:r>
+              <a:rPr lang="en-US" altLang="ko-KR" dirty="0"/>
+              <a:t>” </a:t>
+            </a:r>
+            <a:r>
+              <a:rPr lang="ko-KR" altLang="en-US" dirty="0"/>
+              <a:t>관련 한국 댓글</a:t>
+            </a:r>
+          </a:p>
+        </p:txBody>
+      </p:sp>
+      <p:sp>
+        <p:nvSpPr>
+          <p:cNvPr id="8" name="TextBox 7">
+            <a:extLst>
+              <a:ext uri="{FF2B5EF4-FFF2-40B4-BE49-F238E27FC236}">
+                <a16:creationId xmlns:a16="http://schemas.microsoft.com/office/drawing/2014/main" id="{4F55B618-92C2-4957-9F04-BE328850BA13}"/>
+              </a:ext>
+            </a:extLst>
+          </p:cNvPr>
+          <p:cNvSpPr txBox="1"/>
+          <p:nvPr/>
+        </p:nvSpPr>
+        <p:spPr>
+          <a:xfrm>
+            <a:off x="6558639" y="147792"/>
+            <a:ext cx="3728622" cy="369332"/>
+          </a:xfrm>
+          <a:prstGeom prst="rect">
+            <a:avLst/>
+          </a:prstGeom>
+          <a:noFill/>
+        </p:spPr>
+        <p:txBody>
+          <a:bodyPr wrap="square" rtlCol="0">
+            <a:spAutoFit/>
+          </a:bodyPr>
+          <a:lstStyle/>
+          <a:p>
+            <a:pPr algn="ctr"/>
+            <a:r>
+              <a:rPr lang="en-US" altLang="ko-KR" dirty="0"/>
+              <a:t>“</a:t>
+            </a:r>
+            <a:r>
+              <a:rPr lang="ko-KR" altLang="en-US" dirty="0"/>
+              <a:t>중국</a:t>
+            </a:r>
+            <a:r>
+              <a:rPr lang="en-US" altLang="ko-KR" dirty="0"/>
+              <a:t>” </a:t>
+            </a:r>
+            <a:r>
+              <a:rPr lang="ko-KR" altLang="en-US" dirty="0"/>
+              <a:t>관련 해외 댓글</a:t>
+            </a:r>
+          </a:p>
+        </p:txBody>
+      </p:sp>
+      <p:pic>
+        <p:nvPicPr>
+          <p:cNvPr id="4" name="그림 3">
+            <a:extLst>
+              <a:ext uri="{FF2B5EF4-FFF2-40B4-BE49-F238E27FC236}">
+                <a16:creationId xmlns:a16="http://schemas.microsoft.com/office/drawing/2014/main" id="{43230D3D-98A6-41C7-9E45-451BDDA00DD1}"/>
+              </a:ext>
+            </a:extLst>
+          </p:cNvPr>
+          <p:cNvPicPr>
+            <a:picLocks noChangeAspect="1"/>
+          </p:cNvPicPr>
+          <p:nvPr/>
+        </p:nvPicPr>
+        <p:blipFill>
+          <a:blip r:embed="rId3">
+            <a:extLst>
+              <a:ext uri="{28A0092B-C50C-407E-A947-70E740481C1C}">
+                <a14:useLocalDpi xmlns:a14="http://schemas.microsoft.com/office/drawing/2010/main" val="0"/>
+              </a:ext>
+            </a:extLst>
+          </a:blip>
+          <a:stretch>
+            <a:fillRect/>
+          </a:stretch>
+        </p:blipFill>
+        <p:spPr>
+          <a:xfrm>
+            <a:off x="6172014" y="634612"/>
+            <a:ext cx="5006087" cy="2794388"/>
+          </a:xfrm>
+          <a:prstGeom prst="rect">
+            <a:avLst/>
+          </a:prstGeom>
+        </p:spPr>
+      </p:pic>
       <p:graphicFrame>
         <p:nvGraphicFramePr>
-          <p:cNvPr id="2" name="표 3">
-            <a:extLst>
-              <a:ext uri="{FF2B5EF4-FFF2-40B4-BE49-F238E27FC236}">
-                <a16:creationId xmlns:a16="http://schemas.microsoft.com/office/drawing/2014/main" id="{C4E0A877-9E93-4D03-8475-2CAE300D67EF}"/>
+          <p:cNvPr id="10" name="표 3">
+            <a:extLst>
+              <a:ext uri="{FF2B5EF4-FFF2-40B4-BE49-F238E27FC236}">
+                <a16:creationId xmlns:a16="http://schemas.microsoft.com/office/drawing/2014/main" id="{6ABBC05D-6763-478C-A986-26254F601519}"/>
               </a:ext>
             </a:extLst>
           </p:cNvPr>
@@ -7993,13 +6972,13 @@
           <p:nvPr>
             <p:extLst>
               <p:ext uri="{D42A27DB-BD31-4B8C-83A1-F6EECF244321}">
-                <p14:modId xmlns:p14="http://schemas.microsoft.com/office/powerpoint/2010/main" val="563854971"/>
+                <p14:modId xmlns:p14="http://schemas.microsoft.com/office/powerpoint/2010/main" val="147292730"/>
               </p:ext>
             </p:extLst>
           </p:nvPr>
         </p:nvGraphicFramePr>
         <p:xfrm>
-          <a:off x="383220" y="3840827"/>
+          <a:off x="383220" y="3798332"/>
           <a:ext cx="11425560" cy="2768600"/>
         </p:xfrm>
         <a:graphic>
@@ -8299,46 +7278,10 @@
           </a:graphicData>
         </a:graphic>
       </p:graphicFrame>
-      <p:sp>
-        <p:nvSpPr>
-          <p:cNvPr id="4" name="TextBox 3">
-            <a:extLst>
-              <a:ext uri="{FF2B5EF4-FFF2-40B4-BE49-F238E27FC236}">
-                <a16:creationId xmlns:a16="http://schemas.microsoft.com/office/drawing/2014/main" id="{ED32C840-BEEC-463C-81E5-A1E22D5A31AF}"/>
-              </a:ext>
-            </a:extLst>
-          </p:cNvPr>
-          <p:cNvSpPr txBox="1"/>
-          <p:nvPr/>
-        </p:nvSpPr>
-        <p:spPr>
-          <a:xfrm>
-            <a:off x="383220" y="243393"/>
-            <a:ext cx="11425560" cy="369332"/>
-          </a:xfrm>
-          <a:prstGeom prst="rect">
-            <a:avLst/>
-          </a:prstGeom>
-          <a:noFill/>
-        </p:spPr>
-        <p:txBody>
-          <a:bodyPr wrap="square" rtlCol="0">
-            <a:spAutoFit/>
-          </a:bodyPr>
-          <a:lstStyle/>
-          <a:p>
-            <a:r>
-              <a:rPr lang="ko-KR" altLang="en-US"/>
-              <a:t>자료 정리</a:t>
-            </a:r>
-            <a:endParaRPr lang="ko-KR" altLang="en-US" dirty="0"/>
-          </a:p>
-        </p:txBody>
-      </p:sp>
     </p:spTree>
     <p:extLst>
       <p:ext uri="{BB962C8B-B14F-4D97-AF65-F5344CB8AC3E}">
-        <p14:creationId xmlns:p14="http://schemas.microsoft.com/office/powerpoint/2010/main" val="2258823023"/>
+        <p14:creationId xmlns:p14="http://schemas.microsoft.com/office/powerpoint/2010/main" val="1881117110"/>
       </p:ext>
     </p:extLst>
   </p:cSld>
@@ -8348,7 +7291,7 @@
 </p:sld>
 </file>
 
-<file path=ppt/slides/slide9.xml><?xml version="1.0" encoding="utf-8"?>
+<file path=ppt/slides/slide5.xml><?xml version="1.0" encoding="utf-8"?>
 <p:sld xmlns:a="http://schemas.openxmlformats.org/drawingml/2006/main" xmlns:r="http://schemas.openxmlformats.org/officeDocument/2006/relationships" xmlns:p="http://schemas.openxmlformats.org/presentationml/2006/main">
   <p:cSld>
     <p:spTree>
@@ -8365,6 +7308,462 @@
           <a:chExt cx="0" cy="0"/>
         </a:xfrm>
       </p:grpSpPr>
+      <p:graphicFrame>
+        <p:nvGraphicFramePr>
+          <p:cNvPr id="4" name="차트 3">
+            <a:extLst>
+              <a:ext uri="{FF2B5EF4-FFF2-40B4-BE49-F238E27FC236}">
+                <a16:creationId xmlns:a16="http://schemas.microsoft.com/office/drawing/2014/main" id="{CCE49028-7A22-476E-91FF-9AB00A12806F}"/>
+              </a:ext>
+            </a:extLst>
+          </p:cNvPr>
+          <p:cNvGraphicFramePr/>
+          <p:nvPr>
+            <p:extLst>
+              <p:ext uri="{D42A27DB-BD31-4B8C-83A1-F6EECF244321}">
+                <p14:modId xmlns:p14="http://schemas.microsoft.com/office/powerpoint/2010/main" val="2275940953"/>
+              </p:ext>
+            </p:extLst>
+          </p:nvPr>
+        </p:nvGraphicFramePr>
+        <p:xfrm>
+          <a:off x="687032" y="1618242"/>
+          <a:ext cx="4874827" cy="3621516"/>
+        </p:xfrm>
+        <a:graphic>
+          <a:graphicData uri="http://schemas.openxmlformats.org/drawingml/2006/chart">
+            <c:chart xmlns:c="http://schemas.openxmlformats.org/drawingml/2006/chart" xmlns:r="http://schemas.openxmlformats.org/officeDocument/2006/relationships" r:id="rId2"/>
+          </a:graphicData>
+        </a:graphic>
+      </p:graphicFrame>
+      <p:graphicFrame>
+        <p:nvGraphicFramePr>
+          <p:cNvPr id="7" name="차트 6">
+            <a:extLst>
+              <a:ext uri="{FF2B5EF4-FFF2-40B4-BE49-F238E27FC236}">
+                <a16:creationId xmlns:a16="http://schemas.microsoft.com/office/drawing/2014/main" id="{85125E9E-0B77-4B5A-A4D2-65BE9FCEF561}"/>
+              </a:ext>
+            </a:extLst>
+          </p:cNvPr>
+          <p:cNvGraphicFramePr/>
+          <p:nvPr>
+            <p:extLst>
+              <p:ext uri="{D42A27DB-BD31-4B8C-83A1-F6EECF244321}">
+                <p14:modId xmlns:p14="http://schemas.microsoft.com/office/powerpoint/2010/main" val="2013163211"/>
+              </p:ext>
+            </p:extLst>
+          </p:nvPr>
+        </p:nvGraphicFramePr>
+        <p:xfrm>
+          <a:off x="6027937" y="1618242"/>
+          <a:ext cx="4492101" cy="3621516"/>
+        </p:xfrm>
+        <a:graphic>
+          <a:graphicData uri="http://schemas.openxmlformats.org/drawingml/2006/chart">
+            <c:chart xmlns:c="http://schemas.openxmlformats.org/drawingml/2006/chart" xmlns:r="http://schemas.openxmlformats.org/officeDocument/2006/relationships" r:id="rId3"/>
+          </a:graphicData>
+        </a:graphic>
+      </p:graphicFrame>
+      <p:sp>
+        <p:nvSpPr>
+          <p:cNvPr id="8" name="TextBox 7">
+            <a:extLst>
+              <a:ext uri="{FF2B5EF4-FFF2-40B4-BE49-F238E27FC236}">
+                <a16:creationId xmlns:a16="http://schemas.microsoft.com/office/drawing/2014/main" id="{AF117410-F361-4F04-867B-DC803556F697}"/>
+              </a:ext>
+            </a:extLst>
+          </p:cNvPr>
+          <p:cNvSpPr txBox="1"/>
+          <p:nvPr/>
+        </p:nvSpPr>
+        <p:spPr>
+          <a:xfrm>
+            <a:off x="984033" y="417913"/>
+            <a:ext cx="9916358" cy="1200329"/>
+          </a:xfrm>
+          <a:prstGeom prst="rect">
+            <a:avLst/>
+          </a:prstGeom>
+          <a:noFill/>
+        </p:spPr>
+        <p:txBody>
+          <a:bodyPr wrap="square" rtlCol="0">
+            <a:spAutoFit/>
+          </a:bodyPr>
+          <a:lstStyle/>
+          <a:p>
+            <a:r>
+              <a:rPr lang="ko-KR" altLang="en-US" dirty="0"/>
+              <a:t>한국 댓글을 살펴보던 중 해외에선 이렇게 거센 비난이 나오지 않는다</a:t>
+            </a:r>
+            <a:r>
+              <a:rPr lang="en-US" altLang="ko-KR" dirty="0"/>
+              <a:t>, </a:t>
+            </a:r>
+            <a:r>
+              <a:rPr lang="ko-KR" altLang="en-US" dirty="0"/>
+              <a:t>코로나 바이러스를 생각해서 봐야한다 라는 내용을 보아서</a:t>
+            </a:r>
+            <a:r>
+              <a:rPr lang="en-US" altLang="ko-KR" dirty="0"/>
+              <a:t>, </a:t>
+            </a:r>
+            <a:r>
+              <a:rPr lang="ko-KR" altLang="en-US" dirty="0"/>
+              <a:t>실제로 그러한 가 조사해보았습니다</a:t>
+            </a:r>
+            <a:r>
+              <a:rPr lang="en-US" altLang="ko-KR" dirty="0"/>
+              <a:t>. </a:t>
+            </a:r>
+            <a:r>
+              <a:rPr lang="ko-KR" altLang="en-US" dirty="0"/>
+              <a:t>관련 단어는 </a:t>
+            </a:r>
+            <a:r>
+              <a:rPr lang="en-US" altLang="ko-KR" dirty="0"/>
+              <a:t>“Corona”</a:t>
+            </a:r>
+            <a:r>
+              <a:rPr lang="ko-KR" altLang="en-US" dirty="0"/>
+              <a:t>와 </a:t>
+            </a:r>
+            <a:r>
+              <a:rPr lang="en-US" altLang="ko-KR" dirty="0"/>
+              <a:t>“Pandemic”</a:t>
+            </a:r>
+            <a:r>
+              <a:rPr lang="ko-KR" altLang="en-US" dirty="0"/>
+              <a:t>이였고</a:t>
+            </a:r>
+            <a:r>
+              <a:rPr lang="en-US" altLang="ko-KR" dirty="0"/>
+              <a:t>, </a:t>
+            </a:r>
+            <a:r>
+              <a:rPr lang="ko-KR" altLang="en-US" dirty="0"/>
+              <a:t>각각 </a:t>
+            </a:r>
+            <a:r>
+              <a:rPr lang="en-US" altLang="ko-KR" dirty="0"/>
+              <a:t>18</a:t>
+            </a:r>
+            <a:r>
+              <a:rPr lang="ko-KR" altLang="en-US" dirty="0"/>
+              <a:t>개와 </a:t>
+            </a:r>
+            <a:r>
+              <a:rPr lang="en-US" altLang="ko-KR" dirty="0"/>
+              <a:t>27</a:t>
+            </a:r>
+            <a:r>
+              <a:rPr lang="ko-KR" altLang="en-US" dirty="0"/>
+              <a:t>개의 댓글이 있었습니다</a:t>
+            </a:r>
+            <a:r>
+              <a:rPr lang="en-US" altLang="ko-KR" dirty="0"/>
+              <a:t>. </a:t>
+            </a:r>
+            <a:r>
+              <a:rPr lang="ko-KR" altLang="en-US" dirty="0"/>
+              <a:t>그중 내용을 분석해봤을 때 이랬습니다</a:t>
+            </a:r>
+            <a:r>
+              <a:rPr lang="en-US" altLang="ko-KR" dirty="0"/>
+              <a:t>.</a:t>
+            </a:r>
+            <a:endParaRPr lang="ko-KR" altLang="en-US" dirty="0"/>
+          </a:p>
+        </p:txBody>
+      </p:sp>
+      <p:sp>
+        <p:nvSpPr>
+          <p:cNvPr id="9" name="TextBox 8">
+            <a:extLst>
+              <a:ext uri="{FF2B5EF4-FFF2-40B4-BE49-F238E27FC236}">
+                <a16:creationId xmlns:a16="http://schemas.microsoft.com/office/drawing/2014/main" id="{CA0D894A-5CEE-459D-9A79-23A8A92B7BC9}"/>
+              </a:ext>
+            </a:extLst>
+          </p:cNvPr>
+          <p:cNvSpPr txBox="1"/>
+          <p:nvPr/>
+        </p:nvSpPr>
+        <p:spPr>
+          <a:xfrm rot="10800000" flipV="1">
+            <a:off x="771188" y="5445736"/>
+            <a:ext cx="10649624" cy="923330"/>
+          </a:xfrm>
+          <a:prstGeom prst="rect">
+            <a:avLst/>
+          </a:prstGeom>
+          <a:noFill/>
+        </p:spPr>
+        <p:txBody>
+          <a:bodyPr wrap="square" rtlCol="0">
+            <a:spAutoFit/>
+          </a:bodyPr>
+          <a:lstStyle/>
+          <a:p>
+            <a:r>
+              <a:rPr lang="ko-KR" altLang="en-US" dirty="0"/>
+              <a:t>실제로 현재 코로나</a:t>
+            </a:r>
+            <a:r>
+              <a:rPr lang="en-US" altLang="ko-KR" dirty="0"/>
+              <a:t>19</a:t>
+            </a:r>
+            <a:r>
+              <a:rPr lang="ko-KR" altLang="en-US" dirty="0"/>
+              <a:t>바이러스가 전 세계에 퍼져 정상적인 행사 진행이 어려웠던 만큼 긍정적인 의견 중 그에 대해 동정하는 여론도 적지 않았습니다</a:t>
+            </a:r>
+            <a:r>
+              <a:rPr lang="en-US" altLang="ko-KR" dirty="0"/>
+              <a:t>. </a:t>
+            </a:r>
+            <a:r>
+              <a:rPr lang="ko-KR" altLang="en-US" dirty="0"/>
+              <a:t>다만 어디까지나 이런 상황이니 퀄리티가 떨어져도 어쩔 수 없다는 의견이지</a:t>
+            </a:r>
+            <a:r>
+              <a:rPr lang="en-US" altLang="ko-KR" dirty="0"/>
+              <a:t>, </a:t>
+            </a:r>
+            <a:r>
+              <a:rPr lang="ko-KR" altLang="en-US" dirty="0"/>
+              <a:t>개막식 행사 자체가 좋았다고 말한 의견은 </a:t>
+            </a:r>
+            <a:r>
+              <a:rPr lang="en-US" altLang="ko-KR" dirty="0"/>
+              <a:t>1</a:t>
+            </a:r>
+            <a:r>
+              <a:rPr lang="ko-KR" altLang="en-US" dirty="0"/>
+              <a:t>개 내지 </a:t>
+            </a:r>
+            <a:r>
+              <a:rPr lang="en-US" altLang="ko-KR" dirty="0"/>
+              <a:t>2</a:t>
+            </a:r>
+            <a:r>
+              <a:rPr lang="ko-KR" altLang="en-US" dirty="0"/>
+              <a:t>개였습니다</a:t>
+            </a:r>
+            <a:r>
+              <a:rPr lang="en-US" altLang="ko-KR" dirty="0"/>
+              <a:t>.</a:t>
+            </a:r>
+            <a:endParaRPr lang="ko-KR" altLang="en-US" dirty="0"/>
+          </a:p>
+        </p:txBody>
+      </p:sp>
+    </p:spTree>
+    <p:extLst>
+      <p:ext uri="{BB962C8B-B14F-4D97-AF65-F5344CB8AC3E}">
+        <p14:creationId xmlns:p14="http://schemas.microsoft.com/office/powerpoint/2010/main" val="2874691030"/>
+      </p:ext>
+    </p:extLst>
+  </p:cSld>
+  <p:clrMapOvr>
+    <a:masterClrMapping/>
+  </p:clrMapOvr>
+</p:sld>
+</file>
+
+<file path=ppt/slides/slide6.xml><?xml version="1.0" encoding="utf-8"?>
+<p:sld xmlns:a="http://schemas.openxmlformats.org/drawingml/2006/main" xmlns:r="http://schemas.openxmlformats.org/officeDocument/2006/relationships" xmlns:p="http://schemas.openxmlformats.org/presentationml/2006/main">
+  <p:cSld>
+    <p:spTree>
+      <p:nvGrpSpPr>
+        <p:cNvPr id="1" name=""/>
+        <p:cNvGrpSpPr/>
+        <p:nvPr/>
+      </p:nvGrpSpPr>
+      <p:grpSpPr>
+        <a:xfrm>
+          <a:off x="0" y="0"/>
+          <a:ext cx="0" cy="0"/>
+          <a:chOff x="0" y="0"/>
+          <a:chExt cx="0" cy="0"/>
+        </a:xfrm>
+      </p:grpSpPr>
+      <p:pic>
+        <p:nvPicPr>
+          <p:cNvPr id="3" name="그림 2">
+            <a:extLst>
+              <a:ext uri="{FF2B5EF4-FFF2-40B4-BE49-F238E27FC236}">
+                <a16:creationId xmlns:a16="http://schemas.microsoft.com/office/drawing/2014/main" id="{1960954F-BBF5-4B71-938A-7D4A148391EC}"/>
+              </a:ext>
+            </a:extLst>
+          </p:cNvPr>
+          <p:cNvPicPr>
+            <a:picLocks noChangeAspect="1"/>
+          </p:cNvPicPr>
+          <p:nvPr/>
+        </p:nvPicPr>
+        <p:blipFill>
+          <a:blip r:embed="rId2">
+            <a:extLst>
+              <a:ext uri="{28A0092B-C50C-407E-A947-70E740481C1C}">
+                <a14:useLocalDpi xmlns:a14="http://schemas.microsoft.com/office/drawing/2010/main" val="0"/>
+              </a:ext>
+            </a:extLst>
+          </a:blip>
+          <a:stretch>
+            <a:fillRect/>
+          </a:stretch>
+        </p:blipFill>
+        <p:spPr>
+          <a:xfrm>
+            <a:off x="3030109" y="594802"/>
+            <a:ext cx="6131777" cy="3886678"/>
+          </a:xfrm>
+          <a:prstGeom prst="rect">
+            <a:avLst/>
+          </a:prstGeom>
+        </p:spPr>
+      </p:pic>
+      <p:sp>
+        <p:nvSpPr>
+          <p:cNvPr id="4" name="TextBox 3">
+            <a:extLst>
+              <a:ext uri="{FF2B5EF4-FFF2-40B4-BE49-F238E27FC236}">
+                <a16:creationId xmlns:a16="http://schemas.microsoft.com/office/drawing/2014/main" id="{B95EE918-148D-4195-B7B6-06CCEB0A3D4E}"/>
+              </a:ext>
+            </a:extLst>
+          </p:cNvPr>
+          <p:cNvSpPr txBox="1"/>
+          <p:nvPr/>
+        </p:nvSpPr>
+        <p:spPr>
+          <a:xfrm>
+            <a:off x="605160" y="4687410"/>
+            <a:ext cx="10981677" cy="1477328"/>
+          </a:xfrm>
+          <a:prstGeom prst="rect">
+            <a:avLst/>
+          </a:prstGeom>
+          <a:noFill/>
+        </p:spPr>
+        <p:txBody>
+          <a:bodyPr wrap="square" rtlCol="0">
+            <a:spAutoFit/>
+          </a:bodyPr>
+          <a:lstStyle/>
+          <a:p>
+            <a:r>
+              <a:rPr lang="ko-KR" altLang="en-US" dirty="0"/>
+              <a:t>한국에서 많이 나온 내용 중 하나는 무대 연출에 관한 내용이었습니다</a:t>
+            </a:r>
+            <a:r>
+              <a:rPr lang="en-US" altLang="ko-KR" dirty="0"/>
+              <a:t>. </a:t>
+            </a:r>
+            <a:r>
+              <a:rPr lang="ko-KR" altLang="en-US" dirty="0"/>
+              <a:t>앞서 나온 </a:t>
+            </a:r>
+            <a:r>
+              <a:rPr lang="en-US" altLang="ko-KR" dirty="0"/>
+              <a:t>“K/DA”</a:t>
+            </a:r>
+            <a:r>
+              <a:rPr lang="ko-KR" altLang="en-US" dirty="0"/>
+              <a:t>의 공연과 관련된 내용</a:t>
+            </a:r>
+            <a:r>
+              <a:rPr lang="en-US" altLang="ko-KR" dirty="0"/>
+              <a:t>(</a:t>
+            </a:r>
+            <a:r>
+              <a:rPr lang="ko-KR" altLang="en-US" dirty="0"/>
+              <a:t>그래픽</a:t>
+            </a:r>
+            <a:r>
+              <a:rPr lang="en-US" altLang="ko-KR" dirty="0"/>
+              <a:t>, </a:t>
+            </a:r>
+            <a:r>
+              <a:rPr lang="ko-KR" altLang="en-US" dirty="0"/>
+              <a:t>그림자</a:t>
+            </a:r>
+            <a:r>
+              <a:rPr lang="en-US" altLang="ko-KR" dirty="0"/>
+              <a:t>)</a:t>
+            </a:r>
+            <a:r>
+              <a:rPr lang="ko-KR" altLang="en-US" dirty="0"/>
+              <a:t>과 더불어 단순히 사람들이 많이 올라와 춤을 추고 칼싸움을 하는 공연이 무슨 의미를 지니는 지 모르겠다는 의미도 있었습니다</a:t>
+            </a:r>
+            <a:r>
+              <a:rPr lang="en-US" altLang="ko-KR" dirty="0"/>
+              <a:t>. </a:t>
+            </a:r>
+            <a:r>
+              <a:rPr lang="ko-KR" altLang="en-US" dirty="0"/>
+              <a:t>심한 경우 </a:t>
+            </a:r>
+            <a:r>
+              <a:rPr lang="en-US" altLang="ko-KR" dirty="0"/>
+              <a:t>‘</a:t>
+            </a:r>
+            <a:r>
+              <a:rPr lang="ko-KR" altLang="en-US" dirty="0"/>
+              <a:t>학예회</a:t>
+            </a:r>
+            <a:r>
+              <a:rPr lang="en-US" altLang="ko-KR" dirty="0"/>
+              <a:t>＇</a:t>
+            </a:r>
+            <a:r>
+              <a:rPr lang="ko-KR" altLang="en-US" dirty="0"/>
+              <a:t>라고 말하기도 했습니다</a:t>
+            </a:r>
+            <a:r>
+              <a:rPr lang="en-US" altLang="ko-KR" dirty="0"/>
+              <a:t>. </a:t>
+            </a:r>
+            <a:r>
+              <a:rPr lang="ko-KR" altLang="en-US" dirty="0"/>
+              <a:t>앞서 해외에선 이러한 무대 연출에 대해 코로나 시국이니 이해해야 한다는 의견이 존재했다면 이러한 부분에 대한 언급은 없었습니다</a:t>
+            </a:r>
+            <a:r>
+              <a:rPr lang="en-US" altLang="ko-KR" dirty="0"/>
+              <a:t>.</a:t>
+            </a:r>
+            <a:endParaRPr lang="ko-KR" altLang="en-US" dirty="0"/>
+          </a:p>
+        </p:txBody>
+      </p:sp>
+    </p:spTree>
+    <p:extLst>
+      <p:ext uri="{BB962C8B-B14F-4D97-AF65-F5344CB8AC3E}">
+        <p14:creationId xmlns:p14="http://schemas.microsoft.com/office/powerpoint/2010/main" val="749522503"/>
+      </p:ext>
+    </p:extLst>
+  </p:cSld>
+  <p:clrMapOvr>
+    <a:masterClrMapping/>
+  </p:clrMapOvr>
+</p:sld>
+</file>
+
+<file path=ppt/slides/slide7.xml><?xml version="1.0" encoding="utf-8"?>
+<p:sld xmlns:a="http://schemas.openxmlformats.org/drawingml/2006/main" xmlns:r="http://schemas.openxmlformats.org/officeDocument/2006/relationships" xmlns:p="http://schemas.openxmlformats.org/presentationml/2006/main">
+  <p:cSld>
+    <p:spTree>
+      <p:nvGrpSpPr>
+        <p:cNvPr id="1" name=""/>
+        <p:cNvGrpSpPr/>
+        <p:nvPr/>
+      </p:nvGrpSpPr>
+      <p:grpSpPr>
+        <a:xfrm>
+          <a:off x="0" y="0"/>
+          <a:ext cx="0" cy="0"/>
+          <a:chOff x="0" y="0"/>
+          <a:chExt cx="0" cy="0"/>
+        </a:xfrm>
+      </p:grpSpPr>
       <p:sp>
         <p:nvSpPr>
           <p:cNvPr id="2" name="제목 1">
@@ -8390,11 +7789,6 @@
               <a:rPr lang="ko-KR" altLang="en-US" dirty="0"/>
               <a:t>정리</a:t>
             </a:r>
-            <a:r>
-              <a:rPr lang="en-US" altLang="ko-KR" dirty="0"/>
-              <a:t>-2</a:t>
-            </a:r>
-            <a:endParaRPr lang="ko-KR" altLang="en-US" dirty="0"/>
           </a:p>
         </p:txBody>
       </p:sp>
@@ -8421,15 +7815,47 @@
           <a:p>
             <a:r>
               <a:rPr lang="ko-KR" altLang="en-US" dirty="0"/>
-              <a:t>해외에선 그래도 코로나</a:t>
-            </a:r>
-            <a:r>
-              <a:rPr lang="en-US" altLang="ko-KR" dirty="0"/>
-              <a:t>19</a:t>
-            </a:r>
-            <a:r>
-              <a:rPr lang="ko-KR" altLang="en-US" dirty="0"/>
-              <a:t>로 인해 행사 준비가 원활하지 않았다는 점에서 비록 기대 이하였을지라도 이정도면 선방했다고 보는 시각도 존재했지만</a:t>
+              <a:t>해외 및 한국 공통으로 나온 내용은 </a:t>
+            </a:r>
+            <a:r>
+              <a:rPr lang="en-US" altLang="ko-KR" dirty="0"/>
+              <a:t>2020</a:t>
+            </a:r>
+            <a:r>
+              <a:rPr lang="ko-KR" altLang="en-US" dirty="0"/>
+              <a:t> </a:t>
+            </a:r>
+            <a:r>
+              <a:rPr lang="ko-KR" altLang="en-US" dirty="0" err="1"/>
+              <a:t>리그오브레전드</a:t>
+            </a:r>
+            <a:r>
+              <a:rPr lang="ko-KR" altLang="en-US" dirty="0"/>
+              <a:t> </a:t>
+            </a:r>
+            <a:r>
+              <a:rPr lang="ko-KR" altLang="en-US" dirty="0" err="1"/>
+              <a:t>월드챔피언쉽</a:t>
+            </a:r>
+            <a:r>
+              <a:rPr lang="ko-KR" altLang="en-US" dirty="0"/>
+              <a:t> 결승전 개막식이 기대치</a:t>
+            </a:r>
+            <a:r>
+              <a:rPr lang="en-US" altLang="ko-KR" dirty="0"/>
+              <a:t>(</a:t>
+            </a:r>
+            <a:r>
+              <a:rPr lang="ko-KR" altLang="en-US" dirty="0"/>
+              <a:t>게임 </a:t>
+            </a:r>
+            <a:r>
+              <a:rPr lang="en-US" altLang="ko-KR" dirty="0"/>
+              <a:t>10</a:t>
+            </a:r>
+            <a:r>
+              <a:rPr lang="ko-KR" altLang="en-US" dirty="0"/>
+              <a:t>주년</a:t>
             </a:r>
             <a:r>
               <a:rPr lang="en-US" altLang="ko-KR" dirty="0"/>
@@ -8437,26 +7863,73 @@
             </a:r>
             <a:r>
               <a:rPr lang="ko-KR" altLang="en-US" dirty="0"/>
-              <a:t>한국 댓글에선 이러한 내용은 볼 수 없었습니다</a:t>
-            </a:r>
-            <a:endParaRPr lang="en-US" altLang="ko-KR" dirty="0"/>
-          </a:p>
-          <a:p>
-            <a:r>
-              <a:rPr lang="ko-KR" altLang="en-US" dirty="0"/>
-              <a:t>어떻게 보면 한국과 해외 댓글에서 비슷하게 나온 내용이 무대의 연출과 구성</a:t>
-            </a:r>
-            <a:r>
-              <a:rPr lang="en-US" altLang="ko-KR" dirty="0"/>
-              <a:t>(</a:t>
-            </a:r>
-            <a:r>
-              <a:rPr lang="ko-KR" altLang="en-US" dirty="0"/>
-              <a:t>난데없는 </a:t>
+              <a:t>중국회사에서 개최</a:t>
+            </a:r>
+            <a:r>
+              <a:rPr lang="en-US" altLang="ko-KR" dirty="0"/>
+              <a:t>)</a:t>
+            </a:r>
+            <a:r>
+              <a:rPr lang="ko-KR" altLang="en-US" dirty="0"/>
+              <a:t>에 떨어진다는 내용이 대다수였으며</a:t>
+            </a:r>
+            <a:r>
+              <a:rPr lang="en-US" altLang="ko-KR" dirty="0"/>
+              <a:t>, </a:t>
+            </a:r>
+            <a:r>
+              <a:rPr lang="ko-KR" altLang="en-US" dirty="0"/>
+              <a:t>공통적으로 꼽은 문제점은 컴백한 </a:t>
+            </a:r>
+            <a:r>
+              <a:rPr lang="en-US" altLang="ko-KR" dirty="0"/>
+              <a:t>K/DA</a:t>
+            </a:r>
+            <a:r>
+              <a:rPr lang="ko-KR" altLang="en-US" dirty="0"/>
+              <a:t>의 무대의 퀄리티가 떨어진다는 점</a:t>
+            </a:r>
+            <a:r>
+              <a:rPr lang="en-US" altLang="ko-KR" dirty="0"/>
+              <a:t>, </a:t>
+            </a:r>
+            <a:r>
+              <a:rPr lang="ko-KR" altLang="en-US" dirty="0"/>
+              <a:t>그리고 너무 중국 위주로 행사가 진행된 점에 있었음</a:t>
+            </a:r>
+            <a:r>
+              <a:rPr lang="en-US" altLang="ko-KR" dirty="0"/>
+              <a:t>.</a:t>
+            </a:r>
+          </a:p>
+          <a:p>
+            <a:r>
+              <a:rPr lang="ko-KR" altLang="en-US" dirty="0"/>
+              <a:t>한국에선 </a:t>
+            </a:r>
+            <a:r>
+              <a:rPr lang="en-US" altLang="ko-KR" dirty="0"/>
+              <a:t>KPOP</a:t>
+            </a:r>
+            <a:r>
+              <a:rPr lang="ko-KR" altLang="en-US" dirty="0"/>
+              <a:t>그룹인 </a:t>
+            </a:r>
+            <a:r>
+              <a:rPr lang="en-US" altLang="ko-KR" dirty="0"/>
+              <a:t>K/DA</a:t>
+            </a:r>
+            <a:r>
+              <a:rPr lang="ko-KR" altLang="en-US" dirty="0"/>
+              <a:t>에서 중국계 캐릭터인 </a:t>
             </a:r>
             <a:r>
               <a:rPr lang="ko-KR" altLang="en-US" dirty="0" err="1"/>
-              <a:t>칼싸움</a:t>
+              <a:t>세라핀에</a:t>
+            </a:r>
+            <a:r>
+              <a:rPr lang="ko-KR" altLang="en-US" dirty="0"/>
+              <a:t> 대한 노골적인 편애</a:t>
             </a:r>
             <a:r>
               <a:rPr lang="en-US" altLang="ko-KR" dirty="0"/>
@@ -8464,7 +7937,31 @@
             </a:r>
             <a:r>
               <a:rPr lang="ko-KR" altLang="en-US" dirty="0"/>
-              <a:t>기대 이하의 </a:t>
+              <a:t>같이 결승에 올라온 한국팀 </a:t>
+            </a:r>
+            <a:r>
+              <a:rPr lang="ko-KR" altLang="en-US" dirty="0" err="1"/>
+              <a:t>담원게이밍에</a:t>
+            </a:r>
+            <a:r>
+              <a:rPr lang="ko-KR" altLang="en-US" dirty="0"/>
+              <a:t> 대한 푸대접</a:t>
+            </a:r>
+            <a:r>
+              <a:rPr lang="en-US" altLang="ko-KR" dirty="0"/>
+              <a:t> </a:t>
+            </a:r>
+            <a:r>
+              <a:rPr lang="ko-KR" altLang="en-US" dirty="0"/>
+              <a:t>등이 비판의 도마위에 올라왔습니다</a:t>
+            </a:r>
+            <a:r>
+              <a:rPr lang="en-US" altLang="ko-KR" dirty="0"/>
+              <a:t>. </a:t>
+            </a:r>
+            <a:r>
+              <a:rPr lang="ko-KR" altLang="en-US" dirty="0"/>
+              <a:t>해외에선 앞서 언급한 </a:t>
             </a:r>
             <a:r>
               <a:rPr lang="en-US" altLang="ko-KR" dirty="0"/>
@@ -8472,31 +7969,15 @@
             </a:r>
             <a:r>
               <a:rPr lang="ko-KR" altLang="en-US" dirty="0"/>
-              <a:t>의 무대</a:t>
-            </a:r>
-            <a:r>
-              <a:rPr lang="en-US" altLang="ko-KR" dirty="0"/>
-              <a:t>, </a:t>
-            </a:r>
-            <a:r>
-              <a:rPr lang="ko-KR" altLang="en-US" dirty="0"/>
-              <a:t>단체로 나와 춤을 추는 구성</a:t>
-            </a:r>
-            <a:r>
-              <a:rPr lang="en-US" altLang="ko-KR" dirty="0"/>
-              <a:t>)</a:t>
-            </a:r>
-            <a:r>
-              <a:rPr lang="ko-KR" altLang="en-US" dirty="0"/>
-              <a:t>에 대해 한국은 냉정하게</a:t>
-            </a:r>
-            <a:r>
-              <a:rPr lang="en-US" altLang="ko-KR" dirty="0"/>
-              <a:t>, </a:t>
-            </a:r>
-            <a:r>
-              <a:rPr lang="ko-KR" altLang="en-US" dirty="0"/>
-              <a:t>해외에선 동정적으로 보지 않았나 해석할 수 있다고 볼 수 있습니다</a:t>
+              <a:t>의 무대와 더불어 노골적인 중국을 위한 행사라는 점에서 </a:t>
+            </a:r>
+            <a:r>
+              <a:rPr lang="ko-KR" altLang="en-US" dirty="0" err="1"/>
+              <a:t>눈쌀을</a:t>
+            </a:r>
+            <a:r>
+              <a:rPr lang="ko-KR" altLang="en-US" dirty="0"/>
+              <a:t> 찌푸렸습니다</a:t>
             </a:r>
             <a:r>
               <a:rPr lang="en-US" altLang="ko-KR" dirty="0"/>
@@ -8510,6 +7991,210 @@
     <p:extLst>
       <p:ext uri="{BB962C8B-B14F-4D97-AF65-F5344CB8AC3E}">
         <p14:creationId xmlns:p14="http://schemas.microsoft.com/office/powerpoint/2010/main" val="552289409"/>
+      </p:ext>
+    </p:extLst>
+  </p:cSld>
+  <p:clrMapOvr>
+    <a:masterClrMapping/>
+  </p:clrMapOvr>
+</p:sld>
+</file>
+
+<file path=ppt/slides/slide8.xml><?xml version="1.0" encoding="utf-8"?>
+<p:sld xmlns:a="http://schemas.openxmlformats.org/drawingml/2006/main" xmlns:r="http://schemas.openxmlformats.org/officeDocument/2006/relationships" xmlns:p="http://schemas.openxmlformats.org/presentationml/2006/main">
+  <p:cSld>
+    <p:spTree>
+      <p:nvGrpSpPr>
+        <p:cNvPr id="1" name=""/>
+        <p:cNvGrpSpPr/>
+        <p:nvPr/>
+      </p:nvGrpSpPr>
+      <p:grpSpPr>
+        <a:xfrm>
+          <a:off x="0" y="0"/>
+          <a:ext cx="0" cy="0"/>
+          <a:chOff x="0" y="0"/>
+          <a:chExt cx="0" cy="0"/>
+        </a:xfrm>
+      </p:grpSpPr>
+      <p:sp>
+        <p:nvSpPr>
+          <p:cNvPr id="2" name="제목 1">
+            <a:extLst>
+              <a:ext uri="{FF2B5EF4-FFF2-40B4-BE49-F238E27FC236}">
+                <a16:creationId xmlns:a16="http://schemas.microsoft.com/office/drawing/2014/main" id="{A11F064D-D15C-4E8F-A148-88C2F2502179}"/>
+              </a:ext>
+            </a:extLst>
+          </p:cNvPr>
+          <p:cNvSpPr>
+            <a:spLocks noGrp="1"/>
+          </p:cNvSpPr>
+          <p:nvPr>
+            <p:ph type="title"/>
+          </p:nvPr>
+        </p:nvSpPr>
+        <p:spPr/>
+        <p:txBody>
+          <a:bodyPr/>
+          <a:lstStyle/>
+          <a:p>
+            <a:r>
+              <a:rPr lang="ko-KR" altLang="en-US" dirty="0"/>
+              <a:t>정리</a:t>
+            </a:r>
+            <a:r>
+              <a:rPr lang="en-US" altLang="ko-KR" dirty="0"/>
+              <a:t>-2</a:t>
+            </a:r>
+            <a:endParaRPr lang="ko-KR" altLang="en-US" dirty="0"/>
+          </a:p>
+        </p:txBody>
+      </p:sp>
+      <p:sp>
+        <p:nvSpPr>
+          <p:cNvPr id="3" name="내용 개체 틀 2">
+            <a:extLst>
+              <a:ext uri="{FF2B5EF4-FFF2-40B4-BE49-F238E27FC236}">
+                <a16:creationId xmlns:a16="http://schemas.microsoft.com/office/drawing/2014/main" id="{669F0BE4-5F53-47AF-A120-CABC3343D05C}"/>
+              </a:ext>
+            </a:extLst>
+          </p:cNvPr>
+          <p:cNvSpPr>
+            <a:spLocks noGrp="1"/>
+          </p:cNvSpPr>
+          <p:nvPr>
+            <p:ph idx="1"/>
+          </p:nvPr>
+        </p:nvSpPr>
+        <p:spPr/>
+        <p:txBody>
+          <a:bodyPr>
+            <a:normAutofit lnSpcReduction="10000"/>
+          </a:bodyPr>
+          <a:lstStyle/>
+          <a:p>
+            <a:r>
+              <a:rPr lang="ko-KR" altLang="en-US" dirty="0"/>
+              <a:t>다만 코로나</a:t>
+            </a:r>
+            <a:r>
+              <a:rPr lang="en-US" altLang="ko-KR" dirty="0"/>
+              <a:t>19</a:t>
+            </a:r>
+            <a:r>
+              <a:rPr lang="ko-KR" altLang="en-US" dirty="0"/>
+              <a:t>라는 전대미문의 상황이기에 정상참작의 여지는 있다는 의견도 존재했습니다</a:t>
+            </a:r>
+            <a:r>
+              <a:rPr lang="en-US" altLang="ko-KR" dirty="0"/>
+              <a:t>. </a:t>
+            </a:r>
+            <a:r>
+              <a:rPr lang="ko-KR" altLang="en-US" dirty="0"/>
+              <a:t>다음 </a:t>
+            </a:r>
+            <a:r>
+              <a:rPr lang="ko-KR" altLang="en-US" dirty="0" err="1"/>
+              <a:t>리그오브레전드</a:t>
+            </a:r>
+            <a:r>
+              <a:rPr lang="ko-KR" altLang="en-US" dirty="0"/>
+              <a:t> </a:t>
+            </a:r>
+            <a:r>
+              <a:rPr lang="ko-KR" altLang="en-US" dirty="0" err="1"/>
+              <a:t>월드챔피언쉽</a:t>
+            </a:r>
+            <a:r>
+              <a:rPr lang="ko-KR" altLang="en-US" dirty="0"/>
+              <a:t> 결승전도 중국에서 열리는 만큼</a:t>
+            </a:r>
+            <a:r>
+              <a:rPr lang="en-US" altLang="ko-KR" dirty="0"/>
+              <a:t>, </a:t>
+            </a:r>
+            <a:r>
+              <a:rPr lang="ko-KR" altLang="en-US" dirty="0"/>
+              <a:t>거기에 기대를 해보자는 의견도 존재했습니다</a:t>
+            </a:r>
+            <a:r>
+              <a:rPr lang="en-US" altLang="ko-KR" dirty="0"/>
+              <a:t>.</a:t>
+            </a:r>
+          </a:p>
+          <a:p>
+            <a:r>
+              <a:rPr lang="ko-KR" altLang="en-US" dirty="0"/>
+              <a:t>한국 댓글에선 대부분 중국이 언급되었으며</a:t>
+            </a:r>
+            <a:r>
+              <a:rPr lang="en-US" altLang="ko-KR" dirty="0"/>
+              <a:t>, </a:t>
+            </a:r>
+            <a:r>
+              <a:rPr lang="ko-KR" altLang="en-US" dirty="0"/>
+              <a:t>어떤 댓글에는 한국이 너무 </a:t>
+            </a:r>
+            <a:r>
+              <a:rPr lang="ko-KR" altLang="en-US" dirty="0" err="1"/>
+              <a:t>반중</a:t>
+            </a:r>
+            <a:r>
+              <a:rPr lang="ko-KR" altLang="en-US" dirty="0"/>
+              <a:t> 감정에 휩싸여 더 </a:t>
+            </a:r>
+            <a:r>
+              <a:rPr lang="ko-KR" altLang="en-US" dirty="0" err="1"/>
+              <a:t>악평한다는</a:t>
+            </a:r>
+            <a:r>
+              <a:rPr lang="ko-KR" altLang="en-US" dirty="0"/>
+              <a:t> 내용도 있었습니다</a:t>
+            </a:r>
+            <a:r>
+              <a:rPr lang="en-US" altLang="ko-KR" dirty="0"/>
+              <a:t>. </a:t>
+            </a:r>
+            <a:r>
+              <a:rPr lang="ko-KR" altLang="en-US" dirty="0"/>
+              <a:t>실제로 필자도 그렇게 생각할 정도로 노골적으로 중국에서 진행했다는 이유만으로 비난하는 경우도 많았습니다</a:t>
+            </a:r>
+            <a:r>
+              <a:rPr lang="en-US" altLang="ko-KR" dirty="0"/>
+              <a:t>. </a:t>
+            </a:r>
+            <a:r>
+              <a:rPr lang="ko-KR" altLang="en-US" dirty="0"/>
+              <a:t>다만 한국팀도 결승전에 올라가 있고</a:t>
+            </a:r>
+            <a:r>
+              <a:rPr lang="en-US" altLang="ko-KR" dirty="0"/>
+              <a:t>, KPOP</a:t>
+            </a:r>
+            <a:r>
+              <a:rPr lang="ko-KR" altLang="en-US" dirty="0"/>
+              <a:t>그룹인 </a:t>
+            </a:r>
+            <a:r>
+              <a:rPr lang="en-US" altLang="ko-KR" dirty="0"/>
+              <a:t>K/DA</a:t>
+            </a:r>
+            <a:r>
+              <a:rPr lang="ko-KR" altLang="en-US" dirty="0"/>
+              <a:t>의 공연도 있었던 만큼 한국에서 무관하게 본다는 것도 무리가 아닐까 생각됩니다</a:t>
+            </a:r>
+            <a:r>
+              <a:rPr lang="en-US" altLang="ko-KR" dirty="0"/>
+              <a:t>.</a:t>
+            </a:r>
+            <a:endParaRPr lang="ko-KR" altLang="en-US" dirty="0"/>
+          </a:p>
+        </p:txBody>
+      </p:sp>
+    </p:spTree>
+    <p:extLst>
+      <p:ext uri="{BB962C8B-B14F-4D97-AF65-F5344CB8AC3E}">
+        <p14:creationId xmlns:p14="http://schemas.microsoft.com/office/powerpoint/2010/main" val="1248799996"/>
       </p:ext>
     </p:extLst>
   </p:cSld>
